--- a/01.docs/[SELVI] 사이트 운영 가이드.pptx
+++ b/01.docs/[SELVI] 사이트 운영 가이드.pptx
@@ -5,7 +5,7 @@
     <p:sldMasterId id="2147483648" r:id="rId1"/>
   </p:sldMasterIdLst>
   <p:handoutMasterIdLst>
-    <p:handoutMasterId r:id="rId16"/>
+    <p:handoutMasterId r:id="rId18"/>
   </p:handoutMasterIdLst>
   <p:sldIdLst>
     <p:sldId id="256" r:id="rId2"/>
@@ -18,10 +18,12 @@
     <p:sldId id="268" r:id="rId9"/>
     <p:sldId id="270" r:id="rId10"/>
     <p:sldId id="269" r:id="rId11"/>
-    <p:sldId id="271" r:id="rId12"/>
-    <p:sldId id="272" r:id="rId13"/>
-    <p:sldId id="273" r:id="rId14"/>
-    <p:sldId id="274" r:id="rId15"/>
+    <p:sldId id="275" r:id="rId12"/>
+    <p:sldId id="271" r:id="rId13"/>
+    <p:sldId id="272" r:id="rId14"/>
+    <p:sldId id="273" r:id="rId15"/>
+    <p:sldId id="274" r:id="rId16"/>
+    <p:sldId id="276" r:id="rId17"/>
   </p:sldIdLst>
   <p:sldSz cx="9144000" cy="6858000" type="screen4x3"/>
   <p:notesSz cx="6858000" cy="9144000"/>
@@ -205,7 +207,7 @@
           <a:p>
             <a:fld id="{DE940DAD-0BAE-4483-B2D1-3A71AEA6A761}" type="datetimeFigureOut">
               <a:rPr lang="ko-KR" altLang="en-US" smtClean="0"/>
-              <a:t>2017-05-19</a:t>
+              <a:t>2017-05-23</a:t>
             </a:fld>
             <a:endParaRPr lang="ko-KR" altLang="en-US"/>
           </a:p>
@@ -469,7 +471,7 @@
           <a:p>
             <a:fld id="{704D2C6A-BAC9-49A9-8FD6-B9DB2061A8D2}" type="datetimeFigureOut">
               <a:rPr lang="ko-KR" altLang="en-US" smtClean="0"/>
-              <a:t>2017-05-19</a:t>
+              <a:t>2017-05-23</a:t>
             </a:fld>
             <a:endParaRPr lang="ko-KR" altLang="en-US"/>
           </a:p>
@@ -639,7 +641,7 @@
           <a:p>
             <a:fld id="{704D2C6A-BAC9-49A9-8FD6-B9DB2061A8D2}" type="datetimeFigureOut">
               <a:rPr lang="ko-KR" altLang="en-US" smtClean="0"/>
-              <a:t>2017-05-19</a:t>
+              <a:t>2017-05-23</a:t>
             </a:fld>
             <a:endParaRPr lang="ko-KR" altLang="en-US"/>
           </a:p>
@@ -819,7 +821,7 @@
           <a:p>
             <a:fld id="{704D2C6A-BAC9-49A9-8FD6-B9DB2061A8D2}" type="datetimeFigureOut">
               <a:rPr lang="ko-KR" altLang="en-US" smtClean="0"/>
-              <a:t>2017-05-19</a:t>
+              <a:t>2017-05-23</a:t>
             </a:fld>
             <a:endParaRPr lang="ko-KR" altLang="en-US"/>
           </a:p>
@@ -989,7 +991,7 @@
           <a:p>
             <a:fld id="{704D2C6A-BAC9-49A9-8FD6-B9DB2061A8D2}" type="datetimeFigureOut">
               <a:rPr lang="ko-KR" altLang="en-US" smtClean="0"/>
-              <a:t>2017-05-19</a:t>
+              <a:t>2017-05-23</a:t>
             </a:fld>
             <a:endParaRPr lang="ko-KR" altLang="en-US"/>
           </a:p>
@@ -1235,7 +1237,7 @@
           <a:p>
             <a:fld id="{704D2C6A-BAC9-49A9-8FD6-B9DB2061A8D2}" type="datetimeFigureOut">
               <a:rPr lang="ko-KR" altLang="en-US" smtClean="0"/>
-              <a:t>2017-05-19</a:t>
+              <a:t>2017-05-23</a:t>
             </a:fld>
             <a:endParaRPr lang="ko-KR" altLang="en-US"/>
           </a:p>
@@ -1523,7 +1525,7 @@
           <a:p>
             <a:fld id="{704D2C6A-BAC9-49A9-8FD6-B9DB2061A8D2}" type="datetimeFigureOut">
               <a:rPr lang="ko-KR" altLang="en-US" smtClean="0"/>
-              <a:t>2017-05-19</a:t>
+              <a:t>2017-05-23</a:t>
             </a:fld>
             <a:endParaRPr lang="ko-KR" altLang="en-US"/>
           </a:p>
@@ -1945,7 +1947,7 @@
           <a:p>
             <a:fld id="{704D2C6A-BAC9-49A9-8FD6-B9DB2061A8D2}" type="datetimeFigureOut">
               <a:rPr lang="ko-KR" altLang="en-US" smtClean="0"/>
-              <a:t>2017-05-19</a:t>
+              <a:t>2017-05-23</a:t>
             </a:fld>
             <a:endParaRPr lang="ko-KR" altLang="en-US"/>
           </a:p>
@@ -2063,7 +2065,7 @@
           <a:p>
             <a:fld id="{704D2C6A-BAC9-49A9-8FD6-B9DB2061A8D2}" type="datetimeFigureOut">
               <a:rPr lang="ko-KR" altLang="en-US" smtClean="0"/>
-              <a:t>2017-05-19</a:t>
+              <a:t>2017-05-23</a:t>
             </a:fld>
             <a:endParaRPr lang="ko-KR" altLang="en-US"/>
           </a:p>
@@ -2158,7 +2160,7 @@
           <a:p>
             <a:fld id="{704D2C6A-BAC9-49A9-8FD6-B9DB2061A8D2}" type="datetimeFigureOut">
               <a:rPr lang="ko-KR" altLang="en-US" smtClean="0"/>
-              <a:t>2017-05-19</a:t>
+              <a:t>2017-05-23</a:t>
             </a:fld>
             <a:endParaRPr lang="ko-KR" altLang="en-US"/>
           </a:p>
@@ -2435,7 +2437,7 @@
           <a:p>
             <a:fld id="{704D2C6A-BAC9-49A9-8FD6-B9DB2061A8D2}" type="datetimeFigureOut">
               <a:rPr lang="ko-KR" altLang="en-US" smtClean="0"/>
-              <a:t>2017-05-19</a:t>
+              <a:t>2017-05-23</a:t>
             </a:fld>
             <a:endParaRPr lang="ko-KR" altLang="en-US"/>
           </a:p>
@@ -2688,7 +2690,7 @@
           <a:p>
             <a:fld id="{704D2C6A-BAC9-49A9-8FD6-B9DB2061A8D2}" type="datetimeFigureOut">
               <a:rPr lang="ko-KR" altLang="en-US" smtClean="0"/>
-              <a:t>2017-05-19</a:t>
+              <a:t>2017-05-23</a:t>
             </a:fld>
             <a:endParaRPr lang="ko-KR" altLang="en-US"/>
           </a:p>
@@ -2953,7 +2955,7 @@
           <a:p>
             <a:fld id="{704D2C6A-BAC9-49A9-8FD6-B9DB2061A8D2}" type="datetimeFigureOut">
               <a:rPr lang="ko-KR" altLang="en-US" smtClean="0"/>
-              <a:t>2017-05-19</a:t>
+              <a:t>2017-05-23</a:t>
             </a:fld>
             <a:endParaRPr lang="ko-KR" altLang="en-US"/>
           </a:p>
@@ -3399,14 +3401,14 @@
           <p:nvPr>
             <p:extLst>
               <p:ext uri="{D42A27DB-BD31-4B8C-83A1-F6EECF244321}">
-                <p14:modId xmlns:p14="http://schemas.microsoft.com/office/powerpoint/2010/main" val="1432562011"/>
+                <p14:modId xmlns:p14="http://schemas.microsoft.com/office/powerpoint/2010/main" val="2519591357"/>
               </p:ext>
             </p:extLst>
           </p:nvPr>
         </p:nvGraphicFramePr>
         <p:xfrm>
-          <a:off x="323527" y="2821682"/>
-          <a:ext cx="8496945" cy="2911574"/>
+          <a:off x="323527" y="1916832"/>
+          <a:ext cx="8496945" cy="4643174"/>
         </p:xfrm>
         <a:graphic>
           <a:graphicData uri="http://schemas.openxmlformats.org/drawingml/2006/table">
@@ -3418,8 +3420,8 @@
                 <a:gridCol w="1080120"/>
                 <a:gridCol w="1152128"/>
                 <a:gridCol w="1152128"/>
-                <a:gridCol w="3413180"/>
-                <a:gridCol w="1699389"/>
+                <a:gridCol w="2592289"/>
+                <a:gridCol w="2520280"/>
               </a:tblGrid>
               <a:tr h="391574">
                 <a:tc>
@@ -3615,13 +3617,25 @@
                   <a:tcPr/>
                 </a:tc>
               </a:tr>
-              <a:tr h="360000">
+              <a:tr h="1079880">
                 <a:tc>
                   <a:txBody>
                     <a:bodyPr/>
                     <a:lstStyle/>
                     <a:p>
                       <a:pPr latinLnBrk="1"/>
+                      <a:r>
+                        <a:rPr lang="en-US" altLang="ko-KR" sz="1400" dirty="0" smtClean="0"/>
+                        <a:t>1.0</a:t>
+                      </a:r>
+                      <a:r>
+                        <a:rPr lang="en-US" altLang="ko-KR" sz="1400" baseline="0" dirty="0" smtClean="0"/>
+                        <a:t> </a:t>
+                      </a:r>
+                      <a:r>
+                        <a:rPr lang="en-US" altLang="ko-KR" sz="1400" baseline="0" dirty="0" err="1" smtClean="0"/>
+                        <a:t>ver</a:t>
+                      </a:r>
                       <a:endParaRPr lang="ko-KR" altLang="en-US" sz="1400" dirty="0"/>
                     </a:p>
                   </a:txBody>
@@ -3633,6 +3647,10 @@
                     <a:lstStyle/>
                     <a:p>
                       <a:pPr latinLnBrk="1"/>
+                      <a:r>
+                        <a:rPr lang="en-US" altLang="ko-KR" sz="1400" dirty="0" smtClean="0"/>
+                        <a:t>2017.05.23</a:t>
+                      </a:r>
                       <a:endParaRPr lang="ko-KR" altLang="en-US" sz="1400" dirty="0"/>
                     </a:p>
                   </a:txBody>
@@ -3644,6 +3662,10 @@
                     <a:lstStyle/>
                     <a:p>
                       <a:pPr latinLnBrk="1"/>
+                      <a:r>
+                        <a:rPr lang="en-US" altLang="ko-KR" sz="1400" dirty="0" err="1" smtClean="0"/>
+                        <a:t>eley</a:t>
+                      </a:r>
                       <a:endParaRPr lang="ko-KR" altLang="en-US" sz="1400" dirty="0"/>
                     </a:p>
                   </a:txBody>
@@ -3655,6 +3677,10 @@
                     <a:lstStyle/>
                     <a:p>
                       <a:pPr latinLnBrk="1"/>
+                      <a:r>
+                        <a:rPr lang="ko-KR" altLang="en-US" sz="1400" dirty="0" smtClean="0"/>
+                        <a:t>내용 수정 및 메뉴 추가</a:t>
+                      </a:r>
                       <a:endParaRPr lang="ko-KR" altLang="en-US" sz="1400" dirty="0"/>
                     </a:p>
                   </a:txBody>
@@ -3666,7 +3692,121 @@
                     <a:lstStyle/>
                     <a:p>
                       <a:pPr latinLnBrk="1"/>
-                      <a:endParaRPr lang="ko-KR" altLang="en-US" sz="1400"/>
+                      <a:r>
+                        <a:rPr lang="en-US" altLang="ko-KR" sz="1400" dirty="0" smtClean="0"/>
+                        <a:t>1. </a:t>
+                      </a:r>
+                      <a:r>
+                        <a:rPr lang="ko-KR" altLang="en-US" sz="1400" dirty="0" smtClean="0"/>
+                        <a:t>글</a:t>
+                      </a:r>
+                      <a:r>
+                        <a:rPr lang="ko-KR" altLang="en-US" sz="1400" baseline="0" dirty="0" smtClean="0"/>
+                        <a:t> 등록 방법 수정</a:t>
+                      </a:r>
+                      <a:endParaRPr lang="en-US" altLang="ko-KR" sz="1400" baseline="0" dirty="0" smtClean="0"/>
+                    </a:p>
+                    <a:p>
+                      <a:pPr latinLnBrk="1"/>
+                      <a:r>
+                        <a:rPr lang="en-US" altLang="ko-KR" sz="1400" baseline="0" dirty="0" smtClean="0"/>
+                        <a:t> - </a:t>
+                      </a:r>
+                      <a:r>
+                        <a:rPr lang="ko-KR" altLang="en-US" sz="1400" baseline="0" dirty="0" err="1" smtClean="0"/>
+                        <a:t>댓글</a:t>
+                      </a:r>
+                      <a:r>
+                        <a:rPr lang="ko-KR" altLang="en-US" sz="1400" baseline="0" dirty="0" smtClean="0"/>
+                        <a:t> </a:t>
+                      </a:r>
+                      <a:r>
+                        <a:rPr lang="en-US" altLang="ko-KR" sz="1400" baseline="0" dirty="0" smtClean="0"/>
+                        <a:t>(</a:t>
+                      </a:r>
+                      <a:r>
+                        <a:rPr lang="ko-KR" altLang="en-US" sz="1400" baseline="0" dirty="0" err="1" smtClean="0"/>
+                        <a:t>코스모스팜</a:t>
+                      </a:r>
+                      <a:r>
+                        <a:rPr lang="en-US" altLang="ko-KR" sz="1400" baseline="0" dirty="0" smtClean="0"/>
+                        <a:t>-&gt;</a:t>
+                      </a:r>
+                      <a:r>
+                        <a:rPr lang="en-US" altLang="ko-KR" sz="1400" baseline="0" dirty="0" err="1" smtClean="0"/>
+                        <a:t>KBoard</a:t>
+                      </a:r>
+                      <a:r>
+                        <a:rPr lang="en-US" altLang="ko-KR" sz="1400" baseline="0" dirty="0" smtClean="0"/>
+                        <a:t>)</a:t>
+                      </a:r>
+                    </a:p>
+                    <a:p>
+                      <a:pPr latinLnBrk="1"/>
+                      <a:r>
+                        <a:rPr lang="en-US" altLang="ko-KR" sz="1400" baseline="0" dirty="0" smtClean="0"/>
+                        <a:t>4. </a:t>
+                      </a:r>
+                      <a:r>
+                        <a:rPr lang="ko-KR" altLang="en-US" sz="1400" baseline="0" dirty="0" err="1" smtClean="0"/>
+                        <a:t>댓글내역</a:t>
+                      </a:r>
+                      <a:r>
+                        <a:rPr lang="ko-KR" altLang="en-US" sz="1400" baseline="0" dirty="0" smtClean="0"/>
+                        <a:t> 관리 수정</a:t>
+                      </a:r>
+                      <a:endParaRPr lang="en-US" altLang="ko-KR" sz="1400" baseline="0" dirty="0" smtClean="0"/>
+                    </a:p>
+                    <a:p>
+                      <a:pPr latinLnBrk="1"/>
+                      <a:r>
+                        <a:rPr lang="en-US" altLang="ko-KR" sz="1400" baseline="0" dirty="0" smtClean="0"/>
+                        <a:t> - </a:t>
+                      </a:r>
+                      <a:r>
+                        <a:rPr lang="ko-KR" altLang="en-US" sz="1400" baseline="0" dirty="0" err="1" smtClean="0"/>
+                        <a:t>댓글</a:t>
+                      </a:r>
+                      <a:r>
+                        <a:rPr lang="ko-KR" altLang="en-US" sz="1400" baseline="0" dirty="0" smtClean="0"/>
+                        <a:t> </a:t>
+                      </a:r>
+                      <a:r>
+                        <a:rPr lang="en-US" altLang="ko-KR" sz="1400" baseline="0" dirty="0" smtClean="0"/>
+                        <a:t>(</a:t>
+                      </a:r>
+                      <a:r>
+                        <a:rPr lang="ko-KR" altLang="en-US" sz="1400" baseline="0" dirty="0" err="1" smtClean="0"/>
+                        <a:t>코스모스팜</a:t>
+                      </a:r>
+                      <a:r>
+                        <a:rPr lang="en-US" altLang="ko-KR" sz="1400" baseline="0" dirty="0" smtClean="0"/>
+                        <a:t>-&gt;</a:t>
+                      </a:r>
+                      <a:r>
+                        <a:rPr lang="en-US" altLang="ko-KR" sz="1400" baseline="0" dirty="0" err="1" smtClean="0"/>
+                        <a:t>Kboard</a:t>
+                      </a:r>
+                      <a:r>
+                        <a:rPr lang="en-US" altLang="ko-KR" sz="1400" baseline="0" dirty="0" smtClean="0"/>
+                        <a:t>)</a:t>
+                      </a:r>
+                    </a:p>
+                    <a:p>
+                      <a:pPr latinLnBrk="1"/>
+                      <a:r>
+                        <a:rPr lang="en-US" altLang="ko-KR" sz="1400" baseline="0" dirty="0" smtClean="0"/>
+                        <a:t>5. </a:t>
+                      </a:r>
+                      <a:r>
+                        <a:rPr lang="ko-KR" altLang="en-US" sz="1400" baseline="0" dirty="0" smtClean="0"/>
+                        <a:t>사이트 통계분석 추가</a:t>
+                      </a:r>
+                      <a:endParaRPr lang="ko-KR" altLang="en-US" sz="1400" dirty="0" smtClean="0"/>
+                    </a:p>
+                    <a:p>
+                      <a:pPr latinLnBrk="1"/>
+                      <a:endParaRPr lang="ko-KR" altLang="en-US" sz="1400" dirty="0"/>
                     </a:p>
                   </a:txBody>
                   <a:tcPr/>
@@ -3907,7 +4047,7 @@
                     <a:lstStyle/>
                     <a:p>
                       <a:pPr latinLnBrk="1"/>
-                      <a:endParaRPr lang="ko-KR" altLang="en-US" sz="1400"/>
+                      <a:endParaRPr lang="ko-KR" altLang="en-US" sz="1400" dirty="0"/>
                     </a:p>
                   </a:txBody>
                   <a:tcPr/>
@@ -3918,7 +4058,7 @@
                     <a:lstStyle/>
                     <a:p>
                       <a:pPr latinLnBrk="1"/>
-                      <a:endParaRPr lang="ko-KR" altLang="en-US" sz="1400"/>
+                      <a:endParaRPr lang="ko-KR" altLang="en-US" sz="1400" dirty="0"/>
                     </a:p>
                   </a:txBody>
                   <a:tcPr/>
@@ -3929,7 +4069,121 @@
                     <a:lstStyle/>
                     <a:p>
                       <a:pPr latinLnBrk="1"/>
-                      <a:endParaRPr lang="ko-KR" altLang="en-US" sz="1400"/>
+                      <a:endParaRPr lang="ko-KR" altLang="en-US" sz="1400" dirty="0"/>
+                    </a:p>
+                  </a:txBody>
+                  <a:tcPr/>
+                </a:tc>
+                <a:tc>
+                  <a:txBody>
+                    <a:bodyPr/>
+                    <a:lstStyle/>
+                    <a:p>
+                      <a:pPr latinLnBrk="1"/>
+                      <a:endParaRPr lang="ko-KR" altLang="en-US" sz="1400" dirty="0"/>
+                    </a:p>
+                  </a:txBody>
+                  <a:tcPr/>
+                </a:tc>
+                <a:tc>
+                  <a:txBody>
+                    <a:bodyPr/>
+                    <a:lstStyle/>
+                    <a:p>
+                      <a:pPr latinLnBrk="1"/>
+                      <a:endParaRPr lang="ko-KR" altLang="en-US" sz="1400" dirty="0"/>
+                    </a:p>
+                  </a:txBody>
+                  <a:tcPr/>
+                </a:tc>
+              </a:tr>
+              <a:tr h="360000">
+                <a:tc>
+                  <a:txBody>
+                    <a:bodyPr/>
+                    <a:lstStyle/>
+                    <a:p>
+                      <a:pPr latinLnBrk="1"/>
+                      <a:endParaRPr lang="ko-KR" altLang="en-US" sz="1400" dirty="0"/>
+                    </a:p>
+                  </a:txBody>
+                  <a:tcPr/>
+                </a:tc>
+                <a:tc>
+                  <a:txBody>
+                    <a:bodyPr/>
+                    <a:lstStyle/>
+                    <a:p>
+                      <a:pPr latinLnBrk="1"/>
+                      <a:endParaRPr lang="ko-KR" altLang="en-US" sz="1400" dirty="0"/>
+                    </a:p>
+                  </a:txBody>
+                  <a:tcPr/>
+                </a:tc>
+                <a:tc>
+                  <a:txBody>
+                    <a:bodyPr/>
+                    <a:lstStyle/>
+                    <a:p>
+                      <a:pPr latinLnBrk="1"/>
+                      <a:endParaRPr lang="ko-KR" altLang="en-US" sz="1400" dirty="0"/>
+                    </a:p>
+                  </a:txBody>
+                  <a:tcPr/>
+                </a:tc>
+                <a:tc>
+                  <a:txBody>
+                    <a:bodyPr/>
+                    <a:lstStyle/>
+                    <a:p>
+                      <a:pPr latinLnBrk="1"/>
+                      <a:endParaRPr lang="ko-KR" altLang="en-US" sz="1400" dirty="0"/>
+                    </a:p>
+                  </a:txBody>
+                  <a:tcPr/>
+                </a:tc>
+                <a:tc>
+                  <a:txBody>
+                    <a:bodyPr/>
+                    <a:lstStyle/>
+                    <a:p>
+                      <a:pPr latinLnBrk="1"/>
+                      <a:endParaRPr lang="ko-KR" altLang="en-US" sz="1400" dirty="0"/>
+                    </a:p>
+                  </a:txBody>
+                  <a:tcPr/>
+                </a:tc>
+              </a:tr>
+              <a:tr h="360000">
+                <a:tc>
+                  <a:txBody>
+                    <a:bodyPr/>
+                    <a:lstStyle/>
+                    <a:p>
+                      <a:pPr latinLnBrk="1"/>
+                      <a:endParaRPr lang="ko-KR" altLang="en-US" sz="1400" dirty="0"/>
+                    </a:p>
+                  </a:txBody>
+                  <a:tcPr/>
+                </a:tc>
+                <a:tc>
+                  <a:txBody>
+                    <a:bodyPr/>
+                    <a:lstStyle/>
+                    <a:p>
+                      <a:pPr latinLnBrk="1"/>
+                      <a:endParaRPr lang="ko-KR" altLang="en-US" sz="1400" dirty="0"/>
+                    </a:p>
+                  </a:txBody>
+                  <a:tcPr/>
+                </a:tc>
+                <a:tc>
+                  <a:txBody>
+                    <a:bodyPr/>
+                    <a:lstStyle/>
+                    <a:p>
+                      <a:pPr latinLnBrk="1"/>
+                      <a:endParaRPr lang="ko-KR" altLang="en-US" sz="1400" dirty="0"/>
                     </a:p>
                   </a:txBody>
                   <a:tcPr/>
@@ -3971,6 +4225,13 @@
   <p:clrMapOvr>
     <a:masterClrMapping/>
   </p:clrMapOvr>
+  <p:timing>
+    <p:tnLst>
+      <p:par>
+        <p:cTn id="1" dur="indefinite" restart="never" nodeType="tmRoot"/>
+      </p:par>
+    </p:tnLst>
+  </p:timing>
 </p:sld>
 </file>
 
@@ -4043,7 +4304,7 @@
             </a:pPr>
             <a:r>
               <a:rPr lang="en-US" altLang="ko-KR" sz="1600" dirty="0" smtClean="0"/>
-              <a:t>7.     </a:t>
+              <a:t>11.     </a:t>
             </a:r>
             <a:r>
               <a:rPr lang="ko-KR" altLang="en-US" sz="1600" dirty="0" smtClean="0"/>
@@ -4062,58 +4323,48 @@
               </a:buBlip>
             </a:pPr>
             <a:r>
+              <a:rPr lang="ko-KR" altLang="en-US" sz="1400" dirty="0" smtClean="0"/>
+              <a:t>기본설정 </a:t>
+            </a:r>
+            <a:r>
               <a:rPr lang="en-US" altLang="ko-KR" sz="1400" dirty="0" smtClean="0"/>
-              <a:t>2.</a:t>
+              <a:t>&gt; </a:t>
             </a:r>
             <a:r>
               <a:rPr lang="ko-KR" altLang="en-US" sz="1400" dirty="0" smtClean="0"/>
-              <a:t>웹사이트 또는 </a:t>
-            </a:r>
-            <a:r>
-              <a:rPr lang="ko-KR" altLang="en-US" sz="1400" dirty="0" err="1" smtClean="0"/>
-              <a:t>블로그에</a:t>
-            </a:r>
-            <a:r>
-              <a:rPr lang="ko-KR" altLang="en-US" sz="1400" dirty="0" smtClean="0"/>
-              <a:t> 설치하기 선택</a:t>
-            </a:r>
-            <a:endParaRPr lang="en-US" altLang="ko-KR" sz="1400" dirty="0" smtClean="0"/>
+              <a:t>게시판 이름 작성</a:t>
+            </a:r>
+            <a:endParaRPr lang="en-US" altLang="ko-KR" sz="1400" dirty="0"/>
           </a:p>
           <a:p>
             <a:pPr marL="457200" lvl="1" indent="0">
               <a:buNone/>
             </a:pPr>
+            <a:r>
+              <a:rPr lang="ko-KR" altLang="en-US" sz="1400" dirty="0" smtClean="0"/>
+              <a:t>     </a:t>
+            </a:r>
+            <a:r>
+              <a:rPr lang="en-US" altLang="ko-KR" sz="1400" dirty="0" smtClean="0"/>
+              <a:t>&gt; </a:t>
+            </a:r>
+            <a:r>
+              <a:rPr lang="ko-KR" altLang="en-US" sz="1400" dirty="0" err="1" smtClean="0"/>
+              <a:t>최신글</a:t>
+            </a:r>
+            <a:r>
+              <a:rPr lang="ko-KR" altLang="en-US" sz="1400" dirty="0" smtClean="0"/>
+              <a:t> </a:t>
+            </a:r>
+            <a:r>
+              <a:rPr lang="ko-KR" altLang="en-US" sz="1400" dirty="0" err="1" smtClean="0"/>
+              <a:t>이메일</a:t>
+            </a:r>
+            <a:r>
+              <a:rPr lang="ko-KR" altLang="en-US" sz="1400" dirty="0" smtClean="0"/>
+              <a:t> 알림 설정</a:t>
+            </a:r>
             <a:endParaRPr lang="en-US" altLang="ko-KR" sz="1400" dirty="0" smtClean="0"/>
-          </a:p>
-          <a:p>
-            <a:pPr marL="457200" lvl="1" indent="0">
-              <a:buNone/>
-            </a:pPr>
-            <a:endParaRPr lang="en-US" altLang="ko-KR" sz="1400" dirty="0"/>
-          </a:p>
-          <a:p>
-            <a:pPr marL="457200" lvl="1" indent="0">
-              <a:buNone/>
-            </a:pPr>
-            <a:endParaRPr lang="en-US" altLang="ko-KR" sz="1400" dirty="0" smtClean="0"/>
-          </a:p>
-          <a:p>
-            <a:pPr marL="457200" lvl="1" indent="0">
-              <a:buNone/>
-            </a:pPr>
-            <a:endParaRPr lang="en-US" altLang="ko-KR" sz="1400" dirty="0"/>
-          </a:p>
-          <a:p>
-            <a:pPr marL="457200" lvl="1" indent="0">
-              <a:buNone/>
-            </a:pPr>
-            <a:endParaRPr lang="en-US" altLang="ko-KR" sz="1400" dirty="0" smtClean="0"/>
-          </a:p>
-          <a:p>
-            <a:pPr marL="457200" lvl="1" indent="0">
-              <a:buNone/>
-            </a:pPr>
-            <a:endParaRPr lang="en-US" altLang="ko-KR" sz="1400" dirty="0"/>
           </a:p>
           <a:p>
             <a:pPr lvl="1">
@@ -4123,36 +4374,8 @@
             </a:pPr>
             <a:r>
               <a:rPr lang="ko-KR" altLang="en-US" sz="1400" dirty="0" smtClean="0"/>
-              <a:t>설치할 페이지 주소에 복사한 </a:t>
-            </a:r>
-            <a:r>
-              <a:rPr lang="en-US" altLang="ko-KR" sz="1400" dirty="0" smtClean="0"/>
-              <a:t>URL </a:t>
-            </a:r>
-            <a:r>
-              <a:rPr lang="ko-KR" altLang="en-US" sz="1400" dirty="0" smtClean="0"/>
-              <a:t>등록</a:t>
-            </a:r>
-            <a:endParaRPr lang="en-US" altLang="ko-KR" sz="1400" dirty="0" smtClean="0"/>
-          </a:p>
-          <a:p>
-            <a:pPr lvl="1">
-              <a:buBlip>
-                <a:blip r:embed="rId2"/>
-              </a:buBlip>
-            </a:pPr>
-            <a:r>
-              <a:rPr lang="ko-KR" altLang="en-US" sz="1400" dirty="0" smtClean="0"/>
-              <a:t>아래 코드 복사</a:t>
-            </a:r>
-            <a:endParaRPr lang="en-US" altLang="ko-KR" sz="1400" dirty="0" smtClean="0"/>
-          </a:p>
-          <a:p>
-            <a:pPr lvl="1">
-              <a:buBlip>
-                <a:blip r:embed="rId2"/>
-              </a:buBlip>
-            </a:pPr>
+              <a:t>변경사항 저장</a:t>
+            </a:r>
             <a:endParaRPr lang="en-US" altLang="ko-KR" sz="1400" dirty="0"/>
           </a:p>
           <a:p>
@@ -4204,12 +4427,24 @@
           <a:bodyPr/>
           <a:lstStyle/>
           <a:p>
-            <a:pPr>
-              <a:buAutoNum type="arabicPeriod" startAt="8"/>
-            </a:pPr>
+            <a:pPr marL="0" indent="0">
+              <a:buNone/>
+            </a:pPr>
+            <a:r>
+              <a:rPr lang="en-US" altLang="ko-KR" sz="1600" dirty="0" smtClean="0"/>
+              <a:t>12.     </a:t>
+            </a:r>
             <a:r>
               <a:rPr lang="ko-KR" altLang="en-US" sz="1600" dirty="0" smtClean="0"/>
-              <a:t>글 편집으로 이동</a:t>
+              <a:t>글 </a:t>
+            </a:r>
+            <a:r>
+              <a:rPr lang="ko-KR" altLang="en-US" sz="1600" dirty="0" err="1" smtClean="0"/>
+              <a:t>댓글설</a:t>
+            </a:r>
+            <a:r>
+              <a:rPr lang="ko-KR" altLang="en-US" sz="1600" dirty="0" err="1"/>
+              <a:t>정</a:t>
             </a:r>
             <a:endParaRPr lang="en-US" altLang="ko-KR" sz="1600" dirty="0" smtClean="0"/>
           </a:p>
@@ -4221,27 +4456,23 @@
             </a:pPr>
             <a:r>
               <a:rPr lang="ko-KR" altLang="en-US" sz="1400" dirty="0" smtClean="0"/>
-              <a:t>글 </a:t>
+              <a:t>내용확인 </a:t>
             </a:r>
             <a:r>
               <a:rPr lang="en-US" altLang="ko-KR" sz="1400" dirty="0" smtClean="0"/>
               <a:t>&gt; </a:t>
             </a:r>
             <a:r>
+              <a:rPr lang="ko-KR" altLang="en-US" sz="1400" dirty="0" err="1" smtClean="0"/>
+              <a:t>숏코드</a:t>
+            </a:r>
+            <a:r>
               <a:rPr lang="ko-KR" altLang="en-US" sz="1400" dirty="0" smtClean="0"/>
-              <a:t>모든 글 </a:t>
+              <a:t> 복사</a:t>
             </a:r>
             <a:r>
               <a:rPr lang="en-US" altLang="ko-KR" sz="1400" dirty="0" smtClean="0"/>
-              <a:t>&gt; </a:t>
-            </a:r>
-            <a:r>
-              <a:rPr lang="ko-KR" altLang="en-US" sz="1400" dirty="0" smtClean="0"/>
-              <a:t>작성제목클릭 </a:t>
-            </a:r>
-            <a:r>
-              <a:rPr lang="en-US" altLang="ko-KR" sz="1400" dirty="0" smtClean="0"/>
-              <a:t>&gt;</a:t>
+              <a:t/>
             </a:r>
             <a:br>
               <a:rPr lang="en-US" altLang="ko-KR" sz="1400" dirty="0" smtClean="0"/>
@@ -4317,60 +4548,6 @@
           </a:p>
         </p:txBody>
       </p:sp>
-      <p:pic>
-        <p:nvPicPr>
-          <p:cNvPr id="8194" name="Picture 2"/>
-          <p:cNvPicPr>
-            <a:picLocks noChangeAspect="1" noChangeArrowheads="1"/>
-          </p:cNvPicPr>
-          <p:nvPr/>
-        </p:nvPicPr>
-        <p:blipFill>
-          <a:blip r:embed="rId3">
-            <a:extLst>
-              <a:ext uri="{28A0092B-C50C-407E-A947-70E740481C1C}">
-                <a14:useLocalDpi xmlns:a14="http://schemas.microsoft.com/office/drawing/2010/main" val="0"/>
-              </a:ext>
-            </a:extLst>
-          </a:blip>
-          <a:srcRect/>
-          <a:stretch>
-            <a:fillRect/>
-          </a:stretch>
-        </p:blipFill>
-        <p:spPr bwMode="auto">
-          <a:xfrm>
-            <a:off x="1043608" y="2204864"/>
-            <a:ext cx="2643722" cy="1440160"/>
-          </a:xfrm>
-          <a:prstGeom prst="rect">
-            <a:avLst/>
-          </a:prstGeom>
-          <a:noFill/>
-          <a:ln>
-            <a:noFill/>
-          </a:ln>
-          <a:extLst>
-            <a:ext uri="{909E8E84-426E-40DD-AFC4-6F175D3DCCD1}">
-              <a14:hiddenFill xmlns:a14="http://schemas.microsoft.com/office/drawing/2010/main">
-                <a:solidFill>
-                  <a:schemeClr val="accent1"/>
-                </a:solidFill>
-              </a14:hiddenFill>
-            </a:ext>
-            <a:ext uri="{91240B29-F687-4F45-9708-019B960494DF}">
-              <a14:hiddenLine xmlns:a14="http://schemas.microsoft.com/office/drawing/2010/main" w="9525">
-                <a:solidFill>
-                  <a:schemeClr val="tx1"/>
-                </a:solidFill>
-                <a:miter lim="800000"/>
-                <a:headEnd/>
-                <a:tailEnd/>
-              </a14:hiddenLine>
-            </a:ext>
-          </a:extLst>
-        </p:spPr>
-      </p:pic>
       <p:sp>
         <p:nvSpPr>
           <p:cNvPr id="16" name="모서리가 둥근 직사각형 15"/>
@@ -4379,7 +4556,7 @@
         </p:nvSpPr>
         <p:spPr>
           <a:xfrm>
-            <a:off x="1045816" y="3140968"/>
+            <a:off x="1045816" y="3233564"/>
             <a:ext cx="1221928" cy="294944"/>
           </a:xfrm>
           <a:prstGeom prst="roundRect">
@@ -4417,60 +4594,6 @@
           </a:p>
         </p:txBody>
       </p:sp>
-      <p:pic>
-        <p:nvPicPr>
-          <p:cNvPr id="8195" name="Picture 3"/>
-          <p:cNvPicPr>
-            <a:picLocks noChangeAspect="1" noChangeArrowheads="1"/>
-          </p:cNvPicPr>
-          <p:nvPr/>
-        </p:nvPicPr>
-        <p:blipFill>
-          <a:blip r:embed="rId4">
-            <a:extLst>
-              <a:ext uri="{28A0092B-C50C-407E-A947-70E740481C1C}">
-                <a14:useLocalDpi xmlns:a14="http://schemas.microsoft.com/office/drawing/2010/main" val="0"/>
-              </a:ext>
-            </a:extLst>
-          </a:blip>
-          <a:srcRect/>
-          <a:stretch>
-            <a:fillRect/>
-          </a:stretch>
-        </p:blipFill>
-        <p:spPr bwMode="auto">
-          <a:xfrm>
-            <a:off x="1043236" y="4293096"/>
-            <a:ext cx="3981493" cy="2088231"/>
-          </a:xfrm>
-          <a:prstGeom prst="rect">
-            <a:avLst/>
-          </a:prstGeom>
-          <a:noFill/>
-          <a:ln>
-            <a:noFill/>
-          </a:ln>
-          <a:extLst>
-            <a:ext uri="{909E8E84-426E-40DD-AFC4-6F175D3DCCD1}">
-              <a14:hiddenFill xmlns:a14="http://schemas.microsoft.com/office/drawing/2010/main">
-                <a:solidFill>
-                  <a:schemeClr val="accent1"/>
-                </a:solidFill>
-              </a14:hiddenFill>
-            </a:ext>
-            <a:ext uri="{91240B29-F687-4F45-9708-019B960494DF}">
-              <a14:hiddenLine xmlns:a14="http://schemas.microsoft.com/office/drawing/2010/main" w="9525">
-                <a:solidFill>
-                  <a:schemeClr val="tx1"/>
-                </a:solidFill>
-                <a:miter lim="800000"/>
-                <a:headEnd/>
-                <a:tailEnd/>
-              </a14:hiddenLine>
-            </a:ext>
-          </a:extLst>
-        </p:spPr>
-      </p:pic>
       <p:sp>
         <p:nvSpPr>
           <p:cNvPr id="18" name="모서리가 둥근 직사각형 17"/>
@@ -4479,7 +4602,7 @@
         </p:nvSpPr>
         <p:spPr>
           <a:xfrm>
-            <a:off x="1043236" y="4365104"/>
+            <a:off x="1043236" y="4457700"/>
             <a:ext cx="1728564" cy="294944"/>
           </a:xfrm>
           <a:prstGeom prst="roundRect">
@@ -4517,16 +4640,124 @@
           </a:p>
         </p:txBody>
       </p:sp>
-      <p:sp>
-        <p:nvSpPr>
-          <p:cNvPr id="19" name="모서리가 둥근 직사각형 18"/>
+      <p:pic>
+        <p:nvPicPr>
+          <p:cNvPr id="2050" name="Picture 2"/>
+          <p:cNvPicPr>
+            <a:picLocks noChangeAspect="1" noChangeArrowheads="1"/>
+          </p:cNvPicPr>
+          <p:nvPr/>
+        </p:nvPicPr>
+        <p:blipFill>
+          <a:blip r:embed="rId3">
+            <a:extLst>
+              <a:ext uri="{28A0092B-C50C-407E-A947-70E740481C1C}">
+                <a14:useLocalDpi xmlns:a14="http://schemas.microsoft.com/office/drawing/2010/main" val="0"/>
+              </a:ext>
+            </a:extLst>
+          </a:blip>
+          <a:srcRect/>
+          <a:stretch>
+            <a:fillRect/>
+          </a:stretch>
+        </p:blipFill>
+        <p:spPr bwMode="auto">
+          <a:xfrm>
+            <a:off x="467544" y="2708920"/>
+            <a:ext cx="3320576" cy="3126482"/>
+          </a:xfrm>
+          <a:prstGeom prst="rect">
+            <a:avLst/>
+          </a:prstGeom>
+          <a:noFill/>
+          <a:ln>
+            <a:noFill/>
+          </a:ln>
+          <a:extLst>
+            <a:ext uri="{909E8E84-426E-40DD-AFC4-6F175D3DCCD1}">
+              <a14:hiddenFill xmlns:a14="http://schemas.microsoft.com/office/drawing/2010/main">
+                <a:solidFill>
+                  <a:schemeClr val="accent1"/>
+                </a:solidFill>
+              </a14:hiddenFill>
+            </a:ext>
+            <a:ext uri="{91240B29-F687-4F45-9708-019B960494DF}">
+              <a14:hiddenLine xmlns:a14="http://schemas.microsoft.com/office/drawing/2010/main" w="9525">
+                <a:solidFill>
+                  <a:schemeClr val="tx1"/>
+                </a:solidFill>
+                <a:miter lim="800000"/>
+                <a:headEnd/>
+                <a:tailEnd/>
+              </a14:hiddenLine>
+            </a:ext>
+          </a:extLst>
+        </p:spPr>
+      </p:pic>
+      <p:pic>
+        <p:nvPicPr>
+          <p:cNvPr id="2051" name="Picture 3"/>
+          <p:cNvPicPr>
+            <a:picLocks noChangeAspect="1" noChangeArrowheads="1"/>
+          </p:cNvPicPr>
+          <p:nvPr/>
+        </p:nvPicPr>
+        <p:blipFill>
+          <a:blip r:embed="rId4">
+            <a:extLst>
+              <a:ext uri="{28A0092B-C50C-407E-A947-70E740481C1C}">
+                <a14:useLocalDpi xmlns:a14="http://schemas.microsoft.com/office/drawing/2010/main" val="0"/>
+              </a:ext>
+            </a:extLst>
+          </a:blip>
+          <a:srcRect/>
+          <a:stretch>
+            <a:fillRect/>
+          </a:stretch>
+        </p:blipFill>
+        <p:spPr bwMode="auto">
+          <a:xfrm>
+            <a:off x="755576" y="4941168"/>
+            <a:ext cx="3600400" cy="1208220"/>
+          </a:xfrm>
+          <a:prstGeom prst="rect">
+            <a:avLst/>
+          </a:prstGeom>
+          <a:noFill/>
+          <a:ln>
+            <a:noFill/>
+          </a:ln>
+          <a:extLst>
+            <a:ext uri="{909E8E84-426E-40DD-AFC4-6F175D3DCCD1}">
+              <a14:hiddenFill xmlns:a14="http://schemas.microsoft.com/office/drawing/2010/main">
+                <a:solidFill>
+                  <a:schemeClr val="accent1"/>
+                </a:solidFill>
+              </a14:hiddenFill>
+            </a:ext>
+            <a:ext uri="{91240B29-F687-4F45-9708-019B960494DF}">
+              <a14:hiddenLine xmlns:a14="http://schemas.microsoft.com/office/drawing/2010/main" w="9525">
+                <a:solidFill>
+                  <a:schemeClr val="tx1"/>
+                </a:solidFill>
+                <a:miter lim="800000"/>
+                <a:headEnd/>
+                <a:tailEnd/>
+              </a14:hiddenLine>
+            </a:ext>
+          </a:extLst>
+        </p:spPr>
+      </p:pic>
+      <p:sp>
+        <p:nvSpPr>
+          <p:cNvPr id="15" name="모서리가 둥근 직사각형 14"/>
           <p:cNvSpPr/>
           <p:nvPr/>
         </p:nvSpPr>
         <p:spPr>
           <a:xfrm>
-            <a:off x="1043235" y="5688889"/>
-            <a:ext cx="3981493" cy="692437"/>
+            <a:off x="467544" y="3920543"/>
+            <a:ext cx="2436666" cy="223984"/>
           </a:xfrm>
           <a:prstGeom prst="roundRect">
             <a:avLst/>
@@ -4563,70 +4794,16 @@
           </a:p>
         </p:txBody>
       </p:sp>
-      <p:pic>
-        <p:nvPicPr>
-          <p:cNvPr id="8197" name="Picture 5"/>
-          <p:cNvPicPr>
-            <a:picLocks noChangeAspect="1" noChangeArrowheads="1"/>
-          </p:cNvPicPr>
-          <p:nvPr/>
-        </p:nvPicPr>
-        <p:blipFill>
-          <a:blip r:embed="rId5">
-            <a:extLst>
-              <a:ext uri="{28A0092B-C50C-407E-A947-70E740481C1C}">
-                <a14:useLocalDpi xmlns:a14="http://schemas.microsoft.com/office/drawing/2010/main" val="0"/>
-              </a:ext>
-            </a:extLst>
-          </a:blip>
-          <a:srcRect/>
-          <a:stretch>
-            <a:fillRect/>
-          </a:stretch>
-        </p:blipFill>
-        <p:spPr bwMode="auto">
-          <a:xfrm>
-            <a:off x="5364088" y="3356992"/>
-            <a:ext cx="3312368" cy="2385814"/>
-          </a:xfrm>
-          <a:prstGeom prst="rect">
-            <a:avLst/>
-          </a:prstGeom>
-          <a:noFill/>
-          <a:ln>
-            <a:noFill/>
-          </a:ln>
-          <a:extLst>
-            <a:ext uri="{909E8E84-426E-40DD-AFC4-6F175D3DCCD1}">
-              <a14:hiddenFill xmlns:a14="http://schemas.microsoft.com/office/drawing/2010/main">
-                <a:solidFill>
-                  <a:schemeClr val="accent1"/>
-                </a:solidFill>
-              </a14:hiddenFill>
-            </a:ext>
-            <a:ext uri="{91240B29-F687-4F45-9708-019B960494DF}">
-              <a14:hiddenLine xmlns:a14="http://schemas.microsoft.com/office/drawing/2010/main" w="9525">
-                <a:solidFill>
-                  <a:schemeClr val="tx1"/>
-                </a:solidFill>
-                <a:miter lim="800000"/>
-                <a:headEnd/>
-                <a:tailEnd/>
-              </a14:hiddenLine>
-            </a:ext>
-          </a:extLst>
-        </p:spPr>
-      </p:pic>
-      <p:sp>
-        <p:nvSpPr>
-          <p:cNvPr id="22" name="모서리가 둥근 직사각형 21"/>
+      <p:sp>
+        <p:nvSpPr>
+          <p:cNvPr id="17" name="모서리가 둥근 직사각형 16"/>
           <p:cNvSpPr/>
           <p:nvPr/>
         </p:nvSpPr>
         <p:spPr>
           <a:xfrm>
-            <a:off x="5346917" y="3558552"/>
-            <a:ext cx="2177411" cy="1932227"/>
+            <a:off x="772974" y="5703202"/>
+            <a:ext cx="3510994" cy="246078"/>
           </a:xfrm>
           <a:prstGeom prst="roundRect">
             <a:avLst/>
@@ -4665,14 +4842,14 @@
       </p:sp>
       <p:sp>
         <p:nvSpPr>
-          <p:cNvPr id="23" name="모서리가 둥근 직사각형 22"/>
+          <p:cNvPr id="20" name="모서리가 둥근 직사각형 19"/>
           <p:cNvSpPr/>
           <p:nvPr/>
         </p:nvSpPr>
         <p:spPr>
           <a:xfrm>
-            <a:off x="8244408" y="3827947"/>
-            <a:ext cx="432048" cy="294944"/>
+            <a:off x="467544" y="3593604"/>
+            <a:ext cx="623715" cy="223984"/>
           </a:xfrm>
           <a:prstGeom prst="roundRect">
             <a:avLst/>
@@ -4709,6 +4886,206 @@
           </a:p>
         </p:txBody>
       </p:sp>
+      <p:pic>
+        <p:nvPicPr>
+          <p:cNvPr id="2052" name="Picture 4"/>
+          <p:cNvPicPr>
+            <a:picLocks noChangeAspect="1" noChangeArrowheads="1"/>
+          </p:cNvPicPr>
+          <p:nvPr/>
+        </p:nvPicPr>
+        <p:blipFill>
+          <a:blip r:embed="rId5">
+            <a:extLst>
+              <a:ext uri="{28A0092B-C50C-407E-A947-70E740481C1C}">
+                <a14:useLocalDpi xmlns:a14="http://schemas.microsoft.com/office/drawing/2010/main" val="0"/>
+              </a:ext>
+            </a:extLst>
+          </a:blip>
+          <a:srcRect/>
+          <a:stretch>
+            <a:fillRect/>
+          </a:stretch>
+        </p:blipFill>
+        <p:spPr bwMode="auto">
+          <a:xfrm>
+            <a:off x="3216620" y="6246920"/>
+            <a:ext cx="1143000" cy="381000"/>
+          </a:xfrm>
+          <a:prstGeom prst="rect">
+            <a:avLst/>
+          </a:prstGeom>
+          <a:noFill/>
+          <a:ln>
+            <a:noFill/>
+          </a:ln>
+          <a:extLst>
+            <a:ext uri="{909E8E84-426E-40DD-AFC4-6F175D3DCCD1}">
+              <a14:hiddenFill xmlns:a14="http://schemas.microsoft.com/office/drawing/2010/main">
+                <a:solidFill>
+                  <a:schemeClr val="accent1"/>
+                </a:solidFill>
+              </a14:hiddenFill>
+            </a:ext>
+            <a:ext uri="{91240B29-F687-4F45-9708-019B960494DF}">
+              <a14:hiddenLine xmlns:a14="http://schemas.microsoft.com/office/drawing/2010/main" w="9525">
+                <a:solidFill>
+                  <a:schemeClr val="tx1"/>
+                </a:solidFill>
+                <a:miter lim="800000"/>
+                <a:headEnd/>
+                <a:tailEnd/>
+              </a14:hiddenLine>
+            </a:ext>
+          </a:extLst>
+        </p:spPr>
+      </p:pic>
+      <p:pic>
+        <p:nvPicPr>
+          <p:cNvPr id="2053" name="Picture 5"/>
+          <p:cNvPicPr>
+            <a:picLocks noChangeAspect="1" noChangeArrowheads="1"/>
+          </p:cNvPicPr>
+          <p:nvPr/>
+        </p:nvPicPr>
+        <p:blipFill>
+          <a:blip r:embed="rId6">
+            <a:extLst>
+              <a:ext uri="{28A0092B-C50C-407E-A947-70E740481C1C}">
+                <a14:useLocalDpi xmlns:a14="http://schemas.microsoft.com/office/drawing/2010/main" val="0"/>
+              </a:ext>
+            </a:extLst>
+          </a:blip>
+          <a:srcRect/>
+          <a:stretch>
+            <a:fillRect/>
+          </a:stretch>
+        </p:blipFill>
+        <p:spPr bwMode="auto">
+          <a:xfrm>
+            <a:off x="5148064" y="3309797"/>
+            <a:ext cx="3369331" cy="2160241"/>
+          </a:xfrm>
+          <a:prstGeom prst="rect">
+            <a:avLst/>
+          </a:prstGeom>
+          <a:noFill/>
+          <a:ln>
+            <a:noFill/>
+          </a:ln>
+          <a:extLst>
+            <a:ext uri="{909E8E84-426E-40DD-AFC4-6F175D3DCCD1}">
+              <a14:hiddenFill xmlns:a14="http://schemas.microsoft.com/office/drawing/2010/main">
+                <a:solidFill>
+                  <a:schemeClr val="accent1"/>
+                </a:solidFill>
+              </a14:hiddenFill>
+            </a:ext>
+            <a:ext uri="{91240B29-F687-4F45-9708-019B960494DF}">
+              <a14:hiddenLine xmlns:a14="http://schemas.microsoft.com/office/drawing/2010/main" w="9525">
+                <a:solidFill>
+                  <a:schemeClr val="tx1"/>
+                </a:solidFill>
+                <a:miter lim="800000"/>
+                <a:headEnd/>
+                <a:tailEnd/>
+              </a14:hiddenLine>
+            </a:ext>
+          </a:extLst>
+        </p:spPr>
+      </p:pic>
+      <p:sp>
+        <p:nvSpPr>
+          <p:cNvPr id="21" name="모서리가 둥근 직사각형 20"/>
+          <p:cNvSpPr/>
+          <p:nvPr/>
+        </p:nvSpPr>
+        <p:spPr>
+          <a:xfrm>
+            <a:off x="5148064" y="4381188"/>
+            <a:ext cx="3096344" cy="223984"/>
+          </a:xfrm>
+          <a:prstGeom prst="roundRect">
+            <a:avLst/>
+          </a:prstGeom>
+          <a:noFill/>
+          <a:ln w="57150">
+            <a:solidFill>
+              <a:srgbClr val="0070C0"/>
+            </a:solidFill>
+          </a:ln>
+        </p:spPr>
+        <p:style>
+          <a:lnRef idx="2">
+            <a:schemeClr val="accent1">
+              <a:shade val="50000"/>
+            </a:schemeClr>
+          </a:lnRef>
+          <a:fillRef idx="1">
+            <a:schemeClr val="accent1"/>
+          </a:fillRef>
+          <a:effectRef idx="0">
+            <a:schemeClr val="accent1"/>
+          </a:effectRef>
+          <a:fontRef idx="minor">
+            <a:schemeClr val="lt1"/>
+          </a:fontRef>
+        </p:style>
+        <p:txBody>
+          <a:bodyPr rtlCol="0" anchor="ctr"/>
+          <a:lstStyle/>
+          <a:p>
+            <a:pPr algn="ctr"/>
+            <a:endParaRPr lang="ko-KR" altLang="en-US" dirty="0"/>
+          </a:p>
+        </p:txBody>
+      </p:sp>
+      <p:sp>
+        <p:nvSpPr>
+          <p:cNvPr id="24" name="모서리가 둥근 직사각형 23"/>
+          <p:cNvSpPr/>
+          <p:nvPr/>
+        </p:nvSpPr>
+        <p:spPr>
+          <a:xfrm>
+            <a:off x="3228205" y="6270792"/>
+            <a:ext cx="1055763" cy="326560"/>
+          </a:xfrm>
+          <a:prstGeom prst="roundRect">
+            <a:avLst/>
+          </a:prstGeom>
+          <a:noFill/>
+          <a:ln w="57150">
+            <a:solidFill>
+              <a:srgbClr val="0070C0"/>
+            </a:solidFill>
+          </a:ln>
+        </p:spPr>
+        <p:style>
+          <a:lnRef idx="2">
+            <a:schemeClr val="accent1">
+              <a:shade val="50000"/>
+            </a:schemeClr>
+          </a:lnRef>
+          <a:fillRef idx="1">
+            <a:schemeClr val="accent1"/>
+          </a:fillRef>
+          <a:effectRef idx="0">
+            <a:schemeClr val="accent1"/>
+          </a:effectRef>
+          <a:fontRef idx="minor">
+            <a:schemeClr val="lt1"/>
+          </a:fontRef>
+        </p:style>
+        <p:txBody>
+          <a:bodyPr rtlCol="0" anchor="ctr"/>
+          <a:lstStyle/>
+          <a:p>
+            <a:pPr algn="ctr"/>
+            <a:endParaRPr lang="ko-KR" altLang="en-US" dirty="0"/>
+          </a:p>
+        </p:txBody>
+      </p:sp>
     </p:spTree>
     <p:extLst>
       <p:ext uri="{BB962C8B-B14F-4D97-AF65-F5344CB8AC3E}">
@@ -4719,6 +5096,13 @@
   <p:clrMapOvr>
     <a:masterClrMapping/>
   </p:clrMapOvr>
+  <p:timing>
+    <p:tnLst>
+      <p:par>
+        <p:cTn id="1" dur="indefinite" restart="never" nodeType="tmRoot"/>
+      </p:par>
+    </p:tnLst>
+  </p:timing>
 </p:sld>
 </file>
 
@@ -4760,11 +5144,7 @@
             </a:r>
             <a:r>
               <a:rPr lang="ko-KR" altLang="en-US" b="1" dirty="0" smtClean="0"/>
-              <a:t>글 등록 방법 </a:t>
-            </a:r>
-            <a:r>
-              <a:rPr lang="en-US" altLang="ko-KR" b="1" dirty="0" smtClean="0"/>
-              <a:t>QA</a:t>
+              <a:t>글 등록 방법</a:t>
             </a:r>
             <a:endParaRPr lang="ko-KR" altLang="en-US" b="1" dirty="0"/>
           </a:p>
@@ -4794,36 +5174,22 @@
               <a:buNone/>
             </a:pPr>
             <a:r>
-              <a:rPr lang="en-US" altLang="ko-KR" sz="2000" b="1" dirty="0" smtClean="0">
-                <a:solidFill>
-                  <a:srgbClr val="0070C0"/>
-                </a:solidFill>
-              </a:rPr>
-              <a:t>※ </a:t>
-            </a:r>
-            <a:r>
-              <a:rPr lang="ko-KR" altLang="en-US" sz="2000" b="1" dirty="0" smtClean="0">
-                <a:solidFill>
-                  <a:srgbClr val="0070C0"/>
-                </a:solidFill>
-              </a:rPr>
-              <a:t>카테고리 설정 이후 페이지 설정</a:t>
-            </a:r>
-            <a:endParaRPr lang="en-US" altLang="ko-KR" sz="2000" b="1" dirty="0" smtClean="0">
-              <a:solidFill>
-                <a:srgbClr val="0070C0"/>
-              </a:solidFill>
-            </a:endParaRPr>
-          </a:p>
-          <a:p>
-            <a:pPr marL="0" indent="0">
-              <a:buNone/>
-            </a:pPr>
-            <a:endParaRPr lang="en-US" altLang="ko-KR" sz="1100" b="1" dirty="0" smtClean="0">
-              <a:solidFill>
-                <a:srgbClr val="0070C0"/>
-              </a:solidFill>
-            </a:endParaRPr>
+              <a:rPr lang="en-US" altLang="ko-KR" sz="1600" dirty="0" smtClean="0"/>
+              <a:t>13.     </a:t>
+            </a:r>
+            <a:r>
+              <a:rPr lang="ko-KR" altLang="en-US" sz="1600" dirty="0" smtClean="0"/>
+              <a:t>왼쪽 </a:t>
+            </a:r>
+            <a:r>
+              <a:rPr lang="ko-KR" altLang="en-US" sz="1600" dirty="0" err="1" smtClean="0"/>
+              <a:t>메뉴바</a:t>
+            </a:r>
+            <a:r>
+              <a:rPr lang="ko-KR" altLang="en-US" sz="1600" dirty="0" smtClean="0"/>
+              <a:t> 이동</a:t>
+            </a:r>
+            <a:endParaRPr lang="en-US" altLang="ko-KR" sz="1600" dirty="0" smtClean="0"/>
           </a:p>
           <a:p>
             <a:pPr lvl="1">
@@ -4833,7 +5199,15 @@
             </a:pPr>
             <a:r>
               <a:rPr lang="ko-KR" altLang="en-US" sz="1400" dirty="0" smtClean="0"/>
-              <a:t>페이지이동</a:t>
+              <a:t>글 </a:t>
+            </a:r>
+            <a:r>
+              <a:rPr lang="en-US" altLang="ko-KR" sz="1400" dirty="0" smtClean="0"/>
+              <a:t>&gt; </a:t>
+            </a:r>
+            <a:r>
+              <a:rPr lang="ko-KR" altLang="en-US" sz="1400" dirty="0" smtClean="0"/>
+              <a:t>모든 글</a:t>
             </a:r>
             <a:endParaRPr lang="en-US" altLang="ko-KR" sz="1400" dirty="0" smtClean="0"/>
           </a:p>
@@ -4844,10 +5218,12 @@
               </a:buBlip>
             </a:pPr>
             <a:r>
-              <a:rPr lang="en-US" altLang="ko-KR" sz="1400" dirty="0" smtClean="0">
-                <a:hlinkClick r:id="rId3"/>
-              </a:rPr>
-              <a:t>http://selvi.co.kr/wp-admin</a:t>
+              <a:rPr lang="ko-KR" altLang="en-US" sz="1400" dirty="0" err="1" smtClean="0"/>
+              <a:t>댓글을</a:t>
+            </a:r>
+            <a:r>
+              <a:rPr lang="ko-KR" altLang="en-US" sz="1400" dirty="0" smtClean="0"/>
+              <a:t> 넣고자 하는 글 클릭</a:t>
             </a:r>
             <a:endParaRPr lang="en-US" altLang="ko-KR" sz="1400" dirty="0" smtClean="0"/>
           </a:p>
@@ -4859,7 +5235,7 @@
             </a:pPr>
             <a:r>
               <a:rPr lang="ko-KR" altLang="en-US" sz="1400" dirty="0" err="1" smtClean="0"/>
-              <a:t>왼쪽메뉴바</a:t>
+              <a:t>비주얼</a:t>
             </a:r>
             <a:r>
               <a:rPr lang="ko-KR" altLang="en-US" sz="1400" dirty="0" smtClean="0"/>
@@ -4867,11 +5243,23 @@
             </a:r>
             <a:r>
               <a:rPr lang="en-US" altLang="ko-KR" sz="1400" dirty="0" smtClean="0"/>
-              <a:t>&gt;</a:t>
+              <a:t>&gt; </a:t>
             </a:r>
             <a:r>
               <a:rPr lang="ko-KR" altLang="en-US" sz="1400" dirty="0" smtClean="0"/>
-              <a:t>페이지</a:t>
+              <a:t>텍스트 맨 하단에 복사한 </a:t>
+            </a:r>
+            <a:r>
+              <a:rPr lang="ko-KR" altLang="en-US" sz="1400" dirty="0" err="1" smtClean="0"/>
+              <a:t>숏코드</a:t>
+            </a:r>
+            <a:r>
+              <a:rPr lang="ko-KR" altLang="en-US" sz="1400" dirty="0" smtClean="0"/>
+              <a:t> </a:t>
+            </a:r>
+            <a:r>
+              <a:rPr lang="ko-KR" altLang="en-US" sz="1400" dirty="0" err="1" smtClean="0"/>
+              <a:t>붙여넣기</a:t>
             </a:r>
             <a:endParaRPr lang="en-US" altLang="ko-KR" sz="1400" dirty="0" smtClean="0"/>
           </a:p>
@@ -4883,39 +5271,30 @@
             </a:pPr>
             <a:r>
               <a:rPr lang="ko-KR" altLang="en-US" sz="1400" dirty="0" smtClean="0"/>
-              <a:t>이벤트가 등록되어야 하는 페이지</a:t>
-            </a:r>
-            <a:r>
-              <a:rPr lang="en-US" altLang="ko-KR" sz="1400" dirty="0"/>
-              <a:t> </a:t>
-            </a:r>
-            <a:r>
-              <a:rPr lang="ko-KR" altLang="en-US" sz="1400" dirty="0" smtClean="0"/>
-              <a:t>선택</a:t>
-            </a:r>
-            <a:r>
-              <a:rPr lang="en-US" altLang="ko-KR" sz="1400" dirty="0" smtClean="0"/>
-              <a:t/>
-            </a:r>
-            <a:br>
-              <a:rPr lang="en-US" altLang="ko-KR" sz="1400" dirty="0" smtClean="0"/>
-            </a:br>
-            <a:r>
-              <a:rPr lang="en-US" altLang="ko-KR" sz="1400" dirty="0" smtClean="0"/>
-              <a:t>ex )) SEVI</a:t>
-            </a:r>
-            <a:r>
-              <a:rPr lang="ko-KR" altLang="en-US" sz="1400" dirty="0" smtClean="0"/>
-              <a:t>전면페이지</a:t>
-            </a:r>
-            <a:r>
-              <a:rPr lang="en-US" altLang="ko-KR" sz="1400" dirty="0" smtClean="0"/>
-              <a:t>, </a:t>
-            </a:r>
-            <a:r>
-              <a:rPr lang="ko-KR" altLang="en-US" sz="1400" dirty="0" smtClean="0"/>
-              <a:t>이벤트갤러리</a:t>
-            </a:r>
+              <a:t>업데이</a:t>
+            </a:r>
+            <a:r>
+              <a:rPr lang="ko-KR" altLang="en-US" sz="1400" dirty="0"/>
+              <a:t>트</a:t>
+            </a:r>
+            <a:endParaRPr lang="en-US" altLang="ko-KR" sz="1400" dirty="0"/>
+          </a:p>
+          <a:p>
+            <a:pPr marL="457200" lvl="1" indent="0">
+              <a:buNone/>
+            </a:pPr>
+            <a:endParaRPr lang="en-US" altLang="ko-KR" sz="1400" dirty="0" smtClean="0"/>
+          </a:p>
+          <a:p>
+            <a:pPr marL="457200" lvl="1" indent="0">
+              <a:buNone/>
+            </a:pPr>
+            <a:endParaRPr lang="en-US" altLang="ko-KR" sz="1400" dirty="0"/>
+          </a:p>
+          <a:p>
+            <a:pPr marL="457200" lvl="1" indent="0">
+              <a:buNone/>
+            </a:pPr>
             <a:endParaRPr lang="en-US" altLang="ko-KR" sz="1400" dirty="0" smtClean="0"/>
           </a:p>
           <a:p>
@@ -4924,265 +5303,259 @@
                 <a:blip r:embed="rId2"/>
               </a:buBlip>
             </a:pPr>
-            <a:r>
-              <a:rPr lang="ko-KR" altLang="en-US" sz="1400" dirty="0" smtClean="0"/>
-              <a:t>페이지설정 </a:t>
-            </a:r>
-            <a:r>
-              <a:rPr lang="en-US" altLang="ko-KR" sz="1400" dirty="0" smtClean="0"/>
-              <a:t>&gt; </a:t>
-            </a:r>
-            <a:r>
-              <a:rPr lang="ko-KR" altLang="en-US" sz="1400" dirty="0" smtClean="0"/>
-              <a:t>내용하단 </a:t>
-            </a:r>
-            <a:r>
-              <a:rPr lang="en-US" altLang="ko-KR" sz="1400" dirty="0" smtClean="0"/>
-              <a:t>Category &gt;</a:t>
-            </a:r>
-            <a:br>
-              <a:rPr lang="en-US" altLang="ko-KR" sz="1400" dirty="0" smtClean="0"/>
-            </a:br>
-            <a:r>
-              <a:rPr lang="ko-KR" altLang="en-US" sz="1400" dirty="0" smtClean="0"/>
-              <a:t>모두 선택되게 변경 </a:t>
-            </a:r>
-            <a:r>
-              <a:rPr lang="en-US" altLang="ko-KR" sz="1400" dirty="0" smtClean="0"/>
-              <a:t>&gt; </a:t>
-            </a:r>
-            <a:r>
-              <a:rPr lang="ko-KR" altLang="en-US" sz="1400" dirty="0" smtClean="0"/>
-              <a:t>업데이트</a:t>
-            </a:r>
-            <a:endParaRPr lang="en-US" altLang="ko-KR" sz="1400" dirty="0"/>
-          </a:p>
-          <a:p>
-            <a:pPr marL="457200" lvl="1" indent="0">
-              <a:buNone/>
-            </a:pPr>
-            <a:endParaRPr lang="en-US" altLang="ko-KR" sz="1400" dirty="0"/>
-          </a:p>
-          <a:p>
-            <a:pPr marL="457200" lvl="1" indent="0">
-              <a:buNone/>
-            </a:pPr>
-            <a:endParaRPr lang="en-US" altLang="ko-KR" sz="1400" dirty="0" smtClean="0"/>
-          </a:p>
-          <a:p>
-            <a:pPr marL="457200" lvl="1" indent="0">
-              <a:buNone/>
-            </a:pPr>
-            <a:endParaRPr lang="en-US" altLang="ko-KR" sz="1400" dirty="0"/>
-          </a:p>
-          <a:p>
-            <a:pPr marL="457200" lvl="1" indent="0">
-              <a:buNone/>
-            </a:pPr>
-            <a:endParaRPr lang="en-US" altLang="ko-KR" sz="1400" dirty="0" smtClean="0"/>
-          </a:p>
-          <a:p>
-            <a:pPr lvl="1">
-              <a:buBlip>
-                <a:blip r:embed="rId2"/>
-              </a:buBlip>
-            </a:pPr>
             <a:endParaRPr lang="ko-KR" altLang="en-US" sz="1400" dirty="0" smtClean="0"/>
-          </a:p>
-        </p:txBody>
-      </p:sp>
-      <p:sp>
-        <p:nvSpPr>
-          <p:cNvPr id="4" name="내용 개체 틀 3"/>
-          <p:cNvSpPr>
-            <a:spLocks noGrp="1"/>
-          </p:cNvSpPr>
-          <p:nvPr>
-            <p:ph sz="half" idx="2"/>
-          </p:nvPr>
-        </p:nvSpPr>
-        <p:spPr/>
-        <p:txBody>
-          <a:bodyPr/>
-          <a:lstStyle/>
-          <a:p>
-            <a:pPr marL="0" indent="0">
-              <a:buNone/>
-            </a:pPr>
-            <a:r>
-              <a:rPr lang="en-US" altLang="ko-KR" sz="2000" b="1" dirty="0" smtClean="0">
-                <a:solidFill>
-                  <a:srgbClr val="0070C0"/>
-                </a:solidFill>
-              </a:rPr>
-              <a:t>    ※ </a:t>
-            </a:r>
-            <a:r>
-              <a:rPr lang="ko-KR" altLang="en-US" sz="2000" b="1" dirty="0" smtClean="0">
-                <a:solidFill>
-                  <a:srgbClr val="0070C0"/>
-                </a:solidFill>
-              </a:rPr>
-              <a:t>로그인 페이지가 </a:t>
-            </a:r>
-            <a:r>
-              <a:rPr lang="ko-KR" altLang="en-US" sz="2000" b="1" dirty="0" err="1" smtClean="0">
-                <a:solidFill>
-                  <a:srgbClr val="0070C0"/>
-                </a:solidFill>
-              </a:rPr>
-              <a:t>안나올때</a:t>
-            </a:r>
-            <a:endParaRPr lang="en-US" altLang="ko-KR" sz="2000" b="1" dirty="0" smtClean="0">
-              <a:solidFill>
-                <a:srgbClr val="0070C0"/>
-              </a:solidFill>
-            </a:endParaRPr>
-          </a:p>
-          <a:p>
-            <a:pPr marL="0" indent="0">
-              <a:buNone/>
-            </a:pPr>
-            <a:endParaRPr lang="en-US" altLang="ko-KR" sz="2000" b="1" dirty="0" smtClean="0">
-              <a:solidFill>
-                <a:srgbClr val="0070C0"/>
-              </a:solidFill>
-            </a:endParaRPr>
-          </a:p>
-          <a:p>
-            <a:pPr lvl="1">
-              <a:buBlip>
-                <a:blip r:embed="rId2"/>
-              </a:buBlip>
-            </a:pPr>
-            <a:r>
-              <a:rPr lang="en-US" altLang="ko-KR" sz="1400" dirty="0" err="1" smtClean="0"/>
-              <a:t>Cosmosfarm</a:t>
-            </a:r>
-            <a:r>
-              <a:rPr lang="ko-KR" altLang="en-US" sz="1400" dirty="0" smtClean="0"/>
-              <a:t>메인 페이지로 이동</a:t>
-            </a:r>
-            <a:endParaRPr lang="en-US" altLang="ko-KR" sz="1400" dirty="0" smtClean="0"/>
-          </a:p>
-          <a:p>
-            <a:pPr lvl="1">
-              <a:buBlip>
-                <a:blip r:embed="rId2"/>
-              </a:buBlip>
-            </a:pPr>
-            <a:r>
-              <a:rPr lang="en-US" altLang="ko-KR" sz="1400" dirty="0" smtClean="0">
-                <a:hlinkClick r:id="rId4"/>
-              </a:rPr>
-              <a:t>http://www.cosmosfarm.com/</a:t>
-            </a:r>
-            <a:endParaRPr lang="en-US" altLang="ko-KR" sz="1400" dirty="0" smtClean="0"/>
-          </a:p>
-          <a:p>
-            <a:pPr lvl="1">
-              <a:buBlip>
-                <a:blip r:embed="rId2"/>
-              </a:buBlip>
-            </a:pPr>
-            <a:r>
-              <a:rPr lang="ko-KR" altLang="en-US" sz="1400" dirty="0" err="1" smtClean="0"/>
-              <a:t>소셜댓글</a:t>
-            </a:r>
-            <a:r>
-              <a:rPr lang="ko-KR" altLang="en-US" sz="1400" dirty="0" smtClean="0"/>
-              <a:t> 버튼 클릭</a:t>
-            </a:r>
-            <a:r>
-              <a:rPr lang="en-US" altLang="ko-KR" sz="1400" dirty="0" smtClean="0"/>
-              <a:t>\</a:t>
-            </a:r>
-          </a:p>
-          <a:p>
-            <a:pPr lvl="1">
-              <a:buBlip>
-                <a:blip r:embed="rId2"/>
-              </a:buBlip>
-            </a:pPr>
-            <a:endParaRPr lang="en-US" altLang="ko-KR" sz="1400" dirty="0"/>
-          </a:p>
-          <a:p>
-            <a:pPr lvl="1">
-              <a:buBlip>
-                <a:blip r:embed="rId2"/>
-              </a:buBlip>
-            </a:pPr>
-            <a:endParaRPr lang="en-US" altLang="ko-KR" sz="1400" dirty="0" smtClean="0"/>
-          </a:p>
-          <a:p>
-            <a:pPr lvl="1">
-              <a:buBlip>
-                <a:blip r:embed="rId2"/>
-              </a:buBlip>
-            </a:pPr>
-            <a:endParaRPr lang="en-US" altLang="ko-KR" sz="1400" dirty="0"/>
-          </a:p>
-          <a:p>
-            <a:pPr lvl="1">
-              <a:buBlip>
-                <a:blip r:embed="rId2"/>
-              </a:buBlip>
-            </a:pPr>
-            <a:endParaRPr lang="en-US" altLang="ko-KR" sz="1400" dirty="0"/>
-          </a:p>
-          <a:p>
-            <a:pPr lvl="1">
-              <a:buBlip>
-                <a:blip r:embed="rId2"/>
-              </a:buBlip>
-            </a:pPr>
-            <a:r>
-              <a:rPr lang="ko-KR" altLang="en-US" sz="1400" dirty="0" smtClean="0"/>
-              <a:t>신규등록 및 관리하기 버튼클릭</a:t>
-            </a:r>
-            <a:endParaRPr lang="en-US" altLang="ko-KR" sz="1400" dirty="0" smtClean="0"/>
-          </a:p>
-          <a:p>
-            <a:pPr lvl="1">
-              <a:buBlip>
-                <a:blip r:embed="rId2"/>
-              </a:buBlip>
-            </a:pPr>
-            <a:endParaRPr lang="en-US" altLang="ko-KR" sz="1400" dirty="0"/>
-          </a:p>
-          <a:p>
-            <a:pPr marL="457200" lvl="1" indent="0">
-              <a:buNone/>
-            </a:pPr>
-            <a:endParaRPr lang="en-US" altLang="ko-KR" sz="1400" dirty="0"/>
-          </a:p>
-          <a:p>
-            <a:pPr lvl="1">
-              <a:buBlip>
-                <a:blip r:embed="rId2"/>
-              </a:buBlip>
-            </a:pPr>
-            <a:endParaRPr lang="en-US" altLang="ko-KR" sz="1400" dirty="0" smtClean="0"/>
-          </a:p>
-          <a:p>
-            <a:pPr marL="457200" lvl="1" indent="0">
-              <a:buNone/>
-            </a:pPr>
-            <a:endParaRPr lang="en-US" altLang="ko-KR" sz="1400" dirty="0" smtClean="0"/>
-          </a:p>
-          <a:p>
-            <a:pPr lvl="1">
-              <a:buBlip>
-                <a:blip r:embed="rId2"/>
-              </a:buBlip>
-            </a:pPr>
-            <a:endParaRPr lang="en-US" altLang="ko-KR" sz="1400" dirty="0" smtClean="0"/>
           </a:p>
         </p:txBody>
       </p:sp>
       <p:pic>
         <p:nvPicPr>
-          <p:cNvPr id="10242" name="Picture 2"/>
+          <p:cNvPr id="3074" name="Picture 2"/>
+          <p:cNvPicPr>
+            <a:picLocks noChangeAspect="1" noChangeArrowheads="1"/>
+          </p:cNvPicPr>
+          <p:nvPr/>
+        </p:nvPicPr>
+        <p:blipFill>
+          <a:blip r:embed="rId3">
+            <a:extLst>
+              <a:ext uri="{28A0092B-C50C-407E-A947-70E740481C1C}">
+                <a14:useLocalDpi xmlns:a14="http://schemas.microsoft.com/office/drawing/2010/main" val="0"/>
+              </a:ext>
+            </a:extLst>
+          </a:blip>
+          <a:srcRect/>
+          <a:stretch>
+            <a:fillRect/>
+          </a:stretch>
+        </p:blipFill>
+        <p:spPr bwMode="auto">
+          <a:xfrm>
+            <a:off x="1056531" y="3221880"/>
+            <a:ext cx="1533525" cy="1819275"/>
+          </a:xfrm>
+          <a:prstGeom prst="rect">
+            <a:avLst/>
+          </a:prstGeom>
+          <a:noFill/>
+          <a:ln>
+            <a:noFill/>
+          </a:ln>
+          <a:extLst>
+            <a:ext uri="{909E8E84-426E-40DD-AFC4-6F175D3DCCD1}">
+              <a14:hiddenFill xmlns:a14="http://schemas.microsoft.com/office/drawing/2010/main">
+                <a:solidFill>
+                  <a:schemeClr val="accent1"/>
+                </a:solidFill>
+              </a14:hiddenFill>
+            </a:ext>
+            <a:ext uri="{91240B29-F687-4F45-9708-019B960494DF}">
+              <a14:hiddenLine xmlns:a14="http://schemas.microsoft.com/office/drawing/2010/main" w="9525">
+                <a:solidFill>
+                  <a:schemeClr val="tx1"/>
+                </a:solidFill>
+                <a:miter lim="800000"/>
+                <a:headEnd/>
+                <a:tailEnd/>
+              </a14:hiddenLine>
+            </a:ext>
+          </a:extLst>
+        </p:spPr>
+      </p:pic>
+      <p:pic>
+        <p:nvPicPr>
+          <p:cNvPr id="3075" name="Picture 3"/>
+          <p:cNvPicPr>
+            <a:picLocks noChangeAspect="1" noChangeArrowheads="1"/>
+          </p:cNvPicPr>
+          <p:nvPr/>
+        </p:nvPicPr>
+        <p:blipFill>
+          <a:blip r:embed="rId4">
+            <a:extLst>
+              <a:ext uri="{28A0092B-C50C-407E-A947-70E740481C1C}">
+                <a14:useLocalDpi xmlns:a14="http://schemas.microsoft.com/office/drawing/2010/main" val="0"/>
+              </a:ext>
+            </a:extLst>
+          </a:blip>
+          <a:srcRect/>
+          <a:stretch>
+            <a:fillRect/>
+          </a:stretch>
+        </p:blipFill>
+        <p:spPr bwMode="auto">
+          <a:xfrm>
+            <a:off x="4238402" y="3221880"/>
+            <a:ext cx="2219325" cy="3519488"/>
+          </a:xfrm>
+          <a:prstGeom prst="rect">
+            <a:avLst/>
+          </a:prstGeom>
+          <a:noFill/>
+          <a:ln>
+            <a:noFill/>
+          </a:ln>
+          <a:extLst>
+            <a:ext uri="{909E8E84-426E-40DD-AFC4-6F175D3DCCD1}">
+              <a14:hiddenFill xmlns:a14="http://schemas.microsoft.com/office/drawing/2010/main">
+                <a:solidFill>
+                  <a:schemeClr val="accent1"/>
+                </a:solidFill>
+              </a14:hiddenFill>
+            </a:ext>
+            <a:ext uri="{91240B29-F687-4F45-9708-019B960494DF}">
+              <a14:hiddenLine xmlns:a14="http://schemas.microsoft.com/office/drawing/2010/main" w="9525">
+                <a:solidFill>
+                  <a:schemeClr val="tx1"/>
+                </a:solidFill>
+                <a:miter lim="800000"/>
+                <a:headEnd/>
+                <a:tailEnd/>
+              </a14:hiddenLine>
+            </a:ext>
+          </a:extLst>
+        </p:spPr>
+      </p:pic>
+      <p:sp>
+        <p:nvSpPr>
+          <p:cNvPr id="19" name="모서리가 둥근 직사각형 18"/>
+          <p:cNvSpPr/>
+          <p:nvPr/>
+        </p:nvSpPr>
+        <p:spPr>
+          <a:xfrm>
+            <a:off x="1056530" y="3581920"/>
+            <a:ext cx="1533525" cy="311511"/>
+          </a:xfrm>
+          <a:prstGeom prst="roundRect">
+            <a:avLst/>
+          </a:prstGeom>
+          <a:noFill/>
+          <a:ln w="57150">
+            <a:solidFill>
+              <a:srgbClr val="0070C0"/>
+            </a:solidFill>
+          </a:ln>
+        </p:spPr>
+        <p:style>
+          <a:lnRef idx="2">
+            <a:schemeClr val="accent1">
+              <a:shade val="50000"/>
+            </a:schemeClr>
+          </a:lnRef>
+          <a:fillRef idx="1">
+            <a:schemeClr val="accent1"/>
+          </a:fillRef>
+          <a:effectRef idx="0">
+            <a:schemeClr val="accent1"/>
+          </a:effectRef>
+          <a:fontRef idx="minor">
+            <a:schemeClr val="lt1"/>
+          </a:fontRef>
+        </p:style>
+        <p:txBody>
+          <a:bodyPr rtlCol="0" anchor="ctr"/>
+          <a:lstStyle/>
+          <a:p>
+            <a:pPr algn="ctr"/>
+            <a:endParaRPr lang="ko-KR" altLang="en-US" dirty="0"/>
+          </a:p>
+        </p:txBody>
+      </p:sp>
+      <p:sp>
+        <p:nvSpPr>
+          <p:cNvPr id="22" name="모서리가 둥근 직사각형 21"/>
+          <p:cNvSpPr/>
+          <p:nvPr/>
+        </p:nvSpPr>
+        <p:spPr>
+          <a:xfrm>
+            <a:off x="4238403" y="6429857"/>
+            <a:ext cx="766762" cy="311511"/>
+          </a:xfrm>
+          <a:prstGeom prst="roundRect">
+            <a:avLst/>
+          </a:prstGeom>
+          <a:noFill/>
+          <a:ln w="57150">
+            <a:solidFill>
+              <a:srgbClr val="0070C0"/>
+            </a:solidFill>
+          </a:ln>
+        </p:spPr>
+        <p:style>
+          <a:lnRef idx="2">
+            <a:schemeClr val="accent1">
+              <a:shade val="50000"/>
+            </a:schemeClr>
+          </a:lnRef>
+          <a:fillRef idx="1">
+            <a:schemeClr val="accent1"/>
+          </a:fillRef>
+          <a:effectRef idx="0">
+            <a:schemeClr val="accent1"/>
+          </a:effectRef>
+          <a:fontRef idx="minor">
+            <a:schemeClr val="lt1"/>
+          </a:fontRef>
+        </p:style>
+        <p:txBody>
+          <a:bodyPr rtlCol="0" anchor="ctr"/>
+          <a:lstStyle/>
+          <a:p>
+            <a:pPr algn="ctr"/>
+            <a:endParaRPr lang="ko-KR" altLang="en-US" dirty="0"/>
+          </a:p>
+        </p:txBody>
+      </p:sp>
+      <p:sp>
+        <p:nvSpPr>
+          <p:cNvPr id="23" name="모서리가 둥근 직사각형 22"/>
+          <p:cNvSpPr/>
+          <p:nvPr/>
+        </p:nvSpPr>
+        <p:spPr>
+          <a:xfrm>
+            <a:off x="5847904" y="3246967"/>
+            <a:ext cx="383381" cy="155755"/>
+          </a:xfrm>
+          <a:prstGeom prst="roundRect">
+            <a:avLst/>
+          </a:prstGeom>
+          <a:noFill/>
+          <a:ln w="57150">
+            <a:solidFill>
+              <a:srgbClr val="0070C0"/>
+            </a:solidFill>
+          </a:ln>
+        </p:spPr>
+        <p:style>
+          <a:lnRef idx="2">
+            <a:schemeClr val="accent1">
+              <a:shade val="50000"/>
+            </a:schemeClr>
+          </a:lnRef>
+          <a:fillRef idx="1">
+            <a:schemeClr val="accent1"/>
+          </a:fillRef>
+          <a:effectRef idx="0">
+            <a:schemeClr val="accent1"/>
+          </a:effectRef>
+          <a:fontRef idx="minor">
+            <a:schemeClr val="lt1"/>
+          </a:fontRef>
+        </p:style>
+        <p:txBody>
+          <a:bodyPr rtlCol="0" anchor="ctr"/>
+          <a:lstStyle/>
+          <a:p>
+            <a:pPr algn="ctr"/>
+            <a:endParaRPr lang="ko-KR" altLang="en-US" dirty="0"/>
+          </a:p>
+        </p:txBody>
+      </p:sp>
+      <p:pic>
+        <p:nvPicPr>
+          <p:cNvPr id="3076" name="Picture 4"/>
           <p:cNvPicPr>
             <a:picLocks noChangeAspect="1" noChangeArrowheads="1"/>
           </p:cNvPicPr>
@@ -5203,8 +5576,8 @@
         </p:blipFill>
         <p:spPr bwMode="auto">
           <a:xfrm>
-            <a:off x="5508104" y="3140968"/>
-            <a:ext cx="1950388" cy="864096"/>
+            <a:off x="5967189" y="4005064"/>
+            <a:ext cx="981075" cy="495300"/>
           </a:xfrm>
           <a:prstGeom prst="rect">
             <a:avLst/>
@@ -5234,70 +5607,115 @@
           </a:extLst>
         </p:spPr>
       </p:pic>
-      <p:pic>
-        <p:nvPicPr>
-          <p:cNvPr id="10243" name="Picture 3"/>
-          <p:cNvPicPr>
-            <a:picLocks noChangeAspect="1" noChangeArrowheads="1"/>
-          </p:cNvPicPr>
+      <p:sp>
+        <p:nvSpPr>
+          <p:cNvPr id="25" name="모서리가 둥근 직사각형 24"/>
+          <p:cNvSpPr/>
           <p:nvPr/>
-        </p:nvPicPr>
-        <p:blipFill>
-          <a:blip r:embed="rId6">
-            <a:extLst>
-              <a:ext uri="{28A0092B-C50C-407E-A947-70E740481C1C}">
-                <a14:useLocalDpi xmlns:a14="http://schemas.microsoft.com/office/drawing/2010/main" val="0"/>
-              </a:ext>
-            </a:extLst>
-          </a:blip>
-          <a:srcRect/>
-          <a:stretch>
-            <a:fillRect/>
-          </a:stretch>
-        </p:blipFill>
-        <p:spPr bwMode="auto">
+        </p:nvSpPr>
+        <p:spPr>
           <a:xfrm>
-            <a:off x="5508104" y="4437112"/>
-            <a:ext cx="1295400" cy="285750"/>
+            <a:off x="6025679" y="4005064"/>
+            <a:ext cx="873918" cy="434679"/>
           </a:xfrm>
-          <a:prstGeom prst="rect">
+          <a:prstGeom prst="roundRect">
             <a:avLst/>
           </a:prstGeom>
           <a:noFill/>
+          <a:ln w="57150">
+            <a:solidFill>
+              <a:srgbClr val="0070C0"/>
+            </a:solidFill>
+          </a:ln>
+        </p:spPr>
+        <p:style>
+          <a:lnRef idx="2">
+            <a:schemeClr val="accent1">
+              <a:shade val="50000"/>
+            </a:schemeClr>
+          </a:lnRef>
+          <a:fillRef idx="1">
+            <a:schemeClr val="accent1"/>
+          </a:fillRef>
+          <a:effectRef idx="0">
+            <a:schemeClr val="accent1"/>
+          </a:effectRef>
+          <a:fontRef idx="minor">
+            <a:schemeClr val="lt1"/>
+          </a:fontRef>
+        </p:style>
+        <p:txBody>
+          <a:bodyPr rtlCol="0" anchor="ctr"/>
+          <a:lstStyle/>
+          <a:p>
+            <a:pPr algn="ctr"/>
+            <a:endParaRPr lang="ko-KR" altLang="en-US" dirty="0"/>
+          </a:p>
+        </p:txBody>
+      </p:sp>
+      <p:sp>
+        <p:nvSpPr>
+          <p:cNvPr id="27" name="오른쪽 화살표 26"/>
+          <p:cNvSpPr/>
+          <p:nvPr/>
+        </p:nvSpPr>
+        <p:spPr>
+          <a:xfrm>
+            <a:off x="2595860" y="3487465"/>
+            <a:ext cx="1368153" cy="517599"/>
+          </a:xfrm>
+          <a:prstGeom prst="rightArrow">
+            <a:avLst/>
+          </a:prstGeom>
+          <a:solidFill>
+            <a:srgbClr val="0070C0"/>
+          </a:solidFill>
           <a:ln>
             <a:noFill/>
           </a:ln>
-          <a:extLst>
-            <a:ext uri="{909E8E84-426E-40DD-AFC4-6F175D3DCCD1}">
-              <a14:hiddenFill xmlns:a14="http://schemas.microsoft.com/office/drawing/2010/main">
-                <a:solidFill>
-                  <a:schemeClr val="accent1"/>
-                </a:solidFill>
-              </a14:hiddenFill>
-            </a:ext>
-            <a:ext uri="{91240B29-F687-4F45-9708-019B960494DF}">
-              <a14:hiddenLine xmlns:a14="http://schemas.microsoft.com/office/drawing/2010/main" w="9525">
-                <a:solidFill>
-                  <a:schemeClr val="tx1"/>
-                </a:solidFill>
-                <a:miter lim="800000"/>
-                <a:headEnd/>
-                <a:tailEnd/>
-              </a14:hiddenLine>
-            </a:ext>
-          </a:extLst>
         </p:spPr>
-      </p:pic>
+        <p:style>
+          <a:lnRef idx="2">
+            <a:schemeClr val="accent1">
+              <a:shade val="50000"/>
+            </a:schemeClr>
+          </a:lnRef>
+          <a:fillRef idx="1">
+            <a:schemeClr val="accent1"/>
+          </a:fillRef>
+          <a:effectRef idx="0">
+            <a:schemeClr val="accent1"/>
+          </a:effectRef>
+          <a:fontRef idx="minor">
+            <a:schemeClr val="lt1"/>
+          </a:fontRef>
+        </p:style>
+        <p:txBody>
+          <a:bodyPr rtlCol="0" anchor="ctr"/>
+          <a:lstStyle/>
+          <a:p>
+            <a:pPr algn="ctr"/>
+            <a:endParaRPr lang="ko-KR" altLang="en-US"/>
+          </a:p>
+        </p:txBody>
+      </p:sp>
     </p:spTree>
     <p:extLst>
       <p:ext uri="{BB962C8B-B14F-4D97-AF65-F5344CB8AC3E}">
-        <p14:creationId xmlns:p14="http://schemas.microsoft.com/office/powerpoint/2010/main" val="1783623289"/>
+        <p14:creationId xmlns:p14="http://schemas.microsoft.com/office/powerpoint/2010/main" val="2150368826"/>
       </p:ext>
     </p:extLst>
   </p:cSld>
   <p:clrMapOvr>
     <a:masterClrMapping/>
   </p:clrMapOvr>
+  <p:timing>
+    <p:tnLst>
+      <p:par>
+        <p:cTn id="1" dur="indefinite" restart="never" nodeType="tmRoot"/>
+      </p:par>
+    </p:tnLst>
+  </p:timing>
 </p:sld>
 </file>
 
@@ -5335,17 +5753,238 @@
           <a:p>
             <a:r>
               <a:rPr lang="en-US" altLang="ko-KR" b="1" dirty="0" smtClean="0"/>
-              <a:t>2-2. </a:t>
-            </a:r>
-            <a:r>
-              <a:rPr lang="ko-KR" altLang="en-US" b="1" dirty="0" err="1" smtClean="0"/>
-              <a:t>이메일</a:t>
+              <a:t>2-1. </a:t>
             </a:r>
             <a:r>
               <a:rPr lang="ko-KR" altLang="en-US" b="1" dirty="0" smtClean="0"/>
-              <a:t> 내역 관리</a:t>
+              <a:t>글 등록 방법 </a:t>
+            </a:r>
+            <a:r>
+              <a:rPr lang="en-US" altLang="ko-KR" b="1" dirty="0" smtClean="0"/>
+              <a:t>QA</a:t>
             </a:r>
             <a:endParaRPr lang="ko-KR" altLang="en-US" b="1" dirty="0"/>
+          </a:p>
+        </p:txBody>
+      </p:sp>
+      <p:sp>
+        <p:nvSpPr>
+          <p:cNvPr id="3" name="내용 개체 틀 2"/>
+          <p:cNvSpPr>
+            <a:spLocks noGrp="1"/>
+          </p:cNvSpPr>
+          <p:nvPr>
+            <p:ph sz="half" idx="1"/>
+          </p:nvPr>
+        </p:nvSpPr>
+        <p:spPr>
+          <a:xfrm>
+            <a:off x="457200" y="1600200"/>
+            <a:ext cx="4186808" cy="4525963"/>
+          </a:xfrm>
+        </p:spPr>
+        <p:txBody>
+          <a:bodyPr/>
+          <a:lstStyle/>
+          <a:p>
+            <a:pPr marL="0" indent="0">
+              <a:buNone/>
+            </a:pPr>
+            <a:r>
+              <a:rPr lang="en-US" altLang="ko-KR" sz="2000" b="1" dirty="0" smtClean="0">
+                <a:solidFill>
+                  <a:srgbClr val="0070C0"/>
+                </a:solidFill>
+              </a:rPr>
+              <a:t>※ </a:t>
+            </a:r>
+            <a:r>
+              <a:rPr lang="ko-KR" altLang="en-US" sz="2000" b="1" dirty="0" smtClean="0">
+                <a:solidFill>
+                  <a:srgbClr val="0070C0"/>
+                </a:solidFill>
+              </a:rPr>
+              <a:t>카테고리 설정 이후 페이지 설정</a:t>
+            </a:r>
+            <a:endParaRPr lang="en-US" altLang="ko-KR" sz="2000" b="1" dirty="0" smtClean="0">
+              <a:solidFill>
+                <a:srgbClr val="0070C0"/>
+              </a:solidFill>
+            </a:endParaRPr>
+          </a:p>
+          <a:p>
+            <a:pPr marL="0" indent="0">
+              <a:buNone/>
+            </a:pPr>
+            <a:endParaRPr lang="en-US" altLang="ko-KR" sz="1100" b="1" dirty="0" smtClean="0">
+              <a:solidFill>
+                <a:srgbClr val="0070C0"/>
+              </a:solidFill>
+            </a:endParaRPr>
+          </a:p>
+          <a:p>
+            <a:pPr lvl="1">
+              <a:buBlip>
+                <a:blip r:embed="rId2"/>
+              </a:buBlip>
+            </a:pPr>
+            <a:r>
+              <a:rPr lang="ko-KR" altLang="en-US" sz="1400" dirty="0" smtClean="0"/>
+              <a:t>페이지이동</a:t>
+            </a:r>
+            <a:endParaRPr lang="en-US" altLang="ko-KR" sz="1400" dirty="0" smtClean="0"/>
+          </a:p>
+          <a:p>
+            <a:pPr lvl="1">
+              <a:buBlip>
+                <a:blip r:embed="rId2"/>
+              </a:buBlip>
+            </a:pPr>
+            <a:r>
+              <a:rPr lang="en-US" altLang="ko-KR" sz="1400" dirty="0" smtClean="0">
+                <a:hlinkClick r:id="rId3"/>
+              </a:rPr>
+              <a:t>http://selvi.co.kr/wp-admin</a:t>
+            </a:r>
+            <a:endParaRPr lang="en-US" altLang="ko-KR" sz="1400" dirty="0" smtClean="0"/>
+          </a:p>
+          <a:p>
+            <a:pPr lvl="1">
+              <a:buBlip>
+                <a:blip r:embed="rId2"/>
+              </a:buBlip>
+            </a:pPr>
+            <a:r>
+              <a:rPr lang="ko-KR" altLang="en-US" sz="1400" dirty="0" err="1" smtClean="0"/>
+              <a:t>왼쪽메뉴바</a:t>
+            </a:r>
+            <a:r>
+              <a:rPr lang="ko-KR" altLang="en-US" sz="1400" dirty="0" smtClean="0"/>
+              <a:t> </a:t>
+            </a:r>
+            <a:r>
+              <a:rPr lang="en-US" altLang="ko-KR" sz="1400" dirty="0" smtClean="0"/>
+              <a:t>&gt;</a:t>
+            </a:r>
+            <a:r>
+              <a:rPr lang="ko-KR" altLang="en-US" sz="1400" dirty="0" smtClean="0"/>
+              <a:t>페이지</a:t>
+            </a:r>
+            <a:endParaRPr lang="en-US" altLang="ko-KR" sz="1400" dirty="0" smtClean="0"/>
+          </a:p>
+          <a:p>
+            <a:pPr lvl="1">
+              <a:buBlip>
+                <a:blip r:embed="rId2"/>
+              </a:buBlip>
+            </a:pPr>
+            <a:r>
+              <a:rPr lang="ko-KR" altLang="en-US" sz="1400" dirty="0" smtClean="0"/>
+              <a:t>이벤트가 등록되어야 하는 페이지</a:t>
+            </a:r>
+            <a:r>
+              <a:rPr lang="en-US" altLang="ko-KR" sz="1400" dirty="0"/>
+              <a:t> </a:t>
+            </a:r>
+            <a:r>
+              <a:rPr lang="ko-KR" altLang="en-US" sz="1400" dirty="0" smtClean="0"/>
+              <a:t>선택</a:t>
+            </a:r>
+            <a:r>
+              <a:rPr lang="en-US" altLang="ko-KR" sz="1400" dirty="0" smtClean="0"/>
+              <a:t/>
+            </a:r>
+            <a:br>
+              <a:rPr lang="en-US" altLang="ko-KR" sz="1400" dirty="0" smtClean="0"/>
+            </a:br>
+            <a:r>
+              <a:rPr lang="en-US" altLang="ko-KR" sz="1400" dirty="0" smtClean="0"/>
+              <a:t>ex )) SEVI</a:t>
+            </a:r>
+            <a:r>
+              <a:rPr lang="ko-KR" altLang="en-US" sz="1400" dirty="0" smtClean="0"/>
+              <a:t>전면페이지</a:t>
+            </a:r>
+            <a:r>
+              <a:rPr lang="en-US" altLang="ko-KR" sz="1400" dirty="0" smtClean="0"/>
+              <a:t>, </a:t>
+            </a:r>
+            <a:r>
+              <a:rPr lang="ko-KR" altLang="en-US" sz="1400" dirty="0" smtClean="0"/>
+              <a:t>이벤트갤러리</a:t>
+            </a:r>
+            <a:endParaRPr lang="en-US" altLang="ko-KR" sz="1400" dirty="0" smtClean="0"/>
+          </a:p>
+          <a:p>
+            <a:pPr lvl="1">
+              <a:buBlip>
+                <a:blip r:embed="rId2"/>
+              </a:buBlip>
+            </a:pPr>
+            <a:r>
+              <a:rPr lang="ko-KR" altLang="en-US" sz="1400" dirty="0" smtClean="0"/>
+              <a:t>페이지설정 </a:t>
+            </a:r>
+            <a:r>
+              <a:rPr lang="en-US" altLang="ko-KR" sz="1400" dirty="0" smtClean="0"/>
+              <a:t>&gt; </a:t>
+            </a:r>
+            <a:r>
+              <a:rPr lang="ko-KR" altLang="en-US" sz="1400" dirty="0" smtClean="0"/>
+              <a:t>내용하단 </a:t>
+            </a:r>
+            <a:r>
+              <a:rPr lang="en-US" altLang="ko-KR" sz="1400" dirty="0" smtClean="0"/>
+              <a:t>Category &gt;</a:t>
+            </a:r>
+            <a:br>
+              <a:rPr lang="en-US" altLang="ko-KR" sz="1400" dirty="0" smtClean="0"/>
+            </a:br>
+            <a:r>
+              <a:rPr lang="ko-KR" altLang="en-US" sz="1400" dirty="0" smtClean="0"/>
+              <a:t>모두 선택되게 변경 </a:t>
+            </a:r>
+            <a:r>
+              <a:rPr lang="en-US" altLang="ko-KR" sz="1400" dirty="0" smtClean="0"/>
+              <a:t>&gt; </a:t>
+            </a:r>
+            <a:r>
+              <a:rPr lang="ko-KR" altLang="en-US" sz="1400" dirty="0" smtClean="0"/>
+              <a:t>업데이트</a:t>
+            </a:r>
+            <a:endParaRPr lang="en-US" altLang="ko-KR" sz="1400" dirty="0"/>
+          </a:p>
+          <a:p>
+            <a:pPr marL="457200" lvl="1" indent="0">
+              <a:buNone/>
+            </a:pPr>
+            <a:endParaRPr lang="en-US" altLang="ko-KR" sz="1400" dirty="0"/>
+          </a:p>
+          <a:p>
+            <a:pPr marL="457200" lvl="1" indent="0">
+              <a:buNone/>
+            </a:pPr>
+            <a:endParaRPr lang="en-US" altLang="ko-KR" sz="1400" dirty="0" smtClean="0"/>
+          </a:p>
+          <a:p>
+            <a:pPr marL="457200" lvl="1" indent="0">
+              <a:buNone/>
+            </a:pPr>
+            <a:endParaRPr lang="en-US" altLang="ko-KR" sz="1400" dirty="0"/>
+          </a:p>
+          <a:p>
+            <a:pPr marL="457200" lvl="1" indent="0">
+              <a:buNone/>
+            </a:pPr>
+            <a:endParaRPr lang="en-US" altLang="ko-KR" sz="1400" dirty="0" smtClean="0"/>
+          </a:p>
+          <a:p>
+            <a:pPr lvl="1">
+              <a:buBlip>
+                <a:blip r:embed="rId2"/>
+              </a:buBlip>
+            </a:pPr>
+            <a:endParaRPr lang="ko-KR" altLang="en-US" sz="1400" dirty="0" smtClean="0"/>
           </a:p>
         </p:txBody>
       </p:sp>
@@ -5359,10 +5998,414 @@
             <p:ph sz="half" idx="2"/>
           </p:nvPr>
         </p:nvSpPr>
+        <p:spPr/>
+        <p:txBody>
+          <a:bodyPr/>
+          <a:lstStyle/>
+          <a:p>
+            <a:pPr marL="0" indent="0">
+              <a:buNone/>
+            </a:pPr>
+            <a:r>
+              <a:rPr lang="en-US" altLang="ko-KR" sz="2000" b="1" dirty="0" smtClean="0">
+                <a:solidFill>
+                  <a:srgbClr val="0070C0"/>
+                </a:solidFill>
+              </a:rPr>
+              <a:t>    ※ </a:t>
+            </a:r>
+            <a:r>
+              <a:rPr lang="ko-KR" altLang="en-US" sz="2000" b="1" dirty="0" err="1" smtClean="0">
+                <a:solidFill>
+                  <a:srgbClr val="0070C0"/>
+                </a:solidFill>
+              </a:rPr>
+              <a:t>댓글관련</a:t>
+            </a:r>
+            <a:endParaRPr lang="en-US" altLang="ko-KR" sz="2000" b="1" dirty="0">
+              <a:solidFill>
+                <a:srgbClr val="0070C0"/>
+              </a:solidFill>
+            </a:endParaRPr>
+          </a:p>
+          <a:p>
+            <a:pPr marL="0" indent="0">
+              <a:buNone/>
+            </a:pPr>
+            <a:endParaRPr lang="en-US" altLang="ko-KR" sz="1100" b="1" dirty="0" smtClean="0">
+              <a:solidFill>
+                <a:srgbClr val="0070C0"/>
+              </a:solidFill>
+            </a:endParaRPr>
+          </a:p>
+          <a:p>
+            <a:pPr lvl="1">
+              <a:buBlip>
+                <a:blip r:embed="rId2"/>
+              </a:buBlip>
+            </a:pPr>
+            <a:r>
+              <a:rPr lang="ko-KR" altLang="en-US" sz="1400" dirty="0" err="1" smtClean="0"/>
+              <a:t>댓글에</a:t>
+            </a:r>
+            <a:r>
+              <a:rPr lang="ko-KR" altLang="en-US" sz="1400" dirty="0" smtClean="0"/>
+              <a:t> 관련된 내용은 모두</a:t>
+            </a:r>
+            <a:r>
+              <a:rPr lang="en-US" altLang="ko-KR" sz="1400" dirty="0" smtClean="0"/>
+              <a:t>DB</a:t>
+            </a:r>
+            <a:r>
+              <a:rPr lang="ko-KR" altLang="en-US" sz="1400" dirty="0" smtClean="0"/>
+              <a:t>에 저장됩니다</a:t>
+            </a:r>
+            <a:r>
+              <a:rPr lang="en-US" altLang="ko-KR" sz="1400" dirty="0" smtClean="0"/>
+              <a:t>.</a:t>
+            </a:r>
+          </a:p>
+          <a:p>
+            <a:pPr lvl="1">
+              <a:buBlip>
+                <a:blip r:embed="rId2"/>
+              </a:buBlip>
+            </a:pPr>
+            <a:r>
+              <a:rPr lang="ko-KR" altLang="en-US" sz="1400" dirty="0" smtClean="0"/>
+              <a:t>글 작성시 </a:t>
+            </a:r>
+            <a:r>
+              <a:rPr lang="ko-KR" altLang="en-US" sz="1400" dirty="0" err="1" smtClean="0"/>
+              <a:t>비밀글이</a:t>
+            </a:r>
+            <a:r>
+              <a:rPr lang="ko-KR" altLang="en-US" sz="1400" dirty="0" smtClean="0"/>
+              <a:t> 기본입니다</a:t>
+            </a:r>
+            <a:r>
+              <a:rPr lang="en-US" altLang="ko-KR" sz="1400" dirty="0" smtClean="0"/>
+              <a:t>.</a:t>
+            </a:r>
+          </a:p>
+          <a:p>
+            <a:pPr lvl="1">
+              <a:buBlip>
+                <a:blip r:embed="rId2"/>
+              </a:buBlip>
+            </a:pPr>
+            <a:r>
+              <a:rPr lang="ko-KR" altLang="en-US" sz="1400" dirty="0" smtClean="0"/>
+              <a:t>글 작성시 </a:t>
+            </a:r>
+            <a:r>
+              <a:rPr lang="ko-KR" altLang="en-US" sz="1400" dirty="0" err="1" smtClean="0"/>
+              <a:t>비밀글</a:t>
+            </a:r>
+            <a:r>
+              <a:rPr lang="ko-KR" altLang="en-US" sz="1400" dirty="0" smtClean="0"/>
+              <a:t> 체크를 해지할 수 있습니다</a:t>
+            </a:r>
+            <a:r>
+              <a:rPr lang="en-US" altLang="ko-KR" sz="1400" dirty="0" smtClean="0"/>
+              <a:t>.</a:t>
+            </a:r>
+          </a:p>
+          <a:p>
+            <a:pPr lvl="1">
+              <a:buBlip>
+                <a:blip r:embed="rId2"/>
+              </a:buBlip>
+            </a:pPr>
+            <a:r>
+              <a:rPr lang="ko-KR" altLang="en-US" sz="1400" dirty="0" smtClean="0"/>
+              <a:t>글 작성시 공지사항 작성도 가능합니다</a:t>
+            </a:r>
+            <a:r>
+              <a:rPr lang="en-US" altLang="ko-KR" sz="1400" dirty="0"/>
+              <a:t>.</a:t>
+            </a:r>
+            <a:endParaRPr lang="en-US" altLang="ko-KR" sz="1400" dirty="0" smtClean="0"/>
+          </a:p>
+          <a:p>
+            <a:pPr lvl="1">
+              <a:buBlip>
+                <a:blip r:embed="rId2"/>
+              </a:buBlip>
+            </a:pPr>
+            <a:r>
+              <a:rPr lang="ko-KR" altLang="en-US" sz="1400" dirty="0" err="1" smtClean="0"/>
+              <a:t>답글은</a:t>
+            </a:r>
+            <a:r>
+              <a:rPr lang="ko-KR" altLang="en-US" sz="1400" dirty="0" smtClean="0"/>
+              <a:t> 관리자만 가능합니다</a:t>
+            </a:r>
+            <a:r>
+              <a:rPr lang="en-US" altLang="ko-KR" sz="1400" dirty="0" smtClean="0"/>
+              <a:t>.</a:t>
+            </a:r>
+          </a:p>
+          <a:p>
+            <a:pPr lvl="1">
+              <a:buBlip>
+                <a:blip r:embed="rId2"/>
+              </a:buBlip>
+            </a:pPr>
+            <a:r>
+              <a:rPr lang="ko-KR" altLang="en-US" sz="1400" dirty="0" smtClean="0"/>
+              <a:t>글은 </a:t>
+            </a:r>
+            <a:r>
+              <a:rPr lang="ko-KR" altLang="en-US" sz="1400" dirty="0" err="1" smtClean="0"/>
+              <a:t>최신글</a:t>
+            </a:r>
+            <a:r>
+              <a:rPr lang="ko-KR" altLang="en-US" sz="1400" dirty="0" smtClean="0"/>
+              <a:t> 순으로 보여지게 됩니다</a:t>
+            </a:r>
+            <a:r>
+              <a:rPr lang="en-US" altLang="ko-KR" sz="1400" dirty="0" smtClean="0"/>
+              <a:t>.</a:t>
+            </a:r>
+            <a:endParaRPr lang="en-US" altLang="ko-KR" sz="1400" dirty="0"/>
+          </a:p>
+          <a:p>
+            <a:pPr lvl="1">
+              <a:buBlip>
+                <a:blip r:embed="rId2"/>
+              </a:buBlip>
+            </a:pPr>
+            <a:endParaRPr lang="en-US" altLang="ko-KR" sz="1400" dirty="0" smtClean="0"/>
+          </a:p>
+          <a:p>
+            <a:pPr lvl="1">
+              <a:buBlip>
+                <a:blip r:embed="rId2"/>
+              </a:buBlip>
+            </a:pPr>
+            <a:endParaRPr lang="en-US" altLang="ko-KR" sz="1400" dirty="0"/>
+          </a:p>
+          <a:p>
+            <a:pPr lvl="1">
+              <a:buBlip>
+                <a:blip r:embed="rId2"/>
+              </a:buBlip>
+            </a:pPr>
+            <a:endParaRPr lang="en-US" altLang="ko-KR" sz="1400" dirty="0"/>
+          </a:p>
+          <a:p>
+            <a:pPr marL="457200" lvl="1" indent="0">
+              <a:buNone/>
+            </a:pPr>
+            <a:endParaRPr lang="en-US" altLang="ko-KR" sz="1400" dirty="0"/>
+          </a:p>
+          <a:p>
+            <a:pPr lvl="1">
+              <a:buBlip>
+                <a:blip r:embed="rId2"/>
+              </a:buBlip>
+            </a:pPr>
+            <a:endParaRPr lang="en-US" altLang="ko-KR" sz="1400" dirty="0" smtClean="0"/>
+          </a:p>
+          <a:p>
+            <a:pPr marL="457200" lvl="1" indent="0">
+              <a:buNone/>
+            </a:pPr>
+            <a:endParaRPr lang="en-US" altLang="ko-KR" sz="1400" dirty="0" smtClean="0"/>
+          </a:p>
+          <a:p>
+            <a:pPr lvl="1">
+              <a:buBlip>
+                <a:blip r:embed="rId2"/>
+              </a:buBlip>
+            </a:pPr>
+            <a:endParaRPr lang="en-US" altLang="ko-KR" sz="1400" dirty="0" smtClean="0"/>
+          </a:p>
+        </p:txBody>
+      </p:sp>
+      <p:pic>
+        <p:nvPicPr>
+          <p:cNvPr id="4100" name="Picture 4"/>
+          <p:cNvPicPr>
+            <a:picLocks noChangeAspect="1" noChangeArrowheads="1"/>
+          </p:cNvPicPr>
+          <p:nvPr/>
+        </p:nvPicPr>
+        <p:blipFill>
+          <a:blip r:embed="rId4">
+            <a:extLst>
+              <a:ext uri="{28A0092B-C50C-407E-A947-70E740481C1C}">
+                <a14:useLocalDpi xmlns:a14="http://schemas.microsoft.com/office/drawing/2010/main" val="0"/>
+              </a:ext>
+            </a:extLst>
+          </a:blip>
+          <a:srcRect/>
+          <a:stretch>
+            <a:fillRect/>
+          </a:stretch>
+        </p:blipFill>
+        <p:spPr bwMode="auto">
+          <a:xfrm>
+            <a:off x="899593" y="4149080"/>
+            <a:ext cx="3847330" cy="1800200"/>
+          </a:xfrm>
+          <a:prstGeom prst="rect">
+            <a:avLst/>
+          </a:prstGeom>
+          <a:noFill/>
+          <a:ln>
+            <a:noFill/>
+          </a:ln>
+          <a:extLst>
+            <a:ext uri="{909E8E84-426E-40DD-AFC4-6F175D3DCCD1}">
+              <a14:hiddenFill xmlns:a14="http://schemas.microsoft.com/office/drawing/2010/main">
+                <a:solidFill>
+                  <a:schemeClr val="accent1"/>
+                </a:solidFill>
+              </a14:hiddenFill>
+            </a:ext>
+            <a:ext uri="{91240B29-F687-4F45-9708-019B960494DF}">
+              <a14:hiddenLine xmlns:a14="http://schemas.microsoft.com/office/drawing/2010/main" w="9525">
+                <a:solidFill>
+                  <a:schemeClr val="tx1"/>
+                </a:solidFill>
+                <a:miter lim="800000"/>
+                <a:headEnd/>
+                <a:tailEnd/>
+              </a14:hiddenLine>
+            </a:ext>
+          </a:extLst>
+        </p:spPr>
+      </p:pic>
+      <p:sp>
+        <p:nvSpPr>
+          <p:cNvPr id="12" name="모서리가 둥근 직사각형 11"/>
+          <p:cNvSpPr/>
+          <p:nvPr/>
+        </p:nvSpPr>
         <p:spPr>
           <a:xfrm>
-            <a:off x="4648200" y="1600201"/>
-            <a:ext cx="4038600" cy="1180728"/>
+            <a:off x="899593" y="4653136"/>
+            <a:ext cx="3847330" cy="1296144"/>
+          </a:xfrm>
+          <a:prstGeom prst="roundRect">
+            <a:avLst/>
+          </a:prstGeom>
+          <a:noFill/>
+          <a:ln w="57150">
+            <a:solidFill>
+              <a:srgbClr val="0070C0"/>
+            </a:solidFill>
+          </a:ln>
+        </p:spPr>
+        <p:style>
+          <a:lnRef idx="2">
+            <a:schemeClr val="accent1">
+              <a:shade val="50000"/>
+            </a:schemeClr>
+          </a:lnRef>
+          <a:fillRef idx="1">
+            <a:schemeClr val="accent1"/>
+          </a:fillRef>
+          <a:effectRef idx="0">
+            <a:schemeClr val="accent1"/>
+          </a:effectRef>
+          <a:fontRef idx="minor">
+            <a:schemeClr val="lt1"/>
+          </a:fontRef>
+        </p:style>
+        <p:txBody>
+          <a:bodyPr rtlCol="0" anchor="ctr"/>
+          <a:lstStyle/>
+          <a:p>
+            <a:pPr algn="ctr"/>
+            <a:endParaRPr lang="ko-KR" altLang="en-US" dirty="0"/>
+          </a:p>
+        </p:txBody>
+      </p:sp>
+    </p:spTree>
+    <p:extLst>
+      <p:ext uri="{BB962C8B-B14F-4D97-AF65-F5344CB8AC3E}">
+        <p14:creationId xmlns:p14="http://schemas.microsoft.com/office/powerpoint/2010/main" val="1783623289"/>
+      </p:ext>
+    </p:extLst>
+  </p:cSld>
+  <p:clrMapOvr>
+    <a:masterClrMapping/>
+  </p:clrMapOvr>
+  <p:timing>
+    <p:tnLst>
+      <p:par>
+        <p:cTn id="1" dur="indefinite" restart="never" nodeType="tmRoot"/>
+      </p:par>
+    </p:tnLst>
+  </p:timing>
+</p:sld>
+</file>
+
+<file path=ppt/slides/slide13.xml><?xml version="1.0" encoding="utf-8"?>
+<p:sld xmlns:a="http://schemas.openxmlformats.org/drawingml/2006/main" xmlns:r="http://schemas.openxmlformats.org/officeDocument/2006/relationships" xmlns:p="http://schemas.openxmlformats.org/presentationml/2006/main">
+  <p:cSld>
+    <p:spTree>
+      <p:nvGrpSpPr>
+        <p:cNvPr id="1" name=""/>
+        <p:cNvGrpSpPr/>
+        <p:nvPr/>
+      </p:nvGrpSpPr>
+      <p:grpSpPr>
+        <a:xfrm>
+          <a:off x="0" y="0"/>
+          <a:ext cx="0" cy="0"/>
+          <a:chOff x="0" y="0"/>
+          <a:chExt cx="0" cy="0"/>
+        </a:xfrm>
+      </p:grpSpPr>
+      <p:sp>
+        <p:nvSpPr>
+          <p:cNvPr id="2" name="제목 1"/>
+          <p:cNvSpPr>
+            <a:spLocks noGrp="1"/>
+          </p:cNvSpPr>
+          <p:nvPr>
+            <p:ph type="title"/>
+          </p:nvPr>
+        </p:nvSpPr>
+        <p:spPr/>
+        <p:txBody>
+          <a:bodyPr/>
+          <a:lstStyle/>
+          <a:p>
+            <a:r>
+              <a:rPr lang="en-US" altLang="ko-KR" b="1" dirty="0" smtClean="0"/>
+              <a:t>2-2. </a:t>
+            </a:r>
+            <a:r>
+              <a:rPr lang="ko-KR" altLang="en-US" b="1" dirty="0" err="1" smtClean="0"/>
+              <a:t>이메일</a:t>
+            </a:r>
+            <a:r>
+              <a:rPr lang="ko-KR" altLang="en-US" b="1" dirty="0" smtClean="0"/>
+              <a:t> 전송내역 관리</a:t>
+            </a:r>
+            <a:endParaRPr lang="ko-KR" altLang="en-US" b="1" dirty="0"/>
+          </a:p>
+        </p:txBody>
+      </p:sp>
+      <p:sp>
+        <p:nvSpPr>
+          <p:cNvPr id="4" name="내용 개체 틀 3"/>
+          <p:cNvSpPr>
+            <a:spLocks noGrp="1"/>
+          </p:cNvSpPr>
+          <p:nvPr>
+            <p:ph sz="half" idx="2"/>
+          </p:nvPr>
+        </p:nvSpPr>
+        <p:spPr>
+          <a:xfrm>
+            <a:off x="4648200" y="1600200"/>
+            <a:ext cx="4038600" cy="1612775"/>
           </a:xfrm>
         </p:spPr>
         <p:txBody>
@@ -5432,7 +6475,15 @@
                   <a:srgbClr val="0070C0"/>
                 </a:solidFill>
               </a:rPr>
-              <a:t>Contact  </a:t>
+              <a:t>Contact </a:t>
+            </a:r>
+            <a:r>
+              <a:rPr lang="ko-KR" altLang="en-US" sz="1200" b="1" dirty="0" err="1" smtClean="0">
+                <a:solidFill>
+                  <a:srgbClr val="0070C0"/>
+                </a:solidFill>
+              </a:rPr>
+              <a:t>플러그인으로</a:t>
             </a:r>
             <a:r>
               <a:rPr lang="ko-KR" altLang="en-US" sz="1200" b="1" dirty="0" smtClean="0">
@@ -5440,7 +6491,7 @@
                   <a:srgbClr val="0070C0"/>
                 </a:solidFill>
               </a:rPr>
-              <a:t>플러그 인으로 변경 할 수 있습니다</a:t>
+              <a:t> 변경 할 수 있습니다</a:t>
             </a:r>
             <a:r>
               <a:rPr lang="en-US" altLang="ko-KR" sz="1200" b="1" dirty="0" smtClean="0">
@@ -5450,11 +6501,44 @@
               </a:rPr>
               <a:t>.</a:t>
             </a:r>
-            <a:endParaRPr lang="en-US" altLang="ko-KR" sz="1200" b="1" dirty="0" smtClean="0">
-              <a:solidFill>
-                <a:srgbClr val="0070C0"/>
-              </a:solidFill>
-            </a:endParaRPr>
+          </a:p>
+          <a:p>
+            <a:pPr>
+              <a:buFontTx/>
+              <a:buChar char="-"/>
+            </a:pPr>
+            <a:r>
+              <a:rPr lang="ko-KR" altLang="en-US" sz="1200" b="1" dirty="0" smtClean="0">
+                <a:solidFill>
+                  <a:srgbClr val="0070C0"/>
+                </a:solidFill>
+              </a:rPr>
+              <a:t>메일 전송 내역은 모두 </a:t>
+            </a:r>
+            <a:r>
+              <a:rPr lang="en-US" altLang="ko-KR" sz="1200" b="1" dirty="0" smtClean="0">
+                <a:solidFill>
+                  <a:srgbClr val="0070C0"/>
+                </a:solidFill>
+              </a:rPr>
+              <a:t>DB</a:t>
+            </a:r>
+            <a:r>
+              <a:rPr lang="ko-KR" altLang="en-US" sz="1200" b="1" dirty="0" smtClean="0">
+                <a:solidFill>
+                  <a:srgbClr val="0070C0"/>
+                </a:solidFill>
+              </a:rPr>
+              <a:t>에 저장됩니다</a:t>
+            </a:r>
+            <a:r>
+              <a:rPr lang="en-US" altLang="ko-KR" sz="1200" b="1" dirty="0" smtClean="0">
+                <a:solidFill>
+                  <a:srgbClr val="0070C0"/>
+                </a:solidFill>
+              </a:rPr>
+              <a:t>.</a:t>
+            </a:r>
           </a:p>
           <a:p>
             <a:endParaRPr lang="ko-KR" altLang="en-US" sz="2000" dirty="0"/>
@@ -6089,10 +7173,17 @@
   <p:clrMapOvr>
     <a:masterClrMapping/>
   </p:clrMapOvr>
+  <p:timing>
+    <p:tnLst>
+      <p:par>
+        <p:cTn id="1" dur="indefinite" restart="never" nodeType="tmRoot"/>
+      </p:par>
+    </p:tnLst>
+  </p:timing>
 </p:sld>
 </file>
 
-<file path=ppt/slides/slide13.xml><?xml version="1.0" encoding="utf-8"?>
+<file path=ppt/slides/slide14.xml><?xml version="1.0" encoding="utf-8"?>
 <p:sld xmlns:a="http://schemas.openxmlformats.org/drawingml/2006/main" xmlns:r="http://schemas.openxmlformats.org/officeDocument/2006/relationships" xmlns:p="http://schemas.openxmlformats.org/presentationml/2006/main">
   <p:cSld>
     <p:spTree>
@@ -6132,7 +7223,7 @@
         </p:blipFill>
         <p:spPr bwMode="auto">
           <a:xfrm>
-            <a:off x="3473185" y="3429000"/>
+            <a:off x="3779912" y="3660607"/>
             <a:ext cx="4987247" cy="2385021"/>
           </a:xfrm>
           <a:prstGeom prst="rect">
@@ -6415,6 +7506,74 @@
               </a:rPr>
               <a:t>.</a:t>
             </a:r>
+          </a:p>
+          <a:p>
+            <a:pPr>
+              <a:buFontTx/>
+              <a:buChar char="-"/>
+            </a:pPr>
+            <a:r>
+              <a:rPr lang="ko-KR" altLang="en-US" sz="1200" b="1" dirty="0" smtClean="0">
+                <a:solidFill>
+                  <a:srgbClr val="0070C0"/>
+                </a:solidFill>
+              </a:rPr>
+              <a:t>문</a:t>
+            </a:r>
+            <a:r>
+              <a:rPr lang="ko-KR" altLang="en-US" sz="1200" b="1" dirty="0">
+                <a:solidFill>
+                  <a:srgbClr val="0070C0"/>
+                </a:solidFill>
+              </a:rPr>
+              <a:t>의</a:t>
+            </a:r>
+            <a:r>
+              <a:rPr lang="ko-KR" altLang="en-US" sz="1200" b="1" dirty="0" smtClean="0">
+                <a:solidFill>
+                  <a:srgbClr val="0070C0"/>
+                </a:solidFill>
+              </a:rPr>
+              <a:t> </a:t>
+            </a:r>
+            <a:r>
+              <a:rPr lang="ko-KR" altLang="en-US" sz="1200" b="1" dirty="0">
+                <a:solidFill>
+                  <a:srgbClr val="0070C0"/>
+                </a:solidFill>
+              </a:rPr>
+              <a:t>내역은 모두 </a:t>
+            </a:r>
+            <a:r>
+              <a:rPr lang="en-US" altLang="ko-KR" sz="1200" b="1" dirty="0">
+                <a:solidFill>
+                  <a:srgbClr val="0070C0"/>
+                </a:solidFill>
+              </a:rPr>
+              <a:t>DB</a:t>
+            </a:r>
+            <a:r>
+              <a:rPr lang="ko-KR" altLang="en-US" sz="1200" b="1" dirty="0">
+                <a:solidFill>
+                  <a:srgbClr val="0070C0"/>
+                </a:solidFill>
+              </a:rPr>
+              <a:t>에 저장됩니다</a:t>
+            </a:r>
+            <a:r>
+              <a:rPr lang="en-US" altLang="ko-KR" sz="1200" b="1" dirty="0">
+                <a:solidFill>
+                  <a:srgbClr val="0070C0"/>
+                </a:solidFill>
+              </a:rPr>
+              <a:t>.</a:t>
+            </a:r>
+          </a:p>
+          <a:p>
+            <a:pPr>
+              <a:buFontTx/>
+              <a:buChar char="-"/>
+            </a:pPr>
             <a:endParaRPr lang="en-US" altLang="ko-KR" sz="1200" b="1" dirty="0" smtClean="0">
               <a:solidFill>
                 <a:srgbClr val="0070C0"/>
@@ -6730,7 +7889,7 @@
         </p:nvSpPr>
         <p:spPr>
           <a:xfrm>
-            <a:off x="3513212" y="3348235"/>
+            <a:off x="3819939" y="3579842"/>
             <a:ext cx="4947220" cy="2585462"/>
           </a:xfrm>
           <a:prstGeom prst="roundRect">
@@ -6824,10 +7983,17 @@
   <p:clrMapOvr>
     <a:masterClrMapping/>
   </p:clrMapOvr>
+  <p:timing>
+    <p:tnLst>
+      <p:par>
+        <p:cTn id="1" dur="indefinite" restart="never" nodeType="tmRoot"/>
+      </p:par>
+    </p:tnLst>
+  </p:timing>
 </p:sld>
 </file>
 
-<file path=ppt/slides/slide14.xml><?xml version="1.0" encoding="utf-8"?>
+<file path=ppt/slides/slide15.xml><?xml version="1.0" encoding="utf-8"?>
 <p:sld xmlns:a="http://schemas.openxmlformats.org/drawingml/2006/main" xmlns:r="http://schemas.openxmlformats.org/officeDocument/2006/relationships" xmlns:p="http://schemas.openxmlformats.org/presentationml/2006/main">
   <p:cSld>
     <p:spTree>
@@ -6877,143 +8043,6 @@
       </p:sp>
       <p:sp>
         <p:nvSpPr>
-          <p:cNvPr id="4" name="내용 개체 틀 3"/>
-          <p:cNvSpPr>
-            <a:spLocks noGrp="1"/>
-          </p:cNvSpPr>
-          <p:nvPr>
-            <p:ph sz="half" idx="2"/>
-          </p:nvPr>
-        </p:nvSpPr>
-        <p:spPr>
-          <a:xfrm>
-            <a:off x="4648200" y="1600200"/>
-            <a:ext cx="4038600" cy="1540767"/>
-          </a:xfrm>
-        </p:spPr>
-        <p:txBody>
-          <a:bodyPr>
-            <a:normAutofit/>
-          </a:bodyPr>
-          <a:lstStyle/>
-          <a:p>
-            <a:pPr marL="0" indent="0">
-              <a:buNone/>
-            </a:pPr>
-            <a:r>
-              <a:rPr lang="en-US" altLang="ko-KR" sz="1200" b="1" dirty="0" smtClean="0">
-                <a:solidFill>
-                  <a:srgbClr val="0070C0"/>
-                </a:solidFill>
-              </a:rPr>
-              <a:t>※ QA</a:t>
-            </a:r>
-          </a:p>
-          <a:p>
-            <a:pPr>
-              <a:buFontTx/>
-              <a:buChar char="-"/>
-            </a:pPr>
-            <a:r>
-              <a:rPr lang="ko-KR" altLang="en-US" sz="1200" b="1" dirty="0" err="1" smtClean="0">
-                <a:solidFill>
-                  <a:srgbClr val="0070C0"/>
-                </a:solidFill>
-              </a:rPr>
-              <a:t>소셜댓글은</a:t>
-            </a:r>
-            <a:r>
-              <a:rPr lang="ko-KR" altLang="en-US" sz="1200" b="1" dirty="0" smtClean="0">
-                <a:solidFill>
-                  <a:srgbClr val="0070C0"/>
-                </a:solidFill>
-              </a:rPr>
-              <a:t> </a:t>
-            </a:r>
-            <a:r>
-              <a:rPr lang="ko-KR" altLang="en-US" sz="1200" b="1" dirty="0" err="1" smtClean="0">
-                <a:solidFill>
-                  <a:srgbClr val="0070C0"/>
-                </a:solidFill>
-              </a:rPr>
-              <a:t>호스팅</a:t>
-            </a:r>
-            <a:r>
-              <a:rPr lang="en-US" altLang="ko-KR" sz="1200" b="1" dirty="0" smtClean="0">
-                <a:solidFill>
-                  <a:srgbClr val="0070C0"/>
-                </a:solidFill>
-              </a:rPr>
-              <a:t>DB</a:t>
-            </a:r>
-            <a:r>
-              <a:rPr lang="ko-KR" altLang="en-US" sz="1200" b="1" dirty="0" smtClean="0">
-                <a:solidFill>
-                  <a:srgbClr val="0070C0"/>
-                </a:solidFill>
-              </a:rPr>
-              <a:t>에 연동되어있어 따로 내부</a:t>
-            </a:r>
-            <a:r>
-              <a:rPr lang="en-US" altLang="ko-KR" sz="1200" b="1" dirty="0" smtClean="0">
-                <a:solidFill>
-                  <a:srgbClr val="0070C0"/>
-                </a:solidFill>
-              </a:rPr>
-              <a:t>DB</a:t>
-            </a:r>
-            <a:r>
-              <a:rPr lang="ko-KR" altLang="en-US" sz="1200" b="1" dirty="0" smtClean="0">
-                <a:solidFill>
-                  <a:srgbClr val="0070C0"/>
-                </a:solidFill>
-              </a:rPr>
-              <a:t>를 관리하지 않습니다</a:t>
-            </a:r>
-            <a:r>
-              <a:rPr lang="en-US" altLang="ko-KR" sz="1200" b="1" dirty="0" smtClean="0">
-                <a:solidFill>
-                  <a:srgbClr val="0070C0"/>
-                </a:solidFill>
-              </a:rPr>
-              <a:t>.</a:t>
-            </a:r>
-          </a:p>
-          <a:p>
-            <a:pPr>
-              <a:buFontTx/>
-              <a:buChar char="-"/>
-            </a:pPr>
-            <a:r>
-              <a:rPr lang="ko-KR" altLang="en-US" sz="1200" b="1" dirty="0" err="1" smtClean="0">
-                <a:solidFill>
-                  <a:srgbClr val="0070C0"/>
-                </a:solidFill>
-              </a:rPr>
-              <a:t>댓글</a:t>
-            </a:r>
-            <a:r>
-              <a:rPr lang="ko-KR" altLang="en-US" sz="1200" b="1" dirty="0" smtClean="0">
-                <a:solidFill>
-                  <a:srgbClr val="0070C0"/>
-                </a:solidFill>
-              </a:rPr>
-              <a:t> 리스트 메뉴를 통해 검색이나 리스트관리가 가능합니다</a:t>
-            </a:r>
-            <a:r>
-              <a:rPr lang="en-US" altLang="ko-KR" sz="1200" b="1" dirty="0" smtClean="0">
-                <a:solidFill>
-                  <a:srgbClr val="0070C0"/>
-                </a:solidFill>
-              </a:rPr>
-              <a:t>.</a:t>
-            </a:r>
-            <a:endParaRPr lang="ko-KR" altLang="en-US" sz="2000" dirty="0"/>
-          </a:p>
-        </p:txBody>
-      </p:sp>
-      <p:sp>
-        <p:nvSpPr>
           <p:cNvPr id="12" name="내용 개체 틀 2"/>
           <p:cNvSpPr txBox="1">
             <a:spLocks/>
@@ -7176,28 +8205,18 @@
               <a:buAutoNum type="arabicPeriod"/>
             </a:pPr>
             <a:r>
+              <a:rPr lang="ko-KR" altLang="en-US" sz="1600" dirty="0" smtClean="0"/>
+              <a:t>왼쪽 </a:t>
+            </a:r>
+            <a:r>
               <a:rPr lang="ko-KR" altLang="en-US" sz="1600" dirty="0" err="1" smtClean="0"/>
-              <a:t>소셜댓글</a:t>
+              <a:t>메뉴바</a:t>
             </a:r>
             <a:r>
               <a:rPr lang="ko-KR" altLang="en-US" sz="1600" dirty="0" smtClean="0"/>
-              <a:t> 사이트 이동</a:t>
+              <a:t> 이동</a:t>
             </a:r>
             <a:endParaRPr lang="en-US" altLang="ko-KR" sz="1600" dirty="0" smtClean="0"/>
-          </a:p>
-          <a:p>
-            <a:pPr marL="914400" lvl="1" indent="-514350">
-              <a:buBlip>
-                <a:blip r:embed="rId2"/>
-              </a:buBlip>
-            </a:pPr>
-            <a:r>
-              <a:rPr lang="en-US" altLang="ko-KR" sz="1400" dirty="0" smtClean="0">
-                <a:hlinkClick r:id="rId3"/>
-              </a:rPr>
-              <a:t>http://www.cosmosfarm.com/plugin/comments/list/1639#</a:t>
-            </a:r>
-            <a:endParaRPr lang="en-US" altLang="ko-KR" sz="1400" dirty="0" smtClean="0"/>
           </a:p>
           <a:p>
             <a:pPr lvl="1">
@@ -7206,50 +8225,47 @@
               </a:buBlip>
             </a:pPr>
             <a:r>
-              <a:rPr lang="ko-KR" altLang="en-US" sz="1400" dirty="0" err="1" smtClean="0"/>
-              <a:t>구글로그인</a:t>
-            </a:r>
-            <a:endParaRPr lang="en-US" altLang="ko-KR" sz="1400" dirty="0" smtClean="0"/>
-          </a:p>
-          <a:p>
-            <a:pPr lvl="2">
-              <a:buBlip>
-                <a:blip r:embed="rId2"/>
-              </a:buBlip>
-            </a:pPr>
-            <a:r>
-              <a:rPr lang="ko-KR" altLang="en-US" sz="1200" dirty="0" smtClean="0"/>
-              <a:t> 아이디     </a:t>
-            </a:r>
-            <a:r>
-              <a:rPr lang="en-US" altLang="ko-KR" sz="1200" dirty="0" smtClean="0"/>
-              <a:t>: </a:t>
-            </a:r>
-            <a:r>
-              <a:rPr lang="en-US" altLang="ko-KR" sz="1200" dirty="0" smtClean="0">
-                <a:hlinkClick r:id="rId4"/>
-              </a:rPr>
-              <a:t>selvi0213git@gmail.com</a:t>
-            </a:r>
-            <a:endParaRPr lang="en-US" altLang="ko-KR" sz="1200" dirty="0" smtClean="0"/>
-          </a:p>
-          <a:p>
-            <a:pPr lvl="2">
-              <a:buBlip>
-                <a:blip r:embed="rId2"/>
-              </a:buBlip>
-            </a:pPr>
-            <a:r>
-              <a:rPr lang="en-US" altLang="ko-KR" sz="1200" dirty="0" smtClean="0"/>
+              <a:rPr lang="en-US" altLang="ko-KR" sz="1400" dirty="0" err="1" smtClean="0"/>
+              <a:t>Kboard</a:t>
+            </a:r>
+            <a:r>
+              <a:rPr lang="en-US" altLang="ko-KR" sz="1400" dirty="0" smtClean="0"/>
               <a:t> </a:t>
             </a:r>
             <a:r>
-              <a:rPr lang="ko-KR" altLang="en-US" sz="1200" dirty="0" smtClean="0"/>
-              <a:t>비밀번호  </a:t>
-            </a:r>
-            <a:r>
-              <a:rPr lang="en-US" altLang="ko-KR" sz="1200" dirty="0" smtClean="0"/>
-              <a:t>: selvi0213</a:t>
+              <a:rPr lang="en-US" altLang="ko-KR" sz="1400" dirty="0"/>
+              <a:t>&gt; </a:t>
+            </a:r>
+            <a:r>
+              <a:rPr lang="ko-KR" altLang="en-US" sz="1400" dirty="0"/>
+              <a:t>전체 </a:t>
+            </a:r>
+            <a:r>
+              <a:rPr lang="ko-KR" altLang="en-US" sz="1400" dirty="0" err="1"/>
+              <a:t>게시글</a:t>
+            </a:r>
+            <a:r>
+              <a:rPr lang="en-US" altLang="ko-KR" sz="1400" dirty="0"/>
+              <a:t/>
+            </a:r>
+            <a:br>
+              <a:rPr lang="en-US" altLang="ko-KR" sz="1400" dirty="0"/>
+            </a:br>
+            <a:r>
+              <a:rPr lang="ko-KR" altLang="en-US" sz="1400" dirty="0"/>
+              <a:t>에서 </a:t>
+            </a:r>
+            <a:r>
+              <a:rPr lang="ko-KR" altLang="en-US" sz="1400" dirty="0" err="1"/>
+              <a:t>게시글</a:t>
+            </a:r>
+            <a:r>
+              <a:rPr lang="ko-KR" altLang="en-US" sz="1400" dirty="0"/>
+              <a:t> 관리 가능합니다</a:t>
+            </a:r>
+            <a:r>
+              <a:rPr lang="en-US" altLang="ko-KR" sz="1400" dirty="0"/>
+              <a:t>.</a:t>
             </a:r>
           </a:p>
           <a:p>
@@ -7259,38 +8275,49 @@
               </a:buBlip>
             </a:pPr>
             <a:r>
-              <a:rPr lang="ko-KR" altLang="en-US" sz="1400" dirty="0" smtClean="0"/>
-              <a:t>왼쪽 </a:t>
-            </a:r>
-            <a:r>
-              <a:rPr lang="ko-KR" altLang="en-US" sz="1400" dirty="0" err="1" smtClean="0"/>
-              <a:t>메뉴바</a:t>
-            </a:r>
-            <a:r>
-              <a:rPr lang="ko-KR" altLang="en-US" sz="1400" dirty="0" smtClean="0"/>
+              <a:rPr lang="ko-KR" altLang="en-US" sz="1400" dirty="0" err="1"/>
+              <a:t>댓글이</a:t>
+            </a:r>
+            <a:r>
+              <a:rPr lang="ko-KR" altLang="en-US" sz="1400" dirty="0"/>
               <a:t> </a:t>
             </a:r>
             <a:r>
-              <a:rPr lang="en-US" altLang="ko-KR" sz="1400" dirty="0" smtClean="0"/>
-              <a:t>&gt; </a:t>
-            </a:r>
-            <a:r>
-              <a:rPr lang="ko-KR" altLang="en-US" sz="1400" dirty="0" err="1" smtClean="0"/>
-              <a:t>댓글</a:t>
-            </a:r>
-            <a:r>
-              <a:rPr lang="ko-KR" altLang="en-US" sz="1400" dirty="0" smtClean="0"/>
-              <a:t> 리스트 </a:t>
-            </a:r>
-            <a:r>
-              <a:rPr lang="en-US" altLang="ko-KR" sz="1400" dirty="0" smtClean="0"/>
-              <a:t>&gt; </a:t>
-            </a:r>
-            <a:r>
-              <a:rPr lang="ko-KR" altLang="en-US" sz="1400" dirty="0" smtClean="0"/>
-              <a:t>확인</a:t>
-            </a:r>
-            <a:endParaRPr lang="en-US" altLang="ko-KR" sz="1400" dirty="0" smtClean="0"/>
+              <a:rPr lang="ko-KR" altLang="en-US" sz="1400" dirty="0" err="1"/>
+              <a:t>달린경우</a:t>
+            </a:r>
+            <a:r>
+              <a:rPr lang="ko-KR" altLang="en-US" sz="1400" dirty="0"/>
+              <a:t> </a:t>
+            </a:r>
+            <a:r>
+              <a:rPr lang="ko-KR" altLang="en-US" sz="1400" dirty="0" err="1"/>
+              <a:t>게시글</a:t>
+            </a:r>
+            <a:r>
+              <a:rPr lang="ko-KR" altLang="en-US" sz="1400" dirty="0"/>
+              <a:t> </a:t>
+            </a:r>
+            <a:r>
+              <a:rPr lang="ko-KR" altLang="en-US" sz="1400" dirty="0" err="1"/>
+              <a:t>설정시</a:t>
+            </a:r>
+            <a:r>
+              <a:rPr lang="ko-KR" altLang="en-US" sz="1400" dirty="0"/>
+              <a:t> 설정했던 </a:t>
+            </a:r>
+            <a:r>
+              <a:rPr lang="ko-KR" altLang="en-US" sz="1400" dirty="0" err="1"/>
+              <a:t>이메일로</a:t>
+            </a:r>
+            <a:r>
+              <a:rPr lang="ko-KR" altLang="en-US" sz="1400" dirty="0"/>
+              <a:t> 내용 발송됩니다</a:t>
+            </a:r>
+            <a:r>
+              <a:rPr lang="en-US" altLang="ko-KR" sz="1400" dirty="0"/>
+              <a:t>.</a:t>
+            </a:r>
           </a:p>
           <a:p>
             <a:pPr marL="457200" lvl="1" indent="0">
@@ -7309,14 +8336,14 @@
       </p:sp>
       <p:pic>
         <p:nvPicPr>
-          <p:cNvPr id="13314" name="Picture 2"/>
+          <p:cNvPr id="17" name="Picture 2"/>
           <p:cNvPicPr>
             <a:picLocks noChangeAspect="1" noChangeArrowheads="1"/>
           </p:cNvPicPr>
           <p:nvPr/>
         </p:nvPicPr>
         <p:blipFill>
-          <a:blip r:embed="rId5">
+          <a:blip r:embed="rId3">
             <a:extLst>
               <a:ext uri="{28A0092B-C50C-407E-A947-70E740481C1C}">
                 <a14:useLocalDpi xmlns:a14="http://schemas.microsoft.com/office/drawing/2010/main" val="0"/>
@@ -7330,8 +8357,8 @@
         </p:blipFill>
         <p:spPr bwMode="auto">
           <a:xfrm>
-            <a:off x="1327908" y="3675962"/>
-            <a:ext cx="1785255" cy="2605311"/>
+            <a:off x="1115616" y="3149161"/>
+            <a:ext cx="1543050" cy="2505075"/>
           </a:xfrm>
           <a:prstGeom prst="rect">
             <a:avLst/>
@@ -7361,70 +8388,16 @@
           </a:extLst>
         </p:spPr>
       </p:pic>
-      <p:pic>
-        <p:nvPicPr>
-          <p:cNvPr id="13315" name="Picture 3"/>
-          <p:cNvPicPr>
-            <a:picLocks noChangeAspect="1" noChangeArrowheads="1"/>
-          </p:cNvPicPr>
-          <p:nvPr/>
-        </p:nvPicPr>
-        <p:blipFill>
-          <a:blip r:embed="rId6">
-            <a:extLst>
-              <a:ext uri="{28A0092B-C50C-407E-A947-70E740481C1C}">
-                <a14:useLocalDpi xmlns:a14="http://schemas.microsoft.com/office/drawing/2010/main" val="0"/>
-              </a:ext>
-            </a:extLst>
-          </a:blip>
-          <a:srcRect/>
-          <a:stretch>
-            <a:fillRect/>
-          </a:stretch>
-        </p:blipFill>
-        <p:spPr bwMode="auto">
-          <a:xfrm>
-            <a:off x="4860032" y="3675962"/>
-            <a:ext cx="3787328" cy="2777374"/>
-          </a:xfrm>
-          <a:prstGeom prst="rect">
-            <a:avLst/>
-          </a:prstGeom>
-          <a:noFill/>
-          <a:ln>
-            <a:noFill/>
-          </a:ln>
-          <a:extLst>
-            <a:ext uri="{909E8E84-426E-40DD-AFC4-6F175D3DCCD1}">
-              <a14:hiddenFill xmlns:a14="http://schemas.microsoft.com/office/drawing/2010/main">
-                <a:solidFill>
-                  <a:schemeClr val="accent1"/>
-                </a:solidFill>
-              </a14:hiddenFill>
-            </a:ext>
-            <a:ext uri="{91240B29-F687-4F45-9708-019B960494DF}">
-              <a14:hiddenLine xmlns:a14="http://schemas.microsoft.com/office/drawing/2010/main" w="9525">
-                <a:solidFill>
-                  <a:schemeClr val="tx1"/>
-                </a:solidFill>
-                <a:miter lim="800000"/>
-                <a:headEnd/>
-                <a:tailEnd/>
-              </a14:hiddenLine>
-            </a:ext>
-          </a:extLst>
-        </p:spPr>
-      </p:pic>
-      <p:sp>
-        <p:nvSpPr>
-          <p:cNvPr id="14" name="모서리가 둥근 직사각형 13"/>
+      <p:sp>
+        <p:nvSpPr>
+          <p:cNvPr id="18" name="모서리가 둥근 직사각형 17"/>
           <p:cNvSpPr/>
           <p:nvPr/>
         </p:nvSpPr>
         <p:spPr>
           <a:xfrm>
-            <a:off x="1279440" y="4353915"/>
-            <a:ext cx="1868716" cy="294944"/>
+            <a:off x="1115616" y="5093377"/>
+            <a:ext cx="1543050" cy="247917"/>
           </a:xfrm>
           <a:prstGeom prst="roundRect">
             <a:avLst/>
@@ -7461,16 +8434,116 @@
           </a:p>
         </p:txBody>
       </p:sp>
-      <p:sp>
-        <p:nvSpPr>
-          <p:cNvPr id="15" name="모서리가 둥근 직사각형 14"/>
+      <p:pic>
+        <p:nvPicPr>
+          <p:cNvPr id="19" name="Picture 3"/>
+          <p:cNvPicPr>
+            <a:picLocks noChangeAspect="1" noChangeArrowheads="1"/>
+          </p:cNvPicPr>
+          <p:nvPr/>
+        </p:nvPicPr>
+        <p:blipFill>
+          <a:blip r:embed="rId4">
+            <a:extLst>
+              <a:ext uri="{28A0092B-C50C-407E-A947-70E740481C1C}">
+                <a14:useLocalDpi xmlns:a14="http://schemas.microsoft.com/office/drawing/2010/main" val="0"/>
+              </a:ext>
+            </a:extLst>
+          </a:blip>
+          <a:srcRect/>
+          <a:stretch>
+            <a:fillRect/>
+          </a:stretch>
+        </p:blipFill>
+        <p:spPr bwMode="auto">
+          <a:xfrm>
+            <a:off x="4355976" y="3149161"/>
+            <a:ext cx="4042812" cy="2995001"/>
+          </a:xfrm>
+          <a:prstGeom prst="rect">
+            <a:avLst/>
+          </a:prstGeom>
+          <a:noFill/>
+          <a:ln>
+            <a:noFill/>
+          </a:ln>
+          <a:extLst>
+            <a:ext uri="{909E8E84-426E-40DD-AFC4-6F175D3DCCD1}">
+              <a14:hiddenFill xmlns:a14="http://schemas.microsoft.com/office/drawing/2010/main">
+                <a:solidFill>
+                  <a:schemeClr val="accent1"/>
+                </a:solidFill>
+              </a14:hiddenFill>
+            </a:ext>
+            <a:ext uri="{91240B29-F687-4F45-9708-019B960494DF}">
+              <a14:hiddenLine xmlns:a14="http://schemas.microsoft.com/office/drawing/2010/main" w="9525">
+                <a:solidFill>
+                  <a:schemeClr val="tx1"/>
+                </a:solidFill>
+                <a:miter lim="800000"/>
+                <a:headEnd/>
+                <a:tailEnd/>
+              </a14:hiddenLine>
+            </a:ext>
+          </a:extLst>
+        </p:spPr>
+      </p:pic>
+      <p:sp>
+        <p:nvSpPr>
+          <p:cNvPr id="21" name="오른쪽 화살표 20"/>
           <p:cNvSpPr/>
           <p:nvPr/>
         </p:nvSpPr>
         <p:spPr>
           <a:xfrm>
-            <a:off x="4860032" y="3503971"/>
-            <a:ext cx="3787328" cy="2949365"/>
+            <a:off x="2658666" y="4958535"/>
+            <a:ext cx="1368153" cy="517599"/>
+          </a:xfrm>
+          <a:prstGeom prst="rightArrow">
+            <a:avLst/>
+          </a:prstGeom>
+          <a:solidFill>
+            <a:srgbClr val="0070C0"/>
+          </a:solidFill>
+          <a:ln>
+            <a:noFill/>
+          </a:ln>
+        </p:spPr>
+        <p:style>
+          <a:lnRef idx="2">
+            <a:schemeClr val="accent1">
+              <a:shade val="50000"/>
+            </a:schemeClr>
+          </a:lnRef>
+          <a:fillRef idx="1">
+            <a:schemeClr val="accent1"/>
+          </a:fillRef>
+          <a:effectRef idx="0">
+            <a:schemeClr val="accent1"/>
+          </a:effectRef>
+          <a:fontRef idx="minor">
+            <a:schemeClr val="lt1"/>
+          </a:fontRef>
+        </p:style>
+        <p:txBody>
+          <a:bodyPr rtlCol="0" anchor="ctr"/>
+          <a:lstStyle/>
+          <a:p>
+            <a:pPr algn="ctr"/>
+            <a:endParaRPr lang="ko-KR" altLang="en-US"/>
+          </a:p>
+        </p:txBody>
+      </p:sp>
+      <p:sp>
+        <p:nvSpPr>
+          <p:cNvPr id="23" name="모서리가 둥근 직사각형 22"/>
+          <p:cNvSpPr/>
+          <p:nvPr/>
+        </p:nvSpPr>
+        <p:spPr>
+          <a:xfrm>
+            <a:off x="4355976" y="3169996"/>
+            <a:ext cx="4042812" cy="2974166"/>
           </a:xfrm>
           <a:prstGeom prst="roundRect">
             <a:avLst/>
@@ -7509,14 +8582,1018 @@
       </p:sp>
       <p:sp>
         <p:nvSpPr>
-          <p:cNvPr id="20" name="오른쪽 화살표 19"/>
+          <p:cNvPr id="24" name="내용 개체 틀 3"/>
+          <p:cNvSpPr>
+            <a:spLocks noGrp="1"/>
+          </p:cNvSpPr>
+          <p:nvPr>
+            <p:ph sz="half" idx="2"/>
+          </p:nvPr>
+        </p:nvSpPr>
+        <p:spPr>
+          <a:xfrm>
+            <a:off x="4648200" y="1600200"/>
+            <a:ext cx="4038600" cy="1540767"/>
+          </a:xfrm>
+        </p:spPr>
+        <p:txBody>
+          <a:bodyPr>
+            <a:normAutofit/>
+          </a:bodyPr>
+          <a:lstStyle/>
+          <a:p>
+            <a:pPr marL="0" indent="0">
+              <a:buNone/>
+            </a:pPr>
+            <a:r>
+              <a:rPr lang="en-US" altLang="ko-KR" sz="1200" b="1" dirty="0" smtClean="0">
+                <a:solidFill>
+                  <a:srgbClr val="0070C0"/>
+                </a:solidFill>
+              </a:rPr>
+              <a:t>※ QA</a:t>
+            </a:r>
+          </a:p>
+          <a:p>
+            <a:pPr>
+              <a:buFontTx/>
+              <a:buChar char="-"/>
+            </a:pPr>
+            <a:r>
+              <a:rPr lang="ko-KR" altLang="en-US" sz="1200" b="1" dirty="0" smtClean="0">
+                <a:solidFill>
+                  <a:srgbClr val="0070C0"/>
+                </a:solidFill>
+              </a:rPr>
+              <a:t>글 </a:t>
+            </a:r>
+            <a:r>
+              <a:rPr lang="ko-KR" altLang="en-US" sz="1200" b="1" dirty="0" err="1" smtClean="0">
+                <a:solidFill>
+                  <a:srgbClr val="0070C0"/>
+                </a:solidFill>
+              </a:rPr>
+              <a:t>클릭시</a:t>
+            </a:r>
+            <a:r>
+              <a:rPr lang="ko-KR" altLang="en-US" sz="1200" b="1" dirty="0" smtClean="0">
+                <a:solidFill>
+                  <a:srgbClr val="0070C0"/>
+                </a:solidFill>
+              </a:rPr>
+              <a:t> 게시판 입력된 </a:t>
+            </a:r>
+            <a:r>
+              <a:rPr lang="ko-KR" altLang="en-US" sz="1200" b="1" dirty="0" err="1" smtClean="0">
+                <a:solidFill>
+                  <a:srgbClr val="0070C0"/>
+                </a:solidFill>
+              </a:rPr>
+              <a:t>댓글의</a:t>
+            </a:r>
+            <a:r>
+              <a:rPr lang="ko-KR" altLang="en-US" sz="1200" b="1" dirty="0" smtClean="0">
+                <a:solidFill>
+                  <a:srgbClr val="0070C0"/>
+                </a:solidFill>
+              </a:rPr>
+              <a:t> 상세페이지로 이동합니다</a:t>
+            </a:r>
+            <a:r>
+              <a:rPr lang="en-US" altLang="ko-KR" sz="1200" b="1" dirty="0" smtClean="0">
+                <a:solidFill>
+                  <a:srgbClr val="0070C0"/>
+                </a:solidFill>
+              </a:rPr>
+              <a:t>.</a:t>
+            </a:r>
+          </a:p>
+          <a:p>
+            <a:pPr>
+              <a:buFontTx/>
+              <a:buChar char="-"/>
+            </a:pPr>
+            <a:r>
+              <a:rPr lang="ko-KR" altLang="en-US" sz="1200" b="1" dirty="0" smtClean="0">
+                <a:solidFill>
+                  <a:srgbClr val="0070C0"/>
+                </a:solidFill>
+              </a:rPr>
+              <a:t>이곳에서 일괄삭제 업데이트 등이 가능합니다</a:t>
+            </a:r>
+            <a:r>
+              <a:rPr lang="en-US" altLang="ko-KR" sz="1200" b="1" dirty="0" smtClean="0">
+                <a:solidFill>
+                  <a:srgbClr val="0070C0"/>
+                </a:solidFill>
+              </a:rPr>
+              <a:t>.</a:t>
+            </a:r>
+          </a:p>
+          <a:p>
+            <a:endParaRPr lang="ko-KR" altLang="en-US" sz="2000" dirty="0"/>
+          </a:p>
+        </p:txBody>
+      </p:sp>
+    </p:spTree>
+    <p:extLst>
+      <p:ext uri="{BB962C8B-B14F-4D97-AF65-F5344CB8AC3E}">
+        <p14:creationId xmlns:p14="http://schemas.microsoft.com/office/powerpoint/2010/main" val="3717918927"/>
+      </p:ext>
+    </p:extLst>
+  </p:cSld>
+  <p:clrMapOvr>
+    <a:masterClrMapping/>
+  </p:clrMapOvr>
+  <p:timing>
+    <p:tnLst>
+      <p:par>
+        <p:cTn id="1" dur="indefinite" restart="never" nodeType="tmRoot"/>
+      </p:par>
+    </p:tnLst>
+  </p:timing>
+</p:sld>
+</file>
+
+<file path=ppt/slides/slide16.xml><?xml version="1.0" encoding="utf-8"?>
+<p:sld xmlns:a="http://schemas.openxmlformats.org/drawingml/2006/main" xmlns:r="http://schemas.openxmlformats.org/officeDocument/2006/relationships" xmlns:p="http://schemas.openxmlformats.org/presentationml/2006/main">
+  <p:cSld>
+    <p:spTree>
+      <p:nvGrpSpPr>
+        <p:cNvPr id="1" name=""/>
+        <p:cNvGrpSpPr/>
+        <p:nvPr/>
+      </p:nvGrpSpPr>
+      <p:grpSpPr>
+        <a:xfrm>
+          <a:off x="0" y="0"/>
+          <a:ext cx="0" cy="0"/>
+          <a:chOff x="0" y="0"/>
+          <a:chExt cx="0" cy="0"/>
+        </a:xfrm>
+      </p:grpSpPr>
+      <p:sp>
+        <p:nvSpPr>
+          <p:cNvPr id="2" name="제목 1"/>
+          <p:cNvSpPr>
+            <a:spLocks noGrp="1"/>
+          </p:cNvSpPr>
+          <p:nvPr>
+            <p:ph type="title"/>
+          </p:nvPr>
+        </p:nvSpPr>
+        <p:spPr/>
+        <p:txBody>
+          <a:bodyPr/>
+          <a:lstStyle/>
+          <a:p>
+            <a:r>
+              <a:rPr lang="en-US" altLang="ko-KR" b="1" dirty="0" smtClean="0"/>
+              <a:t>2-5. </a:t>
+            </a:r>
+            <a:r>
+              <a:rPr lang="ko-KR" altLang="en-US" b="1" dirty="0" smtClean="0"/>
+              <a:t>사이트 통계분석 관리</a:t>
+            </a:r>
+            <a:endParaRPr lang="ko-KR" altLang="en-US" b="1" dirty="0"/>
+          </a:p>
+        </p:txBody>
+      </p:sp>
+      <p:sp>
+        <p:nvSpPr>
+          <p:cNvPr id="12" name="내용 개체 틀 2"/>
+          <p:cNvSpPr txBox="1">
+            <a:spLocks/>
+          </p:cNvSpPr>
+          <p:nvPr/>
+        </p:nvSpPr>
+        <p:spPr>
+          <a:xfrm>
+            <a:off x="467544" y="1639341"/>
+            <a:ext cx="4104456" cy="4525963"/>
+          </a:xfrm>
+          <a:prstGeom prst="rect">
+            <a:avLst/>
+          </a:prstGeom>
+        </p:spPr>
+        <p:txBody>
+          <a:bodyPr vert="horz" lIns="91440" tIns="45720" rIns="91440" bIns="45720" rtlCol="0">
+            <a:normAutofit/>
+          </a:bodyPr>
+          <a:lstStyle>
+            <a:lvl1pPr marL="342900" indent="-342900" algn="l" defTabSz="914400" rtl="0" eaLnBrk="1" latinLnBrk="1" hangingPunct="1">
+              <a:spcBef>
+                <a:spcPct val="20000"/>
+              </a:spcBef>
+              <a:buFont typeface="Arial" panose="020B0604020202020204" pitchFamily="34" charset="0"/>
+              <a:buChar char="•"/>
+              <a:defRPr sz="2800" kern="1200">
+                <a:solidFill>
+                  <a:schemeClr val="tx1"/>
+                </a:solidFill>
+                <a:latin typeface="+mn-lt"/>
+                <a:ea typeface="+mn-ea"/>
+                <a:cs typeface="+mn-cs"/>
+              </a:defRPr>
+            </a:lvl1pPr>
+            <a:lvl2pPr marL="742950" indent="-285750" algn="l" defTabSz="914400" rtl="0" eaLnBrk="1" latinLnBrk="1" hangingPunct="1">
+              <a:spcBef>
+                <a:spcPct val="20000"/>
+              </a:spcBef>
+              <a:buFont typeface="Arial" panose="020B0604020202020204" pitchFamily="34" charset="0"/>
+              <a:buChar char="–"/>
+              <a:defRPr sz="2400" kern="1200">
+                <a:solidFill>
+                  <a:schemeClr val="tx1"/>
+                </a:solidFill>
+                <a:latin typeface="+mn-lt"/>
+                <a:ea typeface="+mn-ea"/>
+                <a:cs typeface="+mn-cs"/>
+              </a:defRPr>
+            </a:lvl2pPr>
+            <a:lvl3pPr marL="1143000" indent="-228600" algn="l" defTabSz="914400" rtl="0" eaLnBrk="1" latinLnBrk="1" hangingPunct="1">
+              <a:spcBef>
+                <a:spcPct val="20000"/>
+              </a:spcBef>
+              <a:buFont typeface="Arial" panose="020B0604020202020204" pitchFamily="34" charset="0"/>
+              <a:buChar char="•"/>
+              <a:defRPr sz="2000" kern="1200">
+                <a:solidFill>
+                  <a:schemeClr val="tx1"/>
+                </a:solidFill>
+                <a:latin typeface="+mn-lt"/>
+                <a:ea typeface="+mn-ea"/>
+                <a:cs typeface="+mn-cs"/>
+              </a:defRPr>
+            </a:lvl3pPr>
+            <a:lvl4pPr marL="1600200" indent="-228600" algn="l" defTabSz="914400" rtl="0" eaLnBrk="1" latinLnBrk="1" hangingPunct="1">
+              <a:spcBef>
+                <a:spcPct val="20000"/>
+              </a:spcBef>
+              <a:buFont typeface="Arial" panose="020B0604020202020204" pitchFamily="34" charset="0"/>
+              <a:buChar char="–"/>
+              <a:defRPr sz="1800" kern="1200">
+                <a:solidFill>
+                  <a:schemeClr val="tx1"/>
+                </a:solidFill>
+                <a:latin typeface="+mn-lt"/>
+                <a:ea typeface="+mn-ea"/>
+                <a:cs typeface="+mn-cs"/>
+              </a:defRPr>
+            </a:lvl4pPr>
+            <a:lvl5pPr marL="2057400" indent="-228600" algn="l" defTabSz="914400" rtl="0" eaLnBrk="1" latinLnBrk="1" hangingPunct="1">
+              <a:spcBef>
+                <a:spcPct val="20000"/>
+              </a:spcBef>
+              <a:buFont typeface="Arial" panose="020B0604020202020204" pitchFamily="34" charset="0"/>
+              <a:buChar char="»"/>
+              <a:defRPr sz="1800" kern="1200">
+                <a:solidFill>
+                  <a:schemeClr val="tx1"/>
+                </a:solidFill>
+                <a:latin typeface="+mn-lt"/>
+                <a:ea typeface="+mn-ea"/>
+                <a:cs typeface="+mn-cs"/>
+              </a:defRPr>
+            </a:lvl5pPr>
+            <a:lvl6pPr marL="2514600" indent="-228600" algn="l" defTabSz="914400" rtl="0" eaLnBrk="1" latinLnBrk="1" hangingPunct="1">
+              <a:spcBef>
+                <a:spcPct val="20000"/>
+              </a:spcBef>
+              <a:buFont typeface="Arial" panose="020B0604020202020204" pitchFamily="34" charset="0"/>
+              <a:buChar char="•"/>
+              <a:defRPr sz="1800" kern="1200">
+                <a:solidFill>
+                  <a:schemeClr val="tx1"/>
+                </a:solidFill>
+                <a:latin typeface="+mn-lt"/>
+                <a:ea typeface="+mn-ea"/>
+                <a:cs typeface="+mn-cs"/>
+              </a:defRPr>
+            </a:lvl6pPr>
+            <a:lvl7pPr marL="2971800" indent="-228600" algn="l" defTabSz="914400" rtl="0" eaLnBrk="1" latinLnBrk="1" hangingPunct="1">
+              <a:spcBef>
+                <a:spcPct val="20000"/>
+              </a:spcBef>
+              <a:buFont typeface="Arial" panose="020B0604020202020204" pitchFamily="34" charset="0"/>
+              <a:buChar char="•"/>
+              <a:defRPr sz="1800" kern="1200">
+                <a:solidFill>
+                  <a:schemeClr val="tx1"/>
+                </a:solidFill>
+                <a:latin typeface="+mn-lt"/>
+                <a:ea typeface="+mn-ea"/>
+                <a:cs typeface="+mn-cs"/>
+              </a:defRPr>
+            </a:lvl7pPr>
+            <a:lvl8pPr marL="3429000" indent="-228600" algn="l" defTabSz="914400" rtl="0" eaLnBrk="1" latinLnBrk="1" hangingPunct="1">
+              <a:spcBef>
+                <a:spcPct val="20000"/>
+              </a:spcBef>
+              <a:buFont typeface="Arial" panose="020B0604020202020204" pitchFamily="34" charset="0"/>
+              <a:buChar char="•"/>
+              <a:defRPr sz="1800" kern="1200">
+                <a:solidFill>
+                  <a:schemeClr val="tx1"/>
+                </a:solidFill>
+                <a:latin typeface="+mn-lt"/>
+                <a:ea typeface="+mn-ea"/>
+                <a:cs typeface="+mn-cs"/>
+              </a:defRPr>
+            </a:lvl8pPr>
+            <a:lvl9pPr marL="3886200" indent="-228600" algn="l" defTabSz="914400" rtl="0" eaLnBrk="1" latinLnBrk="1" hangingPunct="1">
+              <a:spcBef>
+                <a:spcPct val="20000"/>
+              </a:spcBef>
+              <a:buFont typeface="Arial" panose="020B0604020202020204" pitchFamily="34" charset="0"/>
+              <a:buChar char="•"/>
+              <a:defRPr sz="1800" kern="1200">
+                <a:solidFill>
+                  <a:schemeClr val="tx1"/>
+                </a:solidFill>
+                <a:latin typeface="+mn-lt"/>
+                <a:ea typeface="+mn-ea"/>
+                <a:cs typeface="+mn-cs"/>
+              </a:defRPr>
+            </a:lvl9pPr>
+          </a:lstStyle>
+          <a:p>
+            <a:pPr marL="514350" indent="-514350">
+              <a:buFont typeface="+mj-lt"/>
+              <a:buAutoNum type="arabicPeriod"/>
+            </a:pPr>
+            <a:r>
+              <a:rPr lang="ko-KR" altLang="en-US" sz="1600" dirty="0" smtClean="0"/>
+              <a:t>왼쪽 </a:t>
+            </a:r>
+            <a:r>
+              <a:rPr lang="ko-KR" altLang="en-US" sz="1600" dirty="0" err="1" smtClean="0"/>
+              <a:t>메뉴바</a:t>
+            </a:r>
+            <a:r>
+              <a:rPr lang="ko-KR" altLang="en-US" sz="1600" dirty="0" smtClean="0"/>
+              <a:t> 이동</a:t>
+            </a:r>
+            <a:endParaRPr lang="en-US" altLang="ko-KR" sz="1600" dirty="0" smtClean="0"/>
+          </a:p>
+          <a:p>
+            <a:pPr lvl="1">
+              <a:buBlip>
+                <a:blip r:embed="rId2"/>
+              </a:buBlip>
+            </a:pPr>
+            <a:r>
+              <a:rPr lang="ko-KR" altLang="en-US" sz="1400" dirty="0" err="1" smtClean="0"/>
+              <a:t>잿팩</a:t>
+            </a:r>
+            <a:r>
+              <a:rPr lang="ko-KR" altLang="en-US" sz="1400" dirty="0" smtClean="0"/>
+              <a:t> </a:t>
+            </a:r>
+            <a:r>
+              <a:rPr lang="en-US" altLang="ko-KR" sz="1400" dirty="0" smtClean="0"/>
+              <a:t>&gt; </a:t>
+            </a:r>
+            <a:r>
+              <a:rPr lang="ko-KR" altLang="en-US" sz="1400" dirty="0" smtClean="0"/>
+              <a:t>사이트 통계</a:t>
+            </a:r>
+            <a:r>
+              <a:rPr lang="en-US" altLang="ko-KR" sz="1400" dirty="0"/>
+              <a:t/>
+            </a:r>
+            <a:br>
+              <a:rPr lang="en-US" altLang="ko-KR" sz="1400" dirty="0"/>
+            </a:br>
+            <a:endParaRPr lang="en-US" altLang="ko-KR" sz="1400" dirty="0" smtClean="0"/>
+          </a:p>
+          <a:p>
+            <a:pPr marL="0" indent="0">
+              <a:buFont typeface="Arial" panose="020B0604020202020204" pitchFamily="34" charset="0"/>
+              <a:buNone/>
+            </a:pPr>
+            <a:endParaRPr lang="en-US" altLang="ko-KR" sz="1600" dirty="0"/>
+          </a:p>
+        </p:txBody>
+      </p:sp>
+      <p:pic>
+        <p:nvPicPr>
+          <p:cNvPr id="5122" name="Picture 2"/>
+          <p:cNvPicPr>
+            <a:picLocks noChangeAspect="1" noChangeArrowheads="1"/>
+          </p:cNvPicPr>
+          <p:nvPr/>
+        </p:nvPicPr>
+        <p:blipFill>
+          <a:blip r:embed="rId3">
+            <a:extLst>
+              <a:ext uri="{28A0092B-C50C-407E-A947-70E740481C1C}">
+                <a14:useLocalDpi xmlns:a14="http://schemas.microsoft.com/office/drawing/2010/main" val="0"/>
+              </a:ext>
+            </a:extLst>
+          </a:blip>
+          <a:srcRect/>
+          <a:stretch>
+            <a:fillRect/>
+          </a:stretch>
+        </p:blipFill>
+        <p:spPr bwMode="auto">
+          <a:xfrm>
+            <a:off x="827584" y="2365648"/>
+            <a:ext cx="1552575" cy="1238250"/>
+          </a:xfrm>
+          <a:prstGeom prst="rect">
+            <a:avLst/>
+          </a:prstGeom>
+          <a:noFill/>
+          <a:ln>
+            <a:noFill/>
+          </a:ln>
+          <a:extLst>
+            <a:ext uri="{909E8E84-426E-40DD-AFC4-6F175D3DCCD1}">
+              <a14:hiddenFill xmlns:a14="http://schemas.microsoft.com/office/drawing/2010/main">
+                <a:solidFill>
+                  <a:schemeClr val="accent1"/>
+                </a:solidFill>
+              </a14:hiddenFill>
+            </a:ext>
+            <a:ext uri="{91240B29-F687-4F45-9708-019B960494DF}">
+              <a14:hiddenLine xmlns:a14="http://schemas.microsoft.com/office/drawing/2010/main" w="9525">
+                <a:solidFill>
+                  <a:schemeClr val="tx1"/>
+                </a:solidFill>
+                <a:miter lim="800000"/>
+                <a:headEnd/>
+                <a:tailEnd/>
+              </a14:hiddenLine>
+            </a:ext>
+          </a:extLst>
+        </p:spPr>
+      </p:pic>
+      <p:sp>
+        <p:nvSpPr>
+          <p:cNvPr id="13" name="모서리가 둥근 직사각형 12"/>
           <p:cNvSpPr/>
           <p:nvPr/>
         </p:nvSpPr>
         <p:spPr>
           <a:xfrm>
-            <a:off x="3148156" y="4242587"/>
-            <a:ext cx="1278544" cy="517599"/>
+            <a:off x="820143" y="3284984"/>
+            <a:ext cx="1543050" cy="247917"/>
+          </a:xfrm>
+          <a:prstGeom prst="roundRect">
+            <a:avLst/>
+          </a:prstGeom>
+          <a:noFill/>
+          <a:ln w="57150">
+            <a:solidFill>
+              <a:srgbClr val="0070C0"/>
+            </a:solidFill>
+          </a:ln>
+        </p:spPr>
+        <p:style>
+          <a:lnRef idx="2">
+            <a:schemeClr val="accent1">
+              <a:shade val="50000"/>
+            </a:schemeClr>
+          </a:lnRef>
+          <a:fillRef idx="1">
+            <a:schemeClr val="accent1"/>
+          </a:fillRef>
+          <a:effectRef idx="0">
+            <a:schemeClr val="accent1"/>
+          </a:effectRef>
+          <a:fontRef idx="minor">
+            <a:schemeClr val="lt1"/>
+          </a:fontRef>
+        </p:style>
+        <p:txBody>
+          <a:bodyPr rtlCol="0" anchor="ctr"/>
+          <a:lstStyle/>
+          <a:p>
+            <a:pPr algn="ctr"/>
+            <a:endParaRPr lang="ko-KR" altLang="en-US" dirty="0"/>
+          </a:p>
+        </p:txBody>
+      </p:sp>
+      <p:pic>
+        <p:nvPicPr>
+          <p:cNvPr id="5123" name="Picture 3"/>
+          <p:cNvPicPr>
+            <a:picLocks noChangeAspect="1" noChangeArrowheads="1"/>
+          </p:cNvPicPr>
+          <p:nvPr/>
+        </p:nvPicPr>
+        <p:blipFill>
+          <a:blip r:embed="rId4">
+            <a:extLst>
+              <a:ext uri="{28A0092B-C50C-407E-A947-70E740481C1C}">
+                <a14:useLocalDpi xmlns:a14="http://schemas.microsoft.com/office/drawing/2010/main" val="0"/>
+              </a:ext>
+            </a:extLst>
+          </a:blip>
+          <a:srcRect/>
+          <a:stretch>
+            <a:fillRect/>
+          </a:stretch>
+        </p:blipFill>
+        <p:spPr bwMode="auto">
+          <a:xfrm>
+            <a:off x="3995936" y="1639341"/>
+            <a:ext cx="4536504" cy="4832356"/>
+          </a:xfrm>
+          <a:prstGeom prst="rect">
+            <a:avLst/>
+          </a:prstGeom>
+          <a:noFill/>
+          <a:ln>
+            <a:noFill/>
+          </a:ln>
+          <a:extLst>
+            <a:ext uri="{909E8E84-426E-40DD-AFC4-6F175D3DCCD1}">
+              <a14:hiddenFill xmlns:a14="http://schemas.microsoft.com/office/drawing/2010/main">
+                <a:solidFill>
+                  <a:schemeClr val="accent1"/>
+                </a:solidFill>
+              </a14:hiddenFill>
+            </a:ext>
+            <a:ext uri="{91240B29-F687-4F45-9708-019B960494DF}">
+              <a14:hiddenLine xmlns:a14="http://schemas.microsoft.com/office/drawing/2010/main" w="9525">
+                <a:solidFill>
+                  <a:schemeClr val="tx1"/>
+                </a:solidFill>
+                <a:miter lim="800000"/>
+                <a:headEnd/>
+                <a:tailEnd/>
+              </a14:hiddenLine>
+            </a:ext>
+          </a:extLst>
+        </p:spPr>
+      </p:pic>
+      <p:sp>
+        <p:nvSpPr>
+          <p:cNvPr id="14" name="내용 개체 틀 3"/>
+          <p:cNvSpPr>
+            <a:spLocks noGrp="1"/>
+          </p:cNvSpPr>
+          <p:nvPr>
+            <p:ph sz="half" idx="2"/>
+          </p:nvPr>
+        </p:nvSpPr>
+        <p:spPr>
+          <a:xfrm>
+            <a:off x="107504" y="3986703"/>
+            <a:ext cx="3672408" cy="2754665"/>
+          </a:xfrm>
+        </p:spPr>
+        <p:txBody>
+          <a:bodyPr>
+            <a:normAutofit/>
+          </a:bodyPr>
+          <a:lstStyle/>
+          <a:p>
+            <a:pPr marL="0" indent="0">
+              <a:buNone/>
+            </a:pPr>
+            <a:r>
+              <a:rPr lang="en-US" altLang="ko-KR" sz="1200" b="1" dirty="0" smtClean="0">
+                <a:solidFill>
+                  <a:srgbClr val="0070C0"/>
+                </a:solidFill>
+              </a:rPr>
+              <a:t>※ QA</a:t>
+            </a:r>
+          </a:p>
+          <a:p>
+            <a:pPr marL="0" indent="0">
+              <a:buNone/>
+            </a:pPr>
+            <a:r>
+              <a:rPr lang="en-US" altLang="ko-KR" sz="1200" b="1" dirty="0" smtClean="0">
+                <a:solidFill>
+                  <a:srgbClr val="0070C0"/>
+                </a:solidFill>
+              </a:rPr>
+              <a:t>-     </a:t>
+            </a:r>
+            <a:r>
+              <a:rPr lang="ko-KR" altLang="en-US" sz="1200" b="1" dirty="0" smtClean="0">
+                <a:solidFill>
+                  <a:srgbClr val="0070C0"/>
+                </a:solidFill>
+              </a:rPr>
+              <a:t>방문자의수 </a:t>
+            </a:r>
+            <a:r>
+              <a:rPr lang="en-US" altLang="ko-KR" sz="1200" b="1" dirty="0">
+                <a:solidFill>
+                  <a:srgbClr val="0070C0"/>
+                </a:solidFill>
+              </a:rPr>
+              <a:t>/ View </a:t>
+            </a:r>
+            <a:r>
+              <a:rPr lang="ko-KR" altLang="en-US" sz="1200" b="1" dirty="0">
+                <a:solidFill>
+                  <a:srgbClr val="0070C0"/>
+                </a:solidFill>
+              </a:rPr>
+              <a:t>수 </a:t>
+            </a:r>
+            <a:r>
+              <a:rPr lang="en-US" altLang="ko-KR" sz="1200" b="1" dirty="0">
+                <a:solidFill>
+                  <a:srgbClr val="0070C0"/>
+                </a:solidFill>
+              </a:rPr>
+              <a:t>/ </a:t>
+            </a:r>
+            <a:r>
+              <a:rPr lang="ko-KR" altLang="en-US" sz="1200" b="1" dirty="0" err="1">
+                <a:solidFill>
+                  <a:srgbClr val="0070C0"/>
+                </a:solidFill>
+              </a:rPr>
+              <a:t>댓글</a:t>
+            </a:r>
+            <a:r>
+              <a:rPr lang="ko-KR" altLang="en-US" sz="1200" b="1" dirty="0">
+                <a:solidFill>
+                  <a:srgbClr val="0070C0"/>
+                </a:solidFill>
+              </a:rPr>
+              <a:t> 등을 관리합니다</a:t>
+            </a:r>
+            <a:r>
+              <a:rPr lang="en-US" altLang="ko-KR" sz="1200" b="1" dirty="0">
+                <a:solidFill>
+                  <a:srgbClr val="0070C0"/>
+                </a:solidFill>
+              </a:rPr>
+              <a:t>.</a:t>
+            </a:r>
+          </a:p>
+          <a:p>
+            <a:pPr marL="0" indent="0">
+              <a:buNone/>
+            </a:pPr>
+            <a:r>
+              <a:rPr lang="en-US" altLang="ko-KR" sz="1200" b="1" dirty="0" smtClean="0">
+                <a:solidFill>
+                  <a:srgbClr val="0070C0"/>
+                </a:solidFill>
+              </a:rPr>
+              <a:t>-     </a:t>
+            </a:r>
+            <a:r>
+              <a:rPr lang="ko-KR" altLang="en-US" sz="1200" b="1" dirty="0" smtClean="0">
+                <a:solidFill>
+                  <a:srgbClr val="0070C0"/>
+                </a:solidFill>
+              </a:rPr>
+              <a:t>그래프 </a:t>
+            </a:r>
+            <a:r>
+              <a:rPr lang="ko-KR" altLang="en-US" sz="1200" b="1" dirty="0">
+                <a:solidFill>
+                  <a:srgbClr val="0070C0"/>
+                </a:solidFill>
+              </a:rPr>
+              <a:t>클릭 시 상세화면으로 이동합니다</a:t>
+            </a:r>
+            <a:r>
+              <a:rPr lang="en-US" altLang="ko-KR" sz="1200" b="1" dirty="0">
+                <a:solidFill>
+                  <a:srgbClr val="0070C0"/>
+                </a:solidFill>
+              </a:rPr>
+              <a:t>.</a:t>
+            </a:r>
+          </a:p>
+          <a:p>
+            <a:pPr>
+              <a:buFontTx/>
+              <a:buChar char="-"/>
+            </a:pPr>
+            <a:r>
+              <a:rPr lang="ko-KR" altLang="en-US" sz="1200" b="1" dirty="0" smtClean="0">
+                <a:solidFill>
+                  <a:srgbClr val="0070C0"/>
+                </a:solidFill>
+              </a:rPr>
+              <a:t>탭 이동으로 </a:t>
+            </a:r>
+            <a:r>
+              <a:rPr lang="en-US" altLang="ko-KR" sz="1200" b="1" dirty="0">
+                <a:solidFill>
+                  <a:srgbClr val="0070C0"/>
+                </a:solidFill>
+              </a:rPr>
+              <a:t>Day / Week / Month </a:t>
+            </a:r>
+            <a:r>
+              <a:rPr lang="ko-KR" altLang="en-US" sz="1200" b="1" dirty="0">
+                <a:solidFill>
+                  <a:srgbClr val="0070C0"/>
+                </a:solidFill>
+              </a:rPr>
+              <a:t>기준 그래프로 볼 수 있습니다</a:t>
+            </a:r>
+            <a:r>
+              <a:rPr lang="en-US" altLang="ko-KR" sz="1200" b="1" dirty="0" smtClean="0">
+                <a:solidFill>
+                  <a:srgbClr val="0070C0"/>
+                </a:solidFill>
+              </a:rPr>
+              <a:t>.</a:t>
+            </a:r>
+          </a:p>
+          <a:p>
+            <a:pPr>
+              <a:buFontTx/>
+              <a:buChar char="-"/>
+            </a:pPr>
+            <a:r>
+              <a:rPr lang="ko-KR" altLang="en-US" sz="1200" b="1" dirty="0" smtClean="0">
+                <a:solidFill>
+                  <a:srgbClr val="0070C0"/>
+                </a:solidFill>
+              </a:rPr>
+              <a:t>각 영역의 </a:t>
+            </a:r>
+            <a:r>
+              <a:rPr lang="en-US" altLang="ko-KR" sz="1200" b="1" dirty="0" smtClean="0">
+                <a:solidFill>
+                  <a:srgbClr val="0070C0"/>
+                </a:solidFill>
+              </a:rPr>
+              <a:t>summaries</a:t>
+            </a:r>
+            <a:r>
+              <a:rPr lang="ko-KR" altLang="en-US" sz="1200" b="1" dirty="0" smtClean="0">
+                <a:solidFill>
+                  <a:srgbClr val="0070C0"/>
+                </a:solidFill>
+              </a:rPr>
+              <a:t>클릭으로  상세화면으로 이동할 수 있습니다</a:t>
+            </a:r>
+            <a:r>
+              <a:rPr lang="en-US" altLang="ko-KR" sz="1200" b="1" dirty="0" smtClean="0">
+                <a:solidFill>
+                  <a:srgbClr val="0070C0"/>
+                </a:solidFill>
+              </a:rPr>
+              <a:t>.</a:t>
+            </a:r>
+          </a:p>
+          <a:p>
+            <a:pPr>
+              <a:buFontTx/>
+              <a:buChar char="-"/>
+            </a:pPr>
+            <a:r>
+              <a:rPr lang="ko-KR" altLang="en-US" sz="1200" b="1" dirty="0" smtClean="0">
+                <a:solidFill>
+                  <a:srgbClr val="0070C0"/>
+                </a:solidFill>
+              </a:rPr>
+              <a:t>미니 그래프 클릭 시 날짜 별</a:t>
+            </a:r>
+            <a:r>
+              <a:rPr lang="en-US" altLang="ko-KR" sz="1200" b="1" dirty="0" smtClean="0">
+                <a:solidFill>
+                  <a:srgbClr val="0070C0"/>
+                </a:solidFill>
+              </a:rPr>
+              <a:t>/</a:t>
+            </a:r>
+            <a:r>
+              <a:rPr lang="ko-KR" altLang="en-US" sz="1200" b="1" dirty="0" smtClean="0">
+                <a:solidFill>
+                  <a:srgbClr val="0070C0"/>
+                </a:solidFill>
+              </a:rPr>
+              <a:t>월별 표 등 상세화면으로 이동합니다</a:t>
+            </a:r>
+            <a:r>
+              <a:rPr lang="en-US" altLang="ko-KR" sz="1200" b="1" dirty="0" smtClean="0">
+                <a:solidFill>
+                  <a:srgbClr val="0070C0"/>
+                </a:solidFill>
+              </a:rPr>
+              <a:t>.</a:t>
+            </a:r>
+          </a:p>
+          <a:p>
+            <a:pPr>
+              <a:buFontTx/>
+              <a:buChar char="-"/>
+            </a:pPr>
+            <a:endParaRPr lang="en-US" altLang="ko-KR" sz="1200" b="1" dirty="0">
+              <a:solidFill>
+                <a:srgbClr val="0070C0"/>
+              </a:solidFill>
+            </a:endParaRPr>
+          </a:p>
+          <a:p>
+            <a:endParaRPr lang="ko-KR" altLang="en-US" sz="2000" dirty="0"/>
+          </a:p>
+        </p:txBody>
+      </p:sp>
+      <p:sp>
+        <p:nvSpPr>
+          <p:cNvPr id="16" name="모서리가 둥근 직사각형 15"/>
+          <p:cNvSpPr/>
+          <p:nvPr/>
+        </p:nvSpPr>
+        <p:spPr>
+          <a:xfrm>
+            <a:off x="4540796" y="2492896"/>
+            <a:ext cx="1723392" cy="792088"/>
+          </a:xfrm>
+          <a:prstGeom prst="roundRect">
+            <a:avLst/>
+          </a:prstGeom>
+          <a:noFill/>
+          <a:ln w="57150">
+            <a:solidFill>
+              <a:srgbClr val="0070C0"/>
+            </a:solidFill>
+          </a:ln>
+        </p:spPr>
+        <p:style>
+          <a:lnRef idx="2">
+            <a:schemeClr val="accent1">
+              <a:shade val="50000"/>
+            </a:schemeClr>
+          </a:lnRef>
+          <a:fillRef idx="1">
+            <a:schemeClr val="accent1"/>
+          </a:fillRef>
+          <a:effectRef idx="0">
+            <a:schemeClr val="accent1"/>
+          </a:effectRef>
+          <a:fontRef idx="minor">
+            <a:schemeClr val="lt1"/>
+          </a:fontRef>
+        </p:style>
+        <p:txBody>
+          <a:bodyPr rtlCol="0" anchor="ctr"/>
+          <a:lstStyle/>
+          <a:p>
+            <a:pPr algn="ctr"/>
+            <a:endParaRPr lang="ko-KR" altLang="en-US" dirty="0"/>
+          </a:p>
+        </p:txBody>
+      </p:sp>
+      <p:sp>
+        <p:nvSpPr>
+          <p:cNvPr id="20" name="모서리가 둥근 직사각형 19"/>
+          <p:cNvSpPr/>
+          <p:nvPr/>
+        </p:nvSpPr>
+        <p:spPr>
+          <a:xfrm>
+            <a:off x="7884368" y="1988840"/>
+            <a:ext cx="501848" cy="294944"/>
+          </a:xfrm>
+          <a:prstGeom prst="roundRect">
+            <a:avLst/>
+          </a:prstGeom>
+          <a:noFill/>
+          <a:ln w="57150">
+            <a:solidFill>
+              <a:srgbClr val="0070C0"/>
+            </a:solidFill>
+          </a:ln>
+        </p:spPr>
+        <p:style>
+          <a:lnRef idx="2">
+            <a:schemeClr val="accent1">
+              <a:shade val="50000"/>
+            </a:schemeClr>
+          </a:lnRef>
+          <a:fillRef idx="1">
+            <a:schemeClr val="accent1"/>
+          </a:fillRef>
+          <a:effectRef idx="0">
+            <a:schemeClr val="accent1"/>
+          </a:effectRef>
+          <a:fontRef idx="minor">
+            <a:schemeClr val="lt1"/>
+          </a:fontRef>
+        </p:style>
+        <p:txBody>
+          <a:bodyPr rtlCol="0" anchor="ctr"/>
+          <a:lstStyle/>
+          <a:p>
+            <a:pPr algn="ctr"/>
+            <a:endParaRPr lang="ko-KR" altLang="en-US" dirty="0"/>
+          </a:p>
+        </p:txBody>
+      </p:sp>
+      <p:sp>
+        <p:nvSpPr>
+          <p:cNvPr id="22" name="모서리가 둥근 직사각형 21"/>
+          <p:cNvSpPr/>
+          <p:nvPr/>
+        </p:nvSpPr>
+        <p:spPr>
+          <a:xfrm>
+            <a:off x="7742336" y="4656592"/>
+            <a:ext cx="250924" cy="147472"/>
+          </a:xfrm>
+          <a:prstGeom prst="roundRect">
+            <a:avLst/>
+          </a:prstGeom>
+          <a:noFill/>
+          <a:ln w="57150">
+            <a:solidFill>
+              <a:srgbClr val="0070C0"/>
+            </a:solidFill>
+          </a:ln>
+        </p:spPr>
+        <p:style>
+          <a:lnRef idx="2">
+            <a:schemeClr val="accent1">
+              <a:shade val="50000"/>
+            </a:schemeClr>
+          </a:lnRef>
+          <a:fillRef idx="1">
+            <a:schemeClr val="accent1"/>
+          </a:fillRef>
+          <a:effectRef idx="0">
+            <a:schemeClr val="accent1"/>
+          </a:effectRef>
+          <a:fontRef idx="minor">
+            <a:schemeClr val="lt1"/>
+          </a:fontRef>
+        </p:style>
+        <p:txBody>
+          <a:bodyPr rtlCol="0" anchor="ctr"/>
+          <a:lstStyle/>
+          <a:p>
+            <a:pPr algn="ctr"/>
+            <a:endParaRPr lang="ko-KR" altLang="en-US" dirty="0"/>
+          </a:p>
+        </p:txBody>
+      </p:sp>
+      <p:sp>
+        <p:nvSpPr>
+          <p:cNvPr id="25" name="모서리가 둥근 직사각형 24"/>
+          <p:cNvSpPr/>
+          <p:nvPr/>
+        </p:nvSpPr>
+        <p:spPr>
+          <a:xfrm>
+            <a:off x="3995936" y="1635025"/>
+            <a:ext cx="4536504" cy="4836672"/>
+          </a:xfrm>
+          <a:prstGeom prst="roundRect">
+            <a:avLst/>
+          </a:prstGeom>
+          <a:noFill/>
+          <a:ln w="57150">
+            <a:solidFill>
+              <a:srgbClr val="0070C0"/>
+            </a:solidFill>
+          </a:ln>
+        </p:spPr>
+        <p:style>
+          <a:lnRef idx="2">
+            <a:schemeClr val="accent1">
+              <a:shade val="50000"/>
+            </a:schemeClr>
+          </a:lnRef>
+          <a:fillRef idx="1">
+            <a:schemeClr val="accent1"/>
+          </a:fillRef>
+          <a:effectRef idx="0">
+            <a:schemeClr val="accent1"/>
+          </a:effectRef>
+          <a:fontRef idx="minor">
+            <a:schemeClr val="lt1"/>
+          </a:fontRef>
+        </p:style>
+        <p:txBody>
+          <a:bodyPr rtlCol="0" anchor="ctr"/>
+          <a:lstStyle/>
+          <a:p>
+            <a:pPr algn="ctr"/>
+            <a:endParaRPr lang="ko-KR" altLang="en-US" dirty="0"/>
+          </a:p>
+        </p:txBody>
+      </p:sp>
+      <p:sp>
+        <p:nvSpPr>
+          <p:cNvPr id="26" name="오른쪽 화살표 25"/>
+          <p:cNvSpPr/>
+          <p:nvPr/>
+        </p:nvSpPr>
+        <p:spPr>
+          <a:xfrm>
+            <a:off x="2380159" y="3150142"/>
+            <a:ext cx="1368153" cy="517599"/>
           </a:xfrm>
           <a:prstGeom prst="rightArrow">
             <a:avLst/>
@@ -7556,13 +9633,20 @@
     </p:spTree>
     <p:extLst>
       <p:ext uri="{BB962C8B-B14F-4D97-AF65-F5344CB8AC3E}">
-        <p14:creationId xmlns:p14="http://schemas.microsoft.com/office/powerpoint/2010/main" val="3717918927"/>
+        <p14:creationId xmlns:p14="http://schemas.microsoft.com/office/powerpoint/2010/main" val="2347805260"/>
       </p:ext>
     </p:extLst>
   </p:cSld>
   <p:clrMapOvr>
     <a:masterClrMapping/>
   </p:clrMapOvr>
+  <p:timing>
+    <p:tnLst>
+      <p:par>
+        <p:cTn id="1" dur="indefinite" restart="never" nodeType="tmRoot"/>
+      </p:par>
+    </p:tnLst>
+  </p:timing>
 </p:sld>
 </file>
 
@@ -7626,7 +9710,9 @@
               <a:buAutoNum type="arabicPeriod"/>
             </a:pPr>
             <a:r>
-              <a:rPr lang="ko-KR" altLang="en-US" dirty="0" smtClean="0"/>
+              <a:rPr lang="ko-KR" altLang="en-US" dirty="0" smtClean="0">
+                <a:hlinkClick r:id="rId2" action="ppaction://hlinksldjump"/>
+              </a:rPr>
               <a:t>접속방법</a:t>
             </a:r>
             <a:endParaRPr lang="en-US" altLang="ko-KR" dirty="0" smtClean="0"/>
@@ -7648,7 +9734,9 @@
               <a:buAutoNum type="arabicPeriod"/>
             </a:pPr>
             <a:r>
-              <a:rPr lang="ko-KR" altLang="en-US" dirty="0" smtClean="0"/>
+              <a:rPr lang="ko-KR" altLang="en-US" dirty="0" smtClean="0">
+                <a:hlinkClick r:id="rId3" action="ppaction://hlinksldjump"/>
+              </a:rPr>
               <a:t>글 등록 방법</a:t>
             </a:r>
             <a:endParaRPr lang="en-US" altLang="ko-KR" dirty="0" smtClean="0"/>
@@ -7659,11 +9747,15 @@
               <a:buAutoNum type="arabicPeriod"/>
             </a:pPr>
             <a:r>
-              <a:rPr lang="ko-KR" altLang="en-US" dirty="0" err="1" smtClean="0"/>
+              <a:rPr lang="ko-KR" altLang="en-US" dirty="0" err="1" smtClean="0">
+                <a:hlinkClick r:id="rId4" action="ppaction://hlinksldjump"/>
+              </a:rPr>
               <a:t>이메일</a:t>
             </a:r>
             <a:r>
-              <a:rPr lang="ko-KR" altLang="en-US" dirty="0" smtClean="0"/>
+              <a:rPr lang="ko-KR" altLang="en-US" dirty="0" smtClean="0">
+                <a:hlinkClick r:id="rId4" action="ppaction://hlinksldjump"/>
+              </a:rPr>
               <a:t> 전송 내역 관리</a:t>
             </a:r>
             <a:endParaRPr lang="en-US" altLang="ko-KR" dirty="0" smtClean="0"/>
@@ -7674,15 +9766,21 @@
               <a:buAutoNum type="arabicPeriod"/>
             </a:pPr>
             <a:r>
-              <a:rPr lang="ko-KR" altLang="en-US" dirty="0" smtClean="0"/>
+              <a:rPr lang="ko-KR" altLang="en-US" dirty="0" smtClean="0">
+                <a:hlinkClick r:id="rId5" action="ppaction://hlinksldjump"/>
+              </a:rPr>
               <a:t>서비스 신청</a:t>
             </a:r>
             <a:r>
-              <a:rPr lang="en-US" altLang="ko-KR" dirty="0" smtClean="0"/>
+              <a:rPr lang="en-US" altLang="ko-KR" dirty="0" smtClean="0">
+                <a:hlinkClick r:id="rId5" action="ppaction://hlinksldjump"/>
+              </a:rPr>
               <a:t>/</a:t>
             </a:r>
             <a:r>
-              <a:rPr lang="ko-KR" altLang="en-US" dirty="0" smtClean="0"/>
+              <a:rPr lang="ko-KR" altLang="en-US" dirty="0" smtClean="0">
+                <a:hlinkClick r:id="rId5" action="ppaction://hlinksldjump"/>
+              </a:rPr>
               <a:t>문의 내역확인</a:t>
             </a:r>
             <a:endParaRPr lang="en-US" altLang="ko-KR" dirty="0" smtClean="0"/>
@@ -7693,11 +9791,15 @@
               <a:buAutoNum type="arabicPeriod"/>
             </a:pPr>
             <a:r>
-              <a:rPr lang="ko-KR" altLang="en-US" dirty="0" err="1" smtClean="0"/>
+              <a:rPr lang="ko-KR" altLang="en-US" dirty="0" err="1" smtClean="0">
+                <a:hlinkClick r:id="rId6" action="ppaction://hlinksldjump"/>
+              </a:rPr>
               <a:t>댓글내역</a:t>
             </a:r>
             <a:r>
-              <a:rPr lang="ko-KR" altLang="en-US" dirty="0" smtClean="0"/>
+              <a:rPr lang="ko-KR" altLang="en-US" dirty="0" smtClean="0">
+                <a:hlinkClick r:id="rId6" action="ppaction://hlinksldjump"/>
+              </a:rPr>
               <a:t> 관리</a:t>
             </a:r>
             <a:endParaRPr lang="en-US" altLang="ko-KR" dirty="0" smtClean="0"/>
@@ -7708,7 +9810,9 @@
               <a:buAutoNum type="arabicPeriod"/>
             </a:pPr>
             <a:r>
-              <a:rPr lang="ko-KR" altLang="en-US" dirty="0" smtClean="0"/>
+              <a:rPr lang="ko-KR" altLang="en-US" dirty="0" smtClean="0">
+                <a:hlinkClick r:id="rId7" action="ppaction://hlinksldjump"/>
+              </a:rPr>
               <a:t>사이트 통계분석 관리</a:t>
             </a:r>
             <a:endParaRPr lang="en-US" altLang="ko-KR" dirty="0" smtClean="0"/>
@@ -7738,6 +9842,13 @@
   <p:clrMapOvr>
     <a:masterClrMapping/>
   </p:clrMapOvr>
+  <p:timing>
+    <p:tnLst>
+      <p:par>
+        <p:cTn id="1" dur="indefinite" restart="never" nodeType="tmRoot"/>
+      </p:par>
+    </p:tnLst>
+  </p:timing>
 </p:sld>
 </file>
 
@@ -7807,6 +9918,13 @@
   <p:clrMapOvr>
     <a:masterClrMapping/>
   </p:clrMapOvr>
+  <p:timing>
+    <p:tnLst>
+      <p:par>
+        <p:cTn id="1" dur="indefinite" restart="never" nodeType="tmRoot"/>
+      </p:par>
+    </p:tnLst>
+  </p:timing>
 </p:sld>
 </file>
 
@@ -8252,6 +10370,13 @@
   <p:clrMapOvr>
     <a:masterClrMapping/>
   </p:clrMapOvr>
+  <p:timing>
+    <p:tnLst>
+      <p:par>
+        <p:cTn id="1" dur="indefinite" restart="never" nodeType="tmRoot"/>
+      </p:par>
+    </p:tnLst>
+  </p:timing>
 </p:sld>
 </file>
 
@@ -8314,6 +10439,13 @@
   <p:clrMapOvr>
     <a:masterClrMapping/>
   </p:clrMapOvr>
+  <p:timing>
+    <p:tnLst>
+      <p:par>
+        <p:cTn id="1" dur="indefinite" restart="never" nodeType="tmRoot"/>
+      </p:par>
+    </p:tnLst>
+  </p:timing>
 </p:sld>
 </file>
 
@@ -8491,7 +10623,7 @@
               <a:rPr lang="en-US" altLang="ko-KR" sz="1400" dirty="0" smtClean="0">
                 <a:hlinkClick r:id="rId3" action="ppaction://hlinksldjump"/>
               </a:rPr>
-              <a:t>11page</a:t>
+              <a:t>12page</a:t>
             </a:r>
             <a:r>
               <a:rPr lang="en-US" altLang="ko-KR" sz="1400" dirty="0" smtClean="0"/>
@@ -8910,6 +11042,13 @@
   <p:clrMapOvr>
     <a:masterClrMapping/>
   </p:clrMapOvr>
+  <p:timing>
+    <p:tnLst>
+      <p:par>
+        <p:cTn id="1" dur="indefinite" restart="never" nodeType="tmRoot"/>
+      </p:par>
+    </p:tnLst>
+  </p:timing>
 </p:sld>
 </file>
 
@@ -9072,11 +11211,7 @@
             </a:r>
             <a:r>
               <a:rPr lang="ko-KR" altLang="en-US" sz="1600" dirty="0" smtClean="0"/>
-              <a:t>메인 </a:t>
-            </a:r>
-            <a:r>
-              <a:rPr lang="ko-KR" altLang="en-US" sz="1600" dirty="0" smtClean="0"/>
-              <a:t>이미지 등록</a:t>
+              <a:t>메인 이미지 등록</a:t>
             </a:r>
             <a:endParaRPr lang="en-US" altLang="ko-KR" sz="1600" dirty="0" smtClean="0"/>
           </a:p>
@@ -9090,7 +11225,6 @@
               <a:rPr lang="ko-KR" altLang="en-US" sz="1400" dirty="0" smtClean="0"/>
               <a:t>카테고리  하단 특성이미지 설정 클릭</a:t>
             </a:r>
-            <a:endParaRPr lang="ko-KR" altLang="en-US" sz="1400" dirty="0" smtClean="0"/>
           </a:p>
         </p:txBody>
       </p:sp>
@@ -9917,6 +12051,13 @@
   <p:clrMapOvr>
     <a:masterClrMapping/>
   </p:clrMapOvr>
+  <p:timing>
+    <p:tnLst>
+      <p:par>
+        <p:cTn id="1" dur="indefinite" restart="never" nodeType="tmRoot"/>
+      </p:par>
+    </p:tnLst>
+  </p:timing>
 </p:sld>
 </file>
 
@@ -9966,125 +12107,6 @@
       </p:sp>
       <p:sp>
         <p:nvSpPr>
-          <p:cNvPr id="3" name="내용 개체 틀 2"/>
-          <p:cNvSpPr>
-            <a:spLocks noGrp="1"/>
-          </p:cNvSpPr>
-          <p:nvPr>
-            <p:ph sz="half" idx="1"/>
-          </p:nvPr>
-        </p:nvSpPr>
-        <p:spPr>
-          <a:xfrm>
-            <a:off x="4932040" y="1533722"/>
-            <a:ext cx="4038600" cy="4525963"/>
-          </a:xfrm>
-        </p:spPr>
-        <p:txBody>
-          <a:bodyPr/>
-          <a:lstStyle/>
-          <a:p>
-            <a:pPr marL="0" indent="0">
-              <a:buNone/>
-            </a:pPr>
-            <a:r>
-              <a:rPr lang="en-US" altLang="ko-KR" sz="1600" dirty="0" smtClean="0"/>
-              <a:t>7.     </a:t>
-            </a:r>
-            <a:r>
-              <a:rPr lang="ko-KR" altLang="en-US" sz="1600" dirty="0" smtClean="0"/>
-              <a:t>공유</a:t>
-            </a:r>
-            <a:r>
-              <a:rPr lang="ko-KR" altLang="en-US" sz="1600" dirty="0" smtClean="0"/>
-              <a:t>링크 소스 추가</a:t>
-            </a:r>
-            <a:endParaRPr lang="en-US" altLang="ko-KR" sz="1600" dirty="0" smtClean="0"/>
-          </a:p>
-          <a:p>
-            <a:pPr lvl="1">
-              <a:buBlip>
-                <a:blip r:embed="rId2"/>
-              </a:buBlip>
-            </a:pPr>
-            <a:r>
-              <a:rPr lang="ko-KR" altLang="en-US" sz="1400" dirty="0" smtClean="0"/>
-              <a:t>내용입력 상단 텍스트 탭 클릭</a:t>
-            </a:r>
-            <a:endParaRPr lang="en-US" altLang="ko-KR" sz="1400" dirty="0" smtClean="0"/>
-          </a:p>
-          <a:p>
-            <a:pPr lvl="1">
-              <a:buBlip>
-                <a:blip r:embed="rId2"/>
-              </a:buBlip>
-            </a:pPr>
-            <a:r>
-              <a:rPr lang="ko-KR" altLang="en-US" sz="1400" dirty="0" smtClean="0"/>
-              <a:t>내용에 아래 소스내용 추가</a:t>
-            </a:r>
-            <a:endParaRPr lang="en-US" altLang="ko-KR" sz="1400" dirty="0" smtClean="0"/>
-          </a:p>
-          <a:p>
-            <a:pPr lvl="1">
-              <a:buBlip>
-                <a:blip r:embed="rId2"/>
-              </a:buBlip>
-            </a:pPr>
-            <a:endParaRPr lang="en-US" altLang="ko-KR" sz="1400" dirty="0"/>
-          </a:p>
-          <a:p>
-            <a:pPr lvl="1">
-              <a:buBlip>
-                <a:blip r:embed="rId2"/>
-              </a:buBlip>
-            </a:pPr>
-            <a:endParaRPr lang="en-US" altLang="ko-KR" sz="1400" dirty="0" smtClean="0"/>
-          </a:p>
-          <a:p>
-            <a:pPr lvl="1">
-              <a:buBlip>
-                <a:blip r:embed="rId2"/>
-              </a:buBlip>
-            </a:pPr>
-            <a:endParaRPr lang="en-US" altLang="ko-KR" sz="1400" dirty="0"/>
-          </a:p>
-          <a:p>
-            <a:pPr marL="457200" lvl="1" indent="0">
-              <a:buNone/>
-            </a:pPr>
-            <a:endParaRPr lang="en-US" altLang="ko-KR" sz="1400" dirty="0"/>
-          </a:p>
-          <a:p>
-            <a:pPr marL="457200" lvl="1" indent="0">
-              <a:buNone/>
-            </a:pPr>
-            <a:endParaRPr lang="en-US" altLang="ko-KR" sz="1400" dirty="0" smtClean="0"/>
-          </a:p>
-          <a:p>
-            <a:pPr marL="457200" lvl="1" indent="0">
-              <a:buNone/>
-            </a:pPr>
-            <a:endParaRPr lang="en-US" altLang="ko-KR" sz="1400" dirty="0"/>
-          </a:p>
-          <a:p>
-            <a:pPr marL="457200" lvl="1" indent="0">
-              <a:buNone/>
-            </a:pPr>
-            <a:endParaRPr lang="en-US" altLang="ko-KR" sz="1400" dirty="0" smtClean="0"/>
-          </a:p>
-          <a:p>
-            <a:pPr lvl="1">
-              <a:buBlip>
-                <a:blip r:embed="rId2"/>
-              </a:buBlip>
-            </a:pPr>
-            <a:endParaRPr lang="ko-KR" altLang="en-US" sz="1400" dirty="0" smtClean="0"/>
-          </a:p>
-        </p:txBody>
-      </p:sp>
-      <p:sp>
-        <p:nvSpPr>
           <p:cNvPr id="4" name="내용 개체 틀 3"/>
           <p:cNvSpPr>
             <a:spLocks noGrp="1"/>
@@ -10095,7 +12117,7 @@
         </p:nvSpPr>
         <p:spPr>
           <a:xfrm>
-            <a:off x="467544" y="1600200"/>
+            <a:off x="4438328" y="1600200"/>
             <a:ext cx="4038600" cy="4525963"/>
           </a:xfrm>
         </p:spPr>
@@ -10108,7 +12130,7 @@
             </a:pPr>
             <a:r>
               <a:rPr lang="en-US" altLang="ko-KR" sz="1600" dirty="0"/>
-              <a:t>6</a:t>
+              <a:t>7</a:t>
             </a:r>
             <a:r>
               <a:rPr lang="en-US" altLang="ko-KR" sz="1600" dirty="0" smtClean="0"/>
@@ -10233,7 +12255,7 @@
       </p:sp>
       <p:pic>
         <p:nvPicPr>
-          <p:cNvPr id="7170" name="Picture 2"/>
+          <p:cNvPr id="7173" name="Picture 5"/>
           <p:cNvPicPr>
             <a:picLocks noChangeAspect="1" noChangeArrowheads="1"/>
           </p:cNvPicPr>
@@ -10254,7 +12276,364 @@
         </p:blipFill>
         <p:spPr bwMode="auto">
           <a:xfrm>
-            <a:off x="5561254" y="2467540"/>
+            <a:off x="4936765" y="4893839"/>
+            <a:ext cx="3442416" cy="1468358"/>
+          </a:xfrm>
+          <a:prstGeom prst="rect">
+            <a:avLst/>
+          </a:prstGeom>
+          <a:noFill/>
+          <a:ln>
+            <a:noFill/>
+          </a:ln>
+          <a:extLst>
+            <a:ext uri="{909E8E84-426E-40DD-AFC4-6F175D3DCCD1}">
+              <a14:hiddenFill xmlns:a14="http://schemas.microsoft.com/office/drawing/2010/main">
+                <a:solidFill>
+                  <a:schemeClr val="accent1"/>
+                </a:solidFill>
+              </a14:hiddenFill>
+            </a:ext>
+            <a:ext uri="{91240B29-F687-4F45-9708-019B960494DF}">
+              <a14:hiddenLine xmlns:a14="http://schemas.microsoft.com/office/drawing/2010/main" w="9525">
+                <a:solidFill>
+                  <a:schemeClr val="tx1"/>
+                </a:solidFill>
+                <a:miter lim="800000"/>
+                <a:headEnd/>
+                <a:tailEnd/>
+              </a14:hiddenLine>
+            </a:ext>
+          </a:extLst>
+        </p:spPr>
+      </p:pic>
+      <p:sp>
+        <p:nvSpPr>
+          <p:cNvPr id="25" name="모서리가 둥근 직사각형 24"/>
+          <p:cNvSpPr/>
+          <p:nvPr/>
+        </p:nvSpPr>
+        <p:spPr>
+          <a:xfrm>
+            <a:off x="4935338" y="4894819"/>
+            <a:ext cx="649500" cy="223984"/>
+          </a:xfrm>
+          <a:prstGeom prst="roundRect">
+            <a:avLst/>
+          </a:prstGeom>
+          <a:noFill/>
+          <a:ln w="57150">
+            <a:solidFill>
+              <a:srgbClr val="0070C0"/>
+            </a:solidFill>
+          </a:ln>
+        </p:spPr>
+        <p:style>
+          <a:lnRef idx="2">
+            <a:schemeClr val="accent1">
+              <a:shade val="50000"/>
+            </a:schemeClr>
+          </a:lnRef>
+          <a:fillRef idx="1">
+            <a:schemeClr val="accent1"/>
+          </a:fillRef>
+          <a:effectRef idx="0">
+            <a:schemeClr val="accent1"/>
+          </a:effectRef>
+          <a:fontRef idx="minor">
+            <a:schemeClr val="lt1"/>
+          </a:fontRef>
+        </p:style>
+        <p:txBody>
+          <a:bodyPr rtlCol="0" anchor="ctr"/>
+          <a:lstStyle/>
+          <a:p>
+            <a:pPr algn="ctr"/>
+            <a:endParaRPr lang="ko-KR" altLang="en-US" dirty="0"/>
+          </a:p>
+        </p:txBody>
+      </p:sp>
+      <p:sp>
+        <p:nvSpPr>
+          <p:cNvPr id="28" name="모서리가 둥근 직사각형 27"/>
+          <p:cNvSpPr/>
+          <p:nvPr/>
+        </p:nvSpPr>
+        <p:spPr>
+          <a:xfrm>
+            <a:off x="4967101" y="5628018"/>
+            <a:ext cx="1193799" cy="223984"/>
+          </a:xfrm>
+          <a:prstGeom prst="roundRect">
+            <a:avLst/>
+          </a:prstGeom>
+          <a:noFill/>
+          <a:ln w="57150">
+            <a:solidFill>
+              <a:srgbClr val="0070C0"/>
+            </a:solidFill>
+          </a:ln>
+        </p:spPr>
+        <p:style>
+          <a:lnRef idx="2">
+            <a:schemeClr val="accent1">
+              <a:shade val="50000"/>
+            </a:schemeClr>
+          </a:lnRef>
+          <a:fillRef idx="1">
+            <a:schemeClr val="accent1"/>
+          </a:fillRef>
+          <a:effectRef idx="0">
+            <a:schemeClr val="accent1"/>
+          </a:effectRef>
+          <a:fontRef idx="minor">
+            <a:schemeClr val="lt1"/>
+          </a:fontRef>
+        </p:style>
+        <p:txBody>
+          <a:bodyPr rtlCol="0" anchor="ctr"/>
+          <a:lstStyle/>
+          <a:p>
+            <a:pPr algn="ctr"/>
+            <a:endParaRPr lang="ko-KR" altLang="en-US" dirty="0"/>
+          </a:p>
+        </p:txBody>
+      </p:sp>
+      <p:sp>
+        <p:nvSpPr>
+          <p:cNvPr id="29" name="모서리가 둥근 직사각형 28"/>
+          <p:cNvSpPr/>
+          <p:nvPr/>
+        </p:nvSpPr>
+        <p:spPr>
+          <a:xfrm>
+            <a:off x="7529053" y="4905944"/>
+            <a:ext cx="649500" cy="223984"/>
+          </a:xfrm>
+          <a:prstGeom prst="roundRect">
+            <a:avLst/>
+          </a:prstGeom>
+          <a:noFill/>
+          <a:ln w="57150">
+            <a:solidFill>
+              <a:srgbClr val="0070C0"/>
+            </a:solidFill>
+          </a:ln>
+        </p:spPr>
+        <p:style>
+          <a:lnRef idx="2">
+            <a:schemeClr val="accent1">
+              <a:shade val="50000"/>
+            </a:schemeClr>
+          </a:lnRef>
+          <a:fillRef idx="1">
+            <a:schemeClr val="accent1"/>
+          </a:fillRef>
+          <a:effectRef idx="0">
+            <a:schemeClr val="accent1"/>
+          </a:effectRef>
+          <a:fontRef idx="minor">
+            <a:schemeClr val="lt1"/>
+          </a:fontRef>
+        </p:style>
+        <p:txBody>
+          <a:bodyPr rtlCol="0" anchor="ctr"/>
+          <a:lstStyle/>
+          <a:p>
+            <a:pPr algn="ctr"/>
+            <a:endParaRPr lang="ko-KR" altLang="en-US" dirty="0"/>
+          </a:p>
+        </p:txBody>
+      </p:sp>
+      <p:sp>
+        <p:nvSpPr>
+          <p:cNvPr id="30" name="오른쪽 화살표 29"/>
+          <p:cNvSpPr/>
+          <p:nvPr/>
+        </p:nvSpPr>
+        <p:spPr>
+          <a:xfrm rot="5400000">
+            <a:off x="6018700" y="3841004"/>
+            <a:ext cx="1278544" cy="517599"/>
+          </a:xfrm>
+          <a:prstGeom prst="rightArrow">
+            <a:avLst/>
+          </a:prstGeom>
+          <a:solidFill>
+            <a:srgbClr val="0070C0"/>
+          </a:solidFill>
+          <a:ln>
+            <a:noFill/>
+          </a:ln>
+        </p:spPr>
+        <p:style>
+          <a:lnRef idx="2">
+            <a:schemeClr val="accent1">
+              <a:shade val="50000"/>
+            </a:schemeClr>
+          </a:lnRef>
+          <a:fillRef idx="1">
+            <a:schemeClr val="accent1"/>
+          </a:fillRef>
+          <a:effectRef idx="0">
+            <a:schemeClr val="accent1"/>
+          </a:effectRef>
+          <a:fontRef idx="minor">
+            <a:schemeClr val="lt1"/>
+          </a:fontRef>
+        </p:style>
+        <p:txBody>
+          <a:bodyPr rtlCol="0" anchor="ctr"/>
+          <a:lstStyle/>
+          <a:p>
+            <a:pPr algn="ctr"/>
+            <a:endParaRPr lang="ko-KR" altLang="en-US"/>
+          </a:p>
+        </p:txBody>
+      </p:sp>
+      <p:sp>
+        <p:nvSpPr>
+          <p:cNvPr id="19" name="내용 개체 틀 2"/>
+          <p:cNvSpPr>
+            <a:spLocks noGrp="1"/>
+          </p:cNvSpPr>
+          <p:nvPr>
+            <p:ph sz="half" idx="1"/>
+          </p:nvPr>
+        </p:nvSpPr>
+        <p:spPr>
+          <a:xfrm>
+            <a:off x="461392" y="1628800"/>
+            <a:ext cx="4038600" cy="4525963"/>
+          </a:xfrm>
+        </p:spPr>
+        <p:txBody>
+          <a:bodyPr/>
+          <a:lstStyle/>
+          <a:p>
+            <a:pPr marL="0" indent="0">
+              <a:buNone/>
+            </a:pPr>
+            <a:r>
+              <a:rPr lang="en-US" altLang="ko-KR" sz="1600" dirty="0"/>
+              <a:t>6</a:t>
+            </a:r>
+            <a:r>
+              <a:rPr lang="en-US" altLang="ko-KR" sz="1600" dirty="0" smtClean="0"/>
+              <a:t>.     </a:t>
+            </a:r>
+            <a:r>
+              <a:rPr lang="ko-KR" altLang="en-US" sz="1600" dirty="0" smtClean="0"/>
+              <a:t>공유링크 소스 추가</a:t>
+            </a:r>
+            <a:endParaRPr lang="en-US" altLang="ko-KR" sz="1600" dirty="0" smtClean="0"/>
+          </a:p>
+          <a:p>
+            <a:pPr lvl="1">
+              <a:buBlip>
+                <a:blip r:embed="rId2"/>
+              </a:buBlip>
+            </a:pPr>
+            <a:r>
+              <a:rPr lang="ko-KR" altLang="en-US" sz="1400" dirty="0" smtClean="0"/>
+              <a:t>내용입력 상단 텍스트 탭 클릭</a:t>
+            </a:r>
+            <a:endParaRPr lang="en-US" altLang="ko-KR" sz="1400" dirty="0" smtClean="0"/>
+          </a:p>
+          <a:p>
+            <a:pPr lvl="1">
+              <a:buBlip>
+                <a:blip r:embed="rId2"/>
+              </a:buBlip>
+            </a:pPr>
+            <a:r>
+              <a:rPr lang="ko-KR" altLang="en-US" sz="1400" dirty="0" smtClean="0"/>
+              <a:t>내용에 아래 소스내용 추가</a:t>
+            </a:r>
+            <a:endParaRPr lang="en-US" altLang="ko-KR" sz="1400" dirty="0" smtClean="0"/>
+          </a:p>
+          <a:p>
+            <a:pPr lvl="1">
+              <a:buBlip>
+                <a:blip r:embed="rId2"/>
+              </a:buBlip>
+            </a:pPr>
+            <a:endParaRPr lang="en-US" altLang="ko-KR" sz="1400" dirty="0"/>
+          </a:p>
+          <a:p>
+            <a:pPr lvl="1">
+              <a:buBlip>
+                <a:blip r:embed="rId2"/>
+              </a:buBlip>
+            </a:pPr>
+            <a:endParaRPr lang="en-US" altLang="ko-KR" sz="1400" dirty="0" smtClean="0"/>
+          </a:p>
+          <a:p>
+            <a:pPr lvl="1">
+              <a:buBlip>
+                <a:blip r:embed="rId2"/>
+              </a:buBlip>
+            </a:pPr>
+            <a:endParaRPr lang="en-US" altLang="ko-KR" sz="1400" dirty="0"/>
+          </a:p>
+          <a:p>
+            <a:pPr marL="457200" lvl="1" indent="0">
+              <a:buNone/>
+            </a:pPr>
+            <a:endParaRPr lang="en-US" altLang="ko-KR" sz="1400" dirty="0"/>
+          </a:p>
+          <a:p>
+            <a:pPr marL="457200" lvl="1" indent="0">
+              <a:buNone/>
+            </a:pPr>
+            <a:endParaRPr lang="en-US" altLang="ko-KR" sz="1400" dirty="0" smtClean="0"/>
+          </a:p>
+          <a:p>
+            <a:pPr marL="457200" lvl="1" indent="0">
+              <a:buNone/>
+            </a:pPr>
+            <a:endParaRPr lang="en-US" altLang="ko-KR" sz="1400" dirty="0"/>
+          </a:p>
+          <a:p>
+            <a:pPr marL="457200" lvl="1" indent="0">
+              <a:buNone/>
+            </a:pPr>
+            <a:endParaRPr lang="en-US" altLang="ko-KR" sz="1400" dirty="0" smtClean="0"/>
+          </a:p>
+          <a:p>
+            <a:pPr lvl="1">
+              <a:buBlip>
+                <a:blip r:embed="rId2"/>
+              </a:buBlip>
+            </a:pPr>
+            <a:endParaRPr lang="ko-KR" altLang="en-US" sz="1400" dirty="0" smtClean="0"/>
+          </a:p>
+        </p:txBody>
+      </p:sp>
+      <p:pic>
+        <p:nvPicPr>
+          <p:cNvPr id="20" name="Picture 2"/>
+          <p:cNvPicPr>
+            <a:picLocks noChangeAspect="1" noChangeArrowheads="1"/>
+          </p:cNvPicPr>
+          <p:nvPr/>
+        </p:nvPicPr>
+        <p:blipFill>
+          <a:blip r:embed="rId4">
+            <a:extLst>
+              <a:ext uri="{28A0092B-C50C-407E-A947-70E740481C1C}">
+                <a14:useLocalDpi xmlns:a14="http://schemas.microsoft.com/office/drawing/2010/main" val="0"/>
+              </a:ext>
+            </a:extLst>
+          </a:blip>
+          <a:srcRect/>
+          <a:stretch>
+            <a:fillRect/>
+          </a:stretch>
+        </p:blipFill>
+        <p:spPr bwMode="auto">
+          <a:xfrm>
+            <a:off x="1090606" y="2562618"/>
             <a:ext cx="2523000" cy="1215578"/>
           </a:xfrm>
           <a:prstGeom prst="rect">
@@ -10287,13 +12666,13 @@
       </p:pic>
       <p:sp>
         <p:nvSpPr>
-          <p:cNvPr id="6" name="모서리가 둥근 직사각형 5"/>
+          <p:cNvPr id="21" name="모서리가 둥근 직사각형 20"/>
           <p:cNvSpPr/>
           <p:nvPr/>
         </p:nvSpPr>
         <p:spPr>
           <a:xfrm>
-            <a:off x="7705170" y="2570434"/>
+            <a:off x="3234522" y="2665512"/>
             <a:ext cx="405566" cy="294944"/>
           </a:xfrm>
           <a:prstGeom prst="roundRect">
@@ -10333,13 +12712,13 @@
       </p:sp>
       <p:sp>
         <p:nvSpPr>
-          <p:cNvPr id="5" name="TextBox 4"/>
+          <p:cNvPr id="22" name="TextBox 21"/>
           <p:cNvSpPr txBox="1"/>
           <p:nvPr/>
         </p:nvSpPr>
         <p:spPr>
           <a:xfrm>
-            <a:off x="5561254" y="3394053"/>
+            <a:off x="1090606" y="3489131"/>
             <a:ext cx="3168352" cy="1446550"/>
           </a:xfrm>
           <a:prstGeom prst="rect">
@@ -10454,245 +12833,7 @@
       </p:sp>
       <p:pic>
         <p:nvPicPr>
-          <p:cNvPr id="7173" name="Picture 5"/>
-          <p:cNvPicPr>
-            <a:picLocks noChangeAspect="1" noChangeArrowheads="1"/>
-          </p:cNvPicPr>
-          <p:nvPr/>
-        </p:nvPicPr>
-        <p:blipFill>
-          <a:blip r:embed="rId4">
-            <a:extLst>
-              <a:ext uri="{28A0092B-C50C-407E-A947-70E740481C1C}">
-                <a14:useLocalDpi xmlns:a14="http://schemas.microsoft.com/office/drawing/2010/main" val="0"/>
-              </a:ext>
-            </a:extLst>
-          </a:blip>
-          <a:srcRect/>
-          <a:stretch>
-            <a:fillRect/>
-          </a:stretch>
-        </p:blipFill>
-        <p:spPr bwMode="auto">
-          <a:xfrm>
-            <a:off x="965981" y="4893839"/>
-            <a:ext cx="3442416" cy="1468358"/>
-          </a:xfrm>
-          <a:prstGeom prst="rect">
-            <a:avLst/>
-          </a:prstGeom>
-          <a:noFill/>
-          <a:ln>
-            <a:noFill/>
-          </a:ln>
-          <a:extLst>
-            <a:ext uri="{909E8E84-426E-40DD-AFC4-6F175D3DCCD1}">
-              <a14:hiddenFill xmlns:a14="http://schemas.microsoft.com/office/drawing/2010/main">
-                <a:solidFill>
-                  <a:schemeClr val="accent1"/>
-                </a:solidFill>
-              </a14:hiddenFill>
-            </a:ext>
-            <a:ext uri="{91240B29-F687-4F45-9708-019B960494DF}">
-              <a14:hiddenLine xmlns:a14="http://schemas.microsoft.com/office/drawing/2010/main" w="9525">
-                <a:solidFill>
-                  <a:schemeClr val="tx1"/>
-                </a:solidFill>
-                <a:miter lim="800000"/>
-                <a:headEnd/>
-                <a:tailEnd/>
-              </a14:hiddenLine>
-            </a:ext>
-          </a:extLst>
-        </p:spPr>
-      </p:pic>
-      <p:sp>
-        <p:nvSpPr>
-          <p:cNvPr id="25" name="모서리가 둥근 직사각형 24"/>
-          <p:cNvSpPr/>
-          <p:nvPr/>
-        </p:nvSpPr>
-        <p:spPr>
-          <a:xfrm>
-            <a:off x="964554" y="4894819"/>
-            <a:ext cx="649500" cy="223984"/>
-          </a:xfrm>
-          <a:prstGeom prst="roundRect">
-            <a:avLst/>
-          </a:prstGeom>
-          <a:noFill/>
-          <a:ln w="57150">
-            <a:solidFill>
-              <a:srgbClr val="0070C0"/>
-            </a:solidFill>
-          </a:ln>
-        </p:spPr>
-        <p:style>
-          <a:lnRef idx="2">
-            <a:schemeClr val="accent1">
-              <a:shade val="50000"/>
-            </a:schemeClr>
-          </a:lnRef>
-          <a:fillRef idx="1">
-            <a:schemeClr val="accent1"/>
-          </a:fillRef>
-          <a:effectRef idx="0">
-            <a:schemeClr val="accent1"/>
-          </a:effectRef>
-          <a:fontRef idx="minor">
-            <a:schemeClr val="lt1"/>
-          </a:fontRef>
-        </p:style>
-        <p:txBody>
-          <a:bodyPr rtlCol="0" anchor="ctr"/>
-          <a:lstStyle/>
-          <a:p>
-            <a:pPr algn="ctr"/>
-            <a:endParaRPr lang="ko-KR" altLang="en-US" dirty="0"/>
-          </a:p>
-        </p:txBody>
-      </p:sp>
-      <p:sp>
-        <p:nvSpPr>
-          <p:cNvPr id="28" name="모서리가 둥근 직사각형 27"/>
-          <p:cNvSpPr/>
-          <p:nvPr/>
-        </p:nvSpPr>
-        <p:spPr>
-          <a:xfrm>
-            <a:off x="996317" y="5628018"/>
-            <a:ext cx="1193799" cy="223984"/>
-          </a:xfrm>
-          <a:prstGeom prst="roundRect">
-            <a:avLst/>
-          </a:prstGeom>
-          <a:noFill/>
-          <a:ln w="57150">
-            <a:solidFill>
-              <a:srgbClr val="0070C0"/>
-            </a:solidFill>
-          </a:ln>
-        </p:spPr>
-        <p:style>
-          <a:lnRef idx="2">
-            <a:schemeClr val="accent1">
-              <a:shade val="50000"/>
-            </a:schemeClr>
-          </a:lnRef>
-          <a:fillRef idx="1">
-            <a:schemeClr val="accent1"/>
-          </a:fillRef>
-          <a:effectRef idx="0">
-            <a:schemeClr val="accent1"/>
-          </a:effectRef>
-          <a:fontRef idx="minor">
-            <a:schemeClr val="lt1"/>
-          </a:fontRef>
-        </p:style>
-        <p:txBody>
-          <a:bodyPr rtlCol="0" anchor="ctr"/>
-          <a:lstStyle/>
-          <a:p>
-            <a:pPr algn="ctr"/>
-            <a:endParaRPr lang="ko-KR" altLang="en-US" dirty="0"/>
-          </a:p>
-        </p:txBody>
-      </p:sp>
-      <p:sp>
-        <p:nvSpPr>
-          <p:cNvPr id="29" name="모서리가 둥근 직사각형 28"/>
-          <p:cNvSpPr/>
-          <p:nvPr/>
-        </p:nvSpPr>
-        <p:spPr>
-          <a:xfrm>
-            <a:off x="3558269" y="4905944"/>
-            <a:ext cx="649500" cy="223984"/>
-          </a:xfrm>
-          <a:prstGeom prst="roundRect">
-            <a:avLst/>
-          </a:prstGeom>
-          <a:noFill/>
-          <a:ln w="57150">
-            <a:solidFill>
-              <a:srgbClr val="0070C0"/>
-            </a:solidFill>
-          </a:ln>
-        </p:spPr>
-        <p:style>
-          <a:lnRef idx="2">
-            <a:schemeClr val="accent1">
-              <a:shade val="50000"/>
-            </a:schemeClr>
-          </a:lnRef>
-          <a:fillRef idx="1">
-            <a:schemeClr val="accent1"/>
-          </a:fillRef>
-          <a:effectRef idx="0">
-            <a:schemeClr val="accent1"/>
-          </a:effectRef>
-          <a:fontRef idx="minor">
-            <a:schemeClr val="lt1"/>
-          </a:fontRef>
-        </p:style>
-        <p:txBody>
-          <a:bodyPr rtlCol="0" anchor="ctr"/>
-          <a:lstStyle/>
-          <a:p>
-            <a:pPr algn="ctr"/>
-            <a:endParaRPr lang="ko-KR" altLang="en-US" dirty="0"/>
-          </a:p>
-        </p:txBody>
-      </p:sp>
-      <p:sp>
-        <p:nvSpPr>
-          <p:cNvPr id="30" name="오른쪽 화살표 29"/>
-          <p:cNvSpPr/>
-          <p:nvPr/>
-        </p:nvSpPr>
-        <p:spPr>
-          <a:xfrm rot="5400000">
-            <a:off x="2047916" y="3841004"/>
-            <a:ext cx="1278544" cy="517599"/>
-          </a:xfrm>
-          <a:prstGeom prst="rightArrow">
-            <a:avLst/>
-          </a:prstGeom>
-          <a:solidFill>
-            <a:srgbClr val="0070C0"/>
-          </a:solidFill>
-          <a:ln>
-            <a:noFill/>
-          </a:ln>
-        </p:spPr>
-        <p:style>
-          <a:lnRef idx="2">
-            <a:schemeClr val="accent1">
-              <a:shade val="50000"/>
-            </a:schemeClr>
-          </a:lnRef>
-          <a:fillRef idx="1">
-            <a:schemeClr val="accent1"/>
-          </a:fillRef>
-          <a:effectRef idx="0">
-            <a:schemeClr val="accent1"/>
-          </a:effectRef>
-          <a:fontRef idx="minor">
-            <a:schemeClr val="lt1"/>
-          </a:fontRef>
-        </p:style>
-        <p:txBody>
-          <a:bodyPr rtlCol="0" anchor="ctr"/>
-          <a:lstStyle/>
-          <a:p>
-            <a:pPr algn="ctr"/>
-            <a:endParaRPr lang="ko-KR" altLang="en-US"/>
-          </a:p>
-        </p:txBody>
-      </p:sp>
-      <p:pic>
-        <p:nvPicPr>
-          <p:cNvPr id="7174" name="Picture 6"/>
+          <p:cNvPr id="23" name="Picture 6"/>
           <p:cNvPicPr>
             <a:picLocks noChangeAspect="1" noChangeArrowheads="1"/>
           </p:cNvPicPr>
@@ -10713,7 +12854,7 @@
         </p:blipFill>
         <p:spPr bwMode="auto">
           <a:xfrm>
-            <a:off x="5574018" y="5090714"/>
+            <a:off x="1103370" y="5185792"/>
             <a:ext cx="3112782" cy="1249283"/>
           </a:xfrm>
           <a:prstGeom prst="rect">
@@ -10746,13 +12887,13 @@
       </p:pic>
       <p:sp>
         <p:nvSpPr>
-          <p:cNvPr id="31" name="모서리가 둥근 직사각형 30"/>
+          <p:cNvPr id="24" name="모서리가 둥근 직사각형 23"/>
           <p:cNvSpPr/>
           <p:nvPr/>
         </p:nvSpPr>
         <p:spPr>
           <a:xfrm>
-            <a:off x="5502009" y="5296757"/>
+            <a:off x="1031361" y="5391835"/>
             <a:ext cx="3112783" cy="998961"/>
           </a:xfrm>
           <a:prstGeom prst="roundRect">
@@ -10792,13 +12933,13 @@
       </p:sp>
       <p:sp>
         <p:nvSpPr>
-          <p:cNvPr id="10" name="오른쪽 화살표 9"/>
+          <p:cNvPr id="26" name="오른쪽 화살표 25"/>
           <p:cNvSpPr/>
           <p:nvPr/>
         </p:nvSpPr>
         <p:spPr>
           <a:xfrm rot="5400000">
-            <a:off x="6464735" y="4791066"/>
+            <a:off x="1994087" y="4886144"/>
             <a:ext cx="1095631" cy="517599"/>
           </a:xfrm>
           <a:prstGeom prst="rightArrow">
@@ -10846,6 +12987,13 @@
   <p:clrMapOvr>
     <a:masterClrMapping/>
   </p:clrMapOvr>
+  <p:timing>
+    <p:tnLst>
+      <p:par>
+        <p:cTn id="1" dur="indefinite" restart="never" nodeType="tmRoot"/>
+      </p:par>
+    </p:tnLst>
+  </p:timing>
 </p:sld>
 </file>
 
@@ -10925,52 +13073,6 @@
               <a:rPr lang="ko-KR" altLang="en-US" sz="1600" dirty="0" smtClean="0"/>
               <a:t>홈페이지 에서 내용 확인</a:t>
             </a:r>
-            <a:endParaRPr lang="en-US" altLang="ko-KR" sz="1600" dirty="0" smtClean="0"/>
-          </a:p>
-          <a:p>
-            <a:pPr>
-              <a:buAutoNum type="arabicPeriod" startAt="8"/>
-            </a:pPr>
-            <a:r>
-              <a:rPr lang="en-US" altLang="ko-KR" sz="1600" dirty="0" smtClean="0"/>
-              <a:t>URL</a:t>
-            </a:r>
-            <a:r>
-              <a:rPr lang="ko-KR" altLang="en-US" sz="1600" dirty="0" smtClean="0"/>
-              <a:t>복사</a:t>
-            </a:r>
-            <a:endParaRPr lang="en-US" altLang="ko-KR" sz="1600" dirty="0" smtClean="0"/>
-          </a:p>
-          <a:p>
-            <a:pPr lvl="1">
-              <a:buBlip>
-                <a:blip r:embed="rId2"/>
-              </a:buBlip>
-            </a:pPr>
-            <a:r>
-              <a:rPr lang="ko-KR" altLang="en-US" sz="1400" dirty="0" err="1" smtClean="0"/>
-              <a:t>댓글</a:t>
-            </a:r>
-            <a:r>
-              <a:rPr lang="ko-KR" altLang="en-US" sz="1400" dirty="0" smtClean="0"/>
-              <a:t> </a:t>
-            </a:r>
-            <a:r>
-              <a:rPr lang="ko-KR" altLang="en-US" sz="1400" dirty="0" err="1" smtClean="0"/>
-              <a:t>설정시</a:t>
-            </a:r>
-            <a:r>
-              <a:rPr lang="ko-KR" altLang="en-US" sz="1400" dirty="0" smtClean="0"/>
-              <a:t> 필요</a:t>
-            </a:r>
-            <a:endParaRPr lang="en-US" altLang="ko-KR" sz="1400" dirty="0"/>
-          </a:p>
-          <a:p>
-            <a:pPr lvl="1">
-              <a:buBlip>
-                <a:blip r:embed="rId2"/>
-              </a:buBlip>
-            </a:pPr>
             <a:endParaRPr lang="en-US" altLang="ko-KR" sz="1400" dirty="0" smtClean="0"/>
           </a:p>
           <a:p>
@@ -11035,15 +13137,23 @@
             </a:pPr>
             <a:r>
               <a:rPr lang="en-US" altLang="ko-KR" sz="1600" dirty="0" smtClean="0"/>
-              <a:t>7.     </a:t>
+              <a:t>10. </a:t>
+            </a:r>
+            <a:r>
+              <a:rPr lang="en-US" altLang="ko-KR" sz="1600" dirty="0" smtClean="0"/>
+              <a:t>    </a:t>
             </a:r>
             <a:r>
               <a:rPr lang="ko-KR" altLang="en-US" sz="1600" dirty="0" smtClean="0"/>
-              <a:t>글 </a:t>
+              <a:t>왼쪽 </a:t>
             </a:r>
             <a:r>
               <a:rPr lang="ko-KR" altLang="en-US" sz="1600" dirty="0" err="1" smtClean="0"/>
-              <a:t>댓글설정</a:t>
+              <a:t>메뉴바</a:t>
+            </a:r>
+            <a:r>
+              <a:rPr lang="ko-KR" altLang="en-US" sz="1600" dirty="0" smtClean="0"/>
+              <a:t> 이동</a:t>
             </a:r>
             <a:endParaRPr lang="en-US" altLang="ko-KR" sz="1600" dirty="0" smtClean="0"/>
           </a:p>
@@ -11054,12 +13164,16 @@
               </a:buBlip>
             </a:pPr>
             <a:r>
-              <a:rPr lang="ko-KR" altLang="en-US" sz="1400" dirty="0" err="1" smtClean="0"/>
-              <a:t>소셜댓글</a:t>
+              <a:rPr lang="en-US" altLang="ko-KR" sz="1400" dirty="0" err="1" smtClean="0"/>
+              <a:t>Kboard</a:t>
+            </a:r>
+            <a:r>
+              <a:rPr lang="en-US" altLang="ko-KR" sz="1400" dirty="0" smtClean="0"/>
+              <a:t> &gt; </a:t>
             </a:r>
             <a:r>
               <a:rPr lang="ko-KR" altLang="en-US" sz="1400" dirty="0" smtClean="0"/>
-              <a:t> 사이트 이동</a:t>
+              <a:t>게시판 생성</a:t>
             </a:r>
             <a:r>
               <a:rPr lang="en-US" altLang="ko-KR" sz="1400" dirty="0" smtClean="0"/>
@@ -11068,122 +13182,20 @@
             <a:br>
               <a:rPr lang="en-US" altLang="ko-KR" sz="1400" dirty="0" smtClean="0"/>
             </a:br>
-            <a:r>
-              <a:rPr lang="en-US" altLang="ko-KR" sz="1400" dirty="0" smtClean="0">
-                <a:hlinkClick r:id="rId3"/>
-              </a:rPr>
-              <a:t>http://www.cosmosfarm.com/plugin/comments/install/1639</a:t>
-            </a:r>
             <a:endParaRPr lang="en-US" altLang="ko-KR" sz="1400" dirty="0" smtClean="0"/>
-          </a:p>
-          <a:p>
-            <a:pPr lvl="1">
-              <a:buBlip>
-                <a:blip r:embed="rId2"/>
-              </a:buBlip>
-            </a:pPr>
-            <a:r>
-              <a:rPr lang="ko-KR" altLang="en-US" sz="1400" dirty="0" err="1" smtClean="0"/>
-              <a:t>구글로그인</a:t>
-            </a:r>
-            <a:endParaRPr lang="en-US" altLang="ko-KR" sz="1400" dirty="0" smtClean="0"/>
-          </a:p>
-          <a:p>
-            <a:pPr lvl="2">
-              <a:buBlip>
-                <a:blip r:embed="rId2"/>
-              </a:buBlip>
-            </a:pPr>
-            <a:r>
-              <a:rPr lang="ko-KR" altLang="en-US" sz="1200" dirty="0" smtClean="0"/>
-              <a:t> 아이디     </a:t>
-            </a:r>
-            <a:r>
-              <a:rPr lang="en-US" altLang="ko-KR" sz="1200" dirty="0" smtClean="0"/>
-              <a:t>: </a:t>
-            </a:r>
-            <a:r>
-              <a:rPr lang="en-US" altLang="ko-KR" sz="1200" dirty="0" smtClean="0">
-                <a:hlinkClick r:id="rId4"/>
-              </a:rPr>
-              <a:t>selvi0213git@gmail.com</a:t>
-            </a:r>
-            <a:endParaRPr lang="en-US" altLang="ko-KR" sz="1200" dirty="0" smtClean="0"/>
-          </a:p>
-          <a:p>
-            <a:pPr lvl="2">
-              <a:buBlip>
-                <a:blip r:embed="rId2"/>
-              </a:buBlip>
-            </a:pPr>
-            <a:r>
-              <a:rPr lang="en-US" altLang="ko-KR" sz="1200" dirty="0"/>
-              <a:t> </a:t>
-            </a:r>
-            <a:r>
-              <a:rPr lang="ko-KR" altLang="en-US" sz="1200" dirty="0" smtClean="0"/>
-              <a:t>비밀번호  </a:t>
-            </a:r>
-            <a:r>
-              <a:rPr lang="en-US" altLang="ko-KR" sz="1200" dirty="0" smtClean="0"/>
-              <a:t>: selvi0213</a:t>
-            </a:r>
-          </a:p>
-          <a:p>
-            <a:pPr marL="914400" lvl="2" indent="0">
-              <a:buNone/>
-            </a:pPr>
-            <a:r>
-              <a:rPr lang="en-US" altLang="ko-KR" sz="1200" dirty="0" smtClean="0"/>
-              <a:t>     (</a:t>
-            </a:r>
-            <a:r>
-              <a:rPr lang="ko-KR" altLang="en-US" sz="1200" dirty="0" err="1" smtClean="0"/>
-              <a:t>로그인이안될때</a:t>
-            </a:r>
-            <a:r>
-              <a:rPr lang="ko-KR" altLang="en-US" sz="1200" dirty="0" smtClean="0"/>
-              <a:t> </a:t>
-            </a:r>
-            <a:r>
-              <a:rPr lang="en-US" altLang="ko-KR" sz="1200" dirty="0" smtClean="0"/>
-              <a:t>QA</a:t>
-            </a:r>
-            <a:r>
-              <a:rPr lang="ko-KR" altLang="en-US" sz="1200" dirty="0" smtClean="0"/>
-              <a:t>참조 </a:t>
-            </a:r>
-            <a:r>
-              <a:rPr lang="en-US" altLang="ko-KR" sz="1200" dirty="0" smtClean="0"/>
-              <a:t>-</a:t>
-            </a:r>
-            <a:r>
-              <a:rPr lang="en-US" altLang="ko-KR" sz="1200" dirty="0" smtClean="0">
-                <a:hlinkClick r:id="rId5" action="ppaction://hlinksldjump"/>
-              </a:rPr>
-              <a:t>11page</a:t>
-            </a:r>
-            <a:r>
-              <a:rPr lang="en-US" altLang="ko-KR" sz="1200" dirty="0" smtClean="0"/>
-              <a:t>) </a:t>
-            </a:r>
-            <a:br>
-              <a:rPr lang="en-US" altLang="ko-KR" sz="1200" dirty="0" smtClean="0"/>
-            </a:br>
-            <a:endParaRPr lang="en-US" altLang="ko-KR" sz="1200" dirty="0" smtClean="0"/>
           </a:p>
         </p:txBody>
       </p:sp>
       <p:pic>
         <p:nvPicPr>
-          <p:cNvPr id="7172" name="Picture 4"/>
+          <p:cNvPr id="9218" name="Picture 2"/>
           <p:cNvPicPr>
             <a:picLocks noChangeAspect="1" noChangeArrowheads="1"/>
           </p:cNvPicPr>
           <p:nvPr/>
         </p:nvPicPr>
         <p:blipFill>
-          <a:blip r:embed="rId6">
+          <a:blip r:embed="rId3">
             <a:extLst>
               <a:ext uri="{28A0092B-C50C-407E-A947-70E740481C1C}">
                 <a14:useLocalDpi xmlns:a14="http://schemas.microsoft.com/office/drawing/2010/main" val="0"/>
@@ -11197,8 +13209,8 @@
         </p:blipFill>
         <p:spPr bwMode="auto">
           <a:xfrm>
-            <a:off x="5772325" y="3736323"/>
-            <a:ext cx="2419212" cy="2645005"/>
+            <a:off x="755576" y="2492896"/>
+            <a:ext cx="2968745" cy="3702739"/>
           </a:xfrm>
           <a:prstGeom prst="rect">
             <a:avLst/>
@@ -11228,6 +13240,60 @@
           </a:extLst>
         </p:spPr>
       </p:pic>
+      <p:pic>
+        <p:nvPicPr>
+          <p:cNvPr id="1026" name="Picture 2"/>
+          <p:cNvPicPr>
+            <a:picLocks noChangeAspect="1" noChangeArrowheads="1"/>
+          </p:cNvPicPr>
+          <p:nvPr/>
+        </p:nvPicPr>
+        <p:blipFill>
+          <a:blip r:embed="rId4">
+            <a:extLst>
+              <a:ext uri="{28A0092B-C50C-407E-A947-70E740481C1C}">
+                <a14:useLocalDpi xmlns:a14="http://schemas.microsoft.com/office/drawing/2010/main" val="0"/>
+              </a:ext>
+            </a:extLst>
+          </a:blip>
+          <a:srcRect/>
+          <a:stretch>
+            <a:fillRect/>
+          </a:stretch>
+        </p:blipFill>
+        <p:spPr bwMode="auto">
+          <a:xfrm>
+            <a:off x="5368603" y="2276872"/>
+            <a:ext cx="1533525" cy="2809875"/>
+          </a:xfrm>
+          <a:prstGeom prst="rect">
+            <a:avLst/>
+          </a:prstGeom>
+          <a:noFill/>
+          <a:ln>
+            <a:noFill/>
+          </a:ln>
+          <a:extLst>
+            <a:ext uri="{909E8E84-426E-40DD-AFC4-6F175D3DCCD1}">
+              <a14:hiddenFill xmlns:a14="http://schemas.microsoft.com/office/drawing/2010/main">
+                <a:solidFill>
+                  <a:schemeClr val="accent1"/>
+                </a:solidFill>
+              </a14:hiddenFill>
+            </a:ext>
+            <a:ext uri="{91240B29-F687-4F45-9708-019B960494DF}">
+              <a14:hiddenLine xmlns:a14="http://schemas.microsoft.com/office/drawing/2010/main" w="9525">
+                <a:solidFill>
+                  <a:schemeClr val="tx1"/>
+                </a:solidFill>
+                <a:miter lim="800000"/>
+                <a:headEnd/>
+                <a:tailEnd/>
+              </a14:hiddenLine>
+            </a:ext>
+          </a:extLst>
+        </p:spPr>
+      </p:pic>
       <p:sp>
         <p:nvSpPr>
           <p:cNvPr id="25" name="모서리가 둥근 직사각형 24"/>
@@ -11236,8 +13302,8 @@
         </p:nvSpPr>
         <p:spPr>
           <a:xfrm>
-            <a:off x="5940152" y="6071677"/>
-            <a:ext cx="1041779" cy="247917"/>
+            <a:off x="5368603" y="3469115"/>
+            <a:ext cx="1533525" cy="247917"/>
           </a:xfrm>
           <a:prstGeom prst="roundRect">
             <a:avLst/>
@@ -11274,79 +13340,25 @@
           </a:p>
         </p:txBody>
       </p:sp>
-      <p:pic>
-        <p:nvPicPr>
-          <p:cNvPr id="9218" name="Picture 2"/>
-          <p:cNvPicPr>
-            <a:picLocks noChangeAspect="1" noChangeArrowheads="1"/>
-          </p:cNvPicPr>
+      <p:sp>
+        <p:nvSpPr>
+          <p:cNvPr id="10" name="오른쪽 화살표 9"/>
+          <p:cNvSpPr/>
           <p:nvPr/>
-        </p:nvPicPr>
-        <p:blipFill>
-          <a:blip r:embed="rId7">
-            <a:extLst>
-              <a:ext uri="{28A0092B-C50C-407E-A947-70E740481C1C}">
-                <a14:useLocalDpi xmlns:a14="http://schemas.microsoft.com/office/drawing/2010/main" val="0"/>
-              </a:ext>
-            </a:extLst>
-          </a:blip>
-          <a:srcRect/>
-          <a:stretch>
-            <a:fillRect/>
-          </a:stretch>
-        </p:blipFill>
-        <p:spPr bwMode="auto">
+        </p:nvSpPr>
+        <p:spPr>
           <a:xfrm>
-            <a:off x="971600" y="3005761"/>
-            <a:ext cx="2457450" cy="3065031"/>
+            <a:off x="6902128" y="3334273"/>
+            <a:ext cx="1368153" cy="517599"/>
           </a:xfrm>
-          <a:prstGeom prst="rect">
+          <a:prstGeom prst="rightArrow">
             <a:avLst/>
           </a:prstGeom>
-          <a:noFill/>
+          <a:solidFill>
+            <a:srgbClr val="0070C0"/>
+          </a:solidFill>
           <a:ln>
             <a:noFill/>
-          </a:ln>
-          <a:extLst>
-            <a:ext uri="{909E8E84-426E-40DD-AFC4-6F175D3DCCD1}">
-              <a14:hiddenFill xmlns:a14="http://schemas.microsoft.com/office/drawing/2010/main">
-                <a:solidFill>
-                  <a:schemeClr val="accent1"/>
-                </a:solidFill>
-              </a14:hiddenFill>
-            </a:ext>
-            <a:ext uri="{91240B29-F687-4F45-9708-019B960494DF}">
-              <a14:hiddenLine xmlns:a14="http://schemas.microsoft.com/office/drawing/2010/main" w="9525">
-                <a:solidFill>
-                  <a:schemeClr val="tx1"/>
-                </a:solidFill>
-                <a:miter lim="800000"/>
-                <a:headEnd/>
-                <a:tailEnd/>
-              </a14:hiddenLine>
-            </a:ext>
-          </a:extLst>
-        </p:spPr>
-      </p:pic>
-      <p:sp>
-        <p:nvSpPr>
-          <p:cNvPr id="13" name="모서리가 둥근 직사각형 12"/>
-          <p:cNvSpPr/>
-          <p:nvPr/>
-        </p:nvSpPr>
-        <p:spPr>
-          <a:xfrm>
-            <a:off x="1679435" y="2881802"/>
-            <a:ext cx="1668429" cy="247917"/>
-          </a:xfrm>
-          <a:prstGeom prst="roundRect">
-            <a:avLst/>
-          </a:prstGeom>
-          <a:noFill/>
-          <a:ln w="57150">
-            <a:solidFill>
-              <a:srgbClr val="0070C0"/>
-            </a:solidFill>
           </a:ln>
         </p:spPr>
         <p:style>
@@ -11370,7 +13382,7 @@
           <a:lstStyle/>
           <a:p>
             <a:pPr algn="ctr"/>
-            <a:endParaRPr lang="ko-KR" altLang="en-US" dirty="0"/>
+            <a:endParaRPr lang="ko-KR" altLang="en-US"/>
           </a:p>
         </p:txBody>
       </p:sp>
@@ -11384,6 +13396,13 @@
   <p:clrMapOvr>
     <a:masterClrMapping/>
   </p:clrMapOvr>
+  <p:timing>
+    <p:tnLst>
+      <p:par>
+        <p:cTn id="1" dur="indefinite" restart="never" nodeType="tmRoot"/>
+      </p:par>
+    </p:tnLst>
+  </p:timing>
 </p:sld>
 </file>
 

--- a/01.docs/[SELVI] 사이트 운영 가이드.pptx
+++ b/01.docs/[SELVI] 사이트 운영 가이드.pptx
@@ -5,7 +5,7 @@
     <p:sldMasterId id="2147483648" r:id="rId1"/>
   </p:sldMasterIdLst>
   <p:handoutMasterIdLst>
-    <p:handoutMasterId r:id="rId18"/>
+    <p:handoutMasterId r:id="rId19"/>
   </p:handoutMasterIdLst>
   <p:sldIdLst>
     <p:sldId id="256" r:id="rId2"/>
@@ -24,6 +24,7 @@
     <p:sldId id="273" r:id="rId15"/>
     <p:sldId id="274" r:id="rId16"/>
     <p:sldId id="276" r:id="rId17"/>
+    <p:sldId id="277" r:id="rId18"/>
   </p:sldIdLst>
   <p:sldSz cx="9144000" cy="6858000" type="screen4x3"/>
   <p:notesSz cx="6858000" cy="9144000"/>
@@ -207,7 +208,7 @@
           <a:p>
             <a:fld id="{DE940DAD-0BAE-4483-B2D1-3A71AEA6A761}" type="datetimeFigureOut">
               <a:rPr lang="ko-KR" altLang="en-US" smtClean="0"/>
-              <a:t>2017-05-23</a:t>
+              <a:t>2017-05-24</a:t>
             </a:fld>
             <a:endParaRPr lang="ko-KR" altLang="en-US"/>
           </a:p>
@@ -471,7 +472,7 @@
           <a:p>
             <a:fld id="{704D2C6A-BAC9-49A9-8FD6-B9DB2061A8D2}" type="datetimeFigureOut">
               <a:rPr lang="ko-KR" altLang="en-US" smtClean="0"/>
-              <a:t>2017-05-23</a:t>
+              <a:t>2017-05-24</a:t>
             </a:fld>
             <a:endParaRPr lang="ko-KR" altLang="en-US"/>
           </a:p>
@@ -641,7 +642,7 @@
           <a:p>
             <a:fld id="{704D2C6A-BAC9-49A9-8FD6-B9DB2061A8D2}" type="datetimeFigureOut">
               <a:rPr lang="ko-KR" altLang="en-US" smtClean="0"/>
-              <a:t>2017-05-23</a:t>
+              <a:t>2017-05-24</a:t>
             </a:fld>
             <a:endParaRPr lang="ko-KR" altLang="en-US"/>
           </a:p>
@@ -821,7 +822,7 @@
           <a:p>
             <a:fld id="{704D2C6A-BAC9-49A9-8FD6-B9DB2061A8D2}" type="datetimeFigureOut">
               <a:rPr lang="ko-KR" altLang="en-US" smtClean="0"/>
-              <a:t>2017-05-23</a:t>
+              <a:t>2017-05-24</a:t>
             </a:fld>
             <a:endParaRPr lang="ko-KR" altLang="en-US"/>
           </a:p>
@@ -991,7 +992,7 @@
           <a:p>
             <a:fld id="{704D2C6A-BAC9-49A9-8FD6-B9DB2061A8D2}" type="datetimeFigureOut">
               <a:rPr lang="ko-KR" altLang="en-US" smtClean="0"/>
-              <a:t>2017-05-23</a:t>
+              <a:t>2017-05-24</a:t>
             </a:fld>
             <a:endParaRPr lang="ko-KR" altLang="en-US"/>
           </a:p>
@@ -1237,7 +1238,7 @@
           <a:p>
             <a:fld id="{704D2C6A-BAC9-49A9-8FD6-B9DB2061A8D2}" type="datetimeFigureOut">
               <a:rPr lang="ko-KR" altLang="en-US" smtClean="0"/>
-              <a:t>2017-05-23</a:t>
+              <a:t>2017-05-24</a:t>
             </a:fld>
             <a:endParaRPr lang="ko-KR" altLang="en-US"/>
           </a:p>
@@ -1525,7 +1526,7 @@
           <a:p>
             <a:fld id="{704D2C6A-BAC9-49A9-8FD6-B9DB2061A8D2}" type="datetimeFigureOut">
               <a:rPr lang="ko-KR" altLang="en-US" smtClean="0"/>
-              <a:t>2017-05-23</a:t>
+              <a:t>2017-05-24</a:t>
             </a:fld>
             <a:endParaRPr lang="ko-KR" altLang="en-US"/>
           </a:p>
@@ -1947,7 +1948,7 @@
           <a:p>
             <a:fld id="{704D2C6A-BAC9-49A9-8FD6-B9DB2061A8D2}" type="datetimeFigureOut">
               <a:rPr lang="ko-KR" altLang="en-US" smtClean="0"/>
-              <a:t>2017-05-23</a:t>
+              <a:t>2017-05-24</a:t>
             </a:fld>
             <a:endParaRPr lang="ko-KR" altLang="en-US"/>
           </a:p>
@@ -2065,7 +2066,7 @@
           <a:p>
             <a:fld id="{704D2C6A-BAC9-49A9-8FD6-B9DB2061A8D2}" type="datetimeFigureOut">
               <a:rPr lang="ko-KR" altLang="en-US" smtClean="0"/>
-              <a:t>2017-05-23</a:t>
+              <a:t>2017-05-24</a:t>
             </a:fld>
             <a:endParaRPr lang="ko-KR" altLang="en-US"/>
           </a:p>
@@ -2160,7 +2161,7 @@
           <a:p>
             <a:fld id="{704D2C6A-BAC9-49A9-8FD6-B9DB2061A8D2}" type="datetimeFigureOut">
               <a:rPr lang="ko-KR" altLang="en-US" smtClean="0"/>
-              <a:t>2017-05-23</a:t>
+              <a:t>2017-05-24</a:t>
             </a:fld>
             <a:endParaRPr lang="ko-KR" altLang="en-US"/>
           </a:p>
@@ -2437,7 +2438,7 @@
           <a:p>
             <a:fld id="{704D2C6A-BAC9-49A9-8FD6-B9DB2061A8D2}" type="datetimeFigureOut">
               <a:rPr lang="ko-KR" altLang="en-US" smtClean="0"/>
-              <a:t>2017-05-23</a:t>
+              <a:t>2017-05-24</a:t>
             </a:fld>
             <a:endParaRPr lang="ko-KR" altLang="en-US"/>
           </a:p>
@@ -2690,7 +2691,7 @@
           <a:p>
             <a:fld id="{704D2C6A-BAC9-49A9-8FD6-B9DB2061A8D2}" type="datetimeFigureOut">
               <a:rPr lang="ko-KR" altLang="en-US" smtClean="0"/>
-              <a:t>2017-05-23</a:t>
+              <a:t>2017-05-24</a:t>
             </a:fld>
             <a:endParaRPr lang="ko-KR" altLang="en-US"/>
           </a:p>
@@ -2955,7 +2956,7 @@
           <a:p>
             <a:fld id="{704D2C6A-BAC9-49A9-8FD6-B9DB2061A8D2}" type="datetimeFigureOut">
               <a:rPr lang="ko-KR" altLang="en-US" smtClean="0"/>
-              <a:t>2017-05-23</a:t>
+              <a:t>2017-05-24</a:t>
             </a:fld>
             <a:endParaRPr lang="ko-KR" altLang="en-US"/>
           </a:p>
@@ -4362,7 +4363,30 @@
             </a:r>
             <a:r>
               <a:rPr lang="ko-KR" altLang="en-US" sz="1400" dirty="0" smtClean="0"/>
-              <a:t> 알림 설정</a:t>
+              <a:t> 알림 </a:t>
+            </a:r>
+            <a:r>
+              <a:rPr lang="ko-KR" altLang="en-US" sz="1400" dirty="0" smtClean="0"/>
+              <a:t>설정</a:t>
+            </a:r>
+            <a:r>
+              <a:rPr lang="en-US" altLang="ko-KR" sz="1400" dirty="0" smtClean="0"/>
+              <a:t/>
+            </a:r>
+            <a:br>
+              <a:rPr lang="en-US" altLang="ko-KR" sz="1400" dirty="0" smtClean="0"/>
+            </a:br>
+            <a:r>
+              <a:rPr lang="en-US" altLang="ko-KR" sz="1400" dirty="0" smtClean="0"/>
+              <a:t>     &gt; </a:t>
+            </a:r>
+            <a:r>
+              <a:rPr lang="ko-KR" altLang="en-US" sz="1400" dirty="0" err="1" smtClean="0"/>
+              <a:t>공유버튼보이기</a:t>
+            </a:r>
+            <a:r>
+              <a:rPr lang="ko-KR" altLang="en-US" sz="1400" dirty="0" smtClean="0"/>
+              <a:t> 체크해제</a:t>
             </a:r>
             <a:endParaRPr lang="en-US" altLang="ko-KR" sz="1400" dirty="0" smtClean="0"/>
           </a:p>
@@ -4556,7 +4580,7 @@
         </p:nvSpPr>
         <p:spPr>
           <a:xfrm>
-            <a:off x="1045816" y="3233564"/>
+            <a:off x="1045816" y="3419020"/>
             <a:ext cx="1221928" cy="294944"/>
           </a:xfrm>
           <a:prstGeom prst="roundRect">
@@ -4602,7 +4626,7 @@
         </p:nvSpPr>
         <p:spPr>
           <a:xfrm>
-            <a:off x="1043236" y="4457700"/>
+            <a:off x="1043236" y="4643156"/>
             <a:ext cx="1728564" cy="294944"/>
           </a:xfrm>
           <a:prstGeom prst="roundRect">
@@ -4663,7 +4687,7 @@
         </p:blipFill>
         <p:spPr bwMode="auto">
           <a:xfrm>
-            <a:off x="467544" y="2708920"/>
+            <a:off x="467544" y="2894376"/>
             <a:ext cx="3320576" cy="3126482"/>
           </a:xfrm>
           <a:prstGeom prst="rect">
@@ -4717,7 +4741,7 @@
         </p:blipFill>
         <p:spPr bwMode="auto">
           <a:xfrm>
-            <a:off x="755576" y="4941168"/>
+            <a:off x="755576" y="5126624"/>
             <a:ext cx="3600400" cy="1208220"/>
           </a:xfrm>
           <a:prstGeom prst="rect">
@@ -4756,7 +4780,7 @@
         </p:nvSpPr>
         <p:spPr>
           <a:xfrm>
-            <a:off x="467544" y="3920543"/>
+            <a:off x="467544" y="4105999"/>
             <a:ext cx="2436666" cy="223984"/>
           </a:xfrm>
           <a:prstGeom prst="roundRect">
@@ -4802,7 +4826,7 @@
         </p:nvSpPr>
         <p:spPr>
           <a:xfrm>
-            <a:off x="772974" y="5703202"/>
+            <a:off x="772974" y="5888658"/>
             <a:ext cx="3510994" cy="246078"/>
           </a:xfrm>
           <a:prstGeom prst="roundRect">
@@ -4848,7 +4872,7 @@
         </p:nvSpPr>
         <p:spPr>
           <a:xfrm>
-            <a:off x="467544" y="3593604"/>
+            <a:off x="467544" y="3779060"/>
             <a:ext cx="623715" cy="223984"/>
           </a:xfrm>
           <a:prstGeom prst="roundRect">
@@ -4909,7 +4933,7 @@
         </p:blipFill>
         <p:spPr bwMode="auto">
           <a:xfrm>
-            <a:off x="3216620" y="6246920"/>
+            <a:off x="3216620" y="6432376"/>
             <a:ext cx="1143000" cy="381000"/>
           </a:xfrm>
           <a:prstGeom prst="rect">
@@ -5048,8 +5072,108 @@
         </p:nvSpPr>
         <p:spPr>
           <a:xfrm>
-            <a:off x="3228205" y="6270792"/>
+            <a:off x="3228205" y="6456248"/>
             <a:ext cx="1055763" cy="326560"/>
+          </a:xfrm>
+          <a:prstGeom prst="roundRect">
+            <a:avLst/>
+          </a:prstGeom>
+          <a:noFill/>
+          <a:ln w="57150">
+            <a:solidFill>
+              <a:srgbClr val="0070C0"/>
+            </a:solidFill>
+          </a:ln>
+        </p:spPr>
+        <p:style>
+          <a:lnRef idx="2">
+            <a:schemeClr val="accent1">
+              <a:shade val="50000"/>
+            </a:schemeClr>
+          </a:lnRef>
+          <a:fillRef idx="1">
+            <a:schemeClr val="accent1"/>
+          </a:fillRef>
+          <a:effectRef idx="0">
+            <a:schemeClr val="accent1"/>
+          </a:effectRef>
+          <a:fontRef idx="minor">
+            <a:schemeClr val="lt1"/>
+          </a:fontRef>
+        </p:style>
+        <p:txBody>
+          <a:bodyPr rtlCol="0" anchor="ctr"/>
+          <a:lstStyle/>
+          <a:p>
+            <a:pPr algn="ctr"/>
+            <a:endParaRPr lang="ko-KR" altLang="en-US" dirty="0"/>
+          </a:p>
+        </p:txBody>
+      </p:sp>
+      <p:pic>
+        <p:nvPicPr>
+          <p:cNvPr id="1026" name="Picture 2"/>
+          <p:cNvPicPr>
+            <a:picLocks noChangeAspect="1" noChangeArrowheads="1"/>
+          </p:cNvPicPr>
+          <p:nvPr/>
+        </p:nvPicPr>
+        <p:blipFill>
+          <a:blip r:embed="rId7">
+            <a:extLst>
+              <a:ext uri="{28A0092B-C50C-407E-A947-70E740481C1C}">
+                <a14:useLocalDpi xmlns:a14="http://schemas.microsoft.com/office/drawing/2010/main" val="0"/>
+              </a:ext>
+            </a:extLst>
+          </a:blip>
+          <a:srcRect/>
+          <a:stretch>
+            <a:fillRect/>
+          </a:stretch>
+        </p:blipFill>
+        <p:spPr bwMode="auto">
+          <a:xfrm>
+            <a:off x="1042271" y="6334844"/>
+            <a:ext cx="1861939" cy="354561"/>
+          </a:xfrm>
+          <a:prstGeom prst="rect">
+            <a:avLst/>
+          </a:prstGeom>
+          <a:noFill/>
+          <a:ln>
+            <a:noFill/>
+          </a:ln>
+          <a:extLst>
+            <a:ext uri="{909E8E84-426E-40DD-AFC4-6F175D3DCCD1}">
+              <a14:hiddenFill xmlns:a14="http://schemas.microsoft.com/office/drawing/2010/main">
+                <a:solidFill>
+                  <a:schemeClr val="accent1"/>
+                </a:solidFill>
+              </a14:hiddenFill>
+            </a:ext>
+            <a:ext uri="{91240B29-F687-4F45-9708-019B960494DF}">
+              <a14:hiddenLine xmlns:a14="http://schemas.microsoft.com/office/drawing/2010/main" w="9525">
+                <a:solidFill>
+                  <a:schemeClr val="tx1"/>
+                </a:solidFill>
+                <a:miter lim="800000"/>
+                <a:headEnd/>
+                <a:tailEnd/>
+              </a14:hiddenLine>
+            </a:ext>
+          </a:extLst>
+        </p:spPr>
+      </p:pic>
+      <p:sp>
+        <p:nvSpPr>
+          <p:cNvPr id="19" name="모서리가 둥근 직사각형 18"/>
+          <p:cNvSpPr/>
+          <p:nvPr/>
+        </p:nvSpPr>
+        <p:spPr>
+          <a:xfrm>
+            <a:off x="971600" y="6495290"/>
+            <a:ext cx="1202458" cy="246078"/>
           </a:xfrm>
           <a:prstGeom prst="roundRect">
             <a:avLst/>
@@ -9650,6 +9774,1056 @@
 </p:sld>
 </file>
 
+<file path=ppt/slides/slide17.xml><?xml version="1.0" encoding="utf-8"?>
+<p:sld xmlns:a="http://schemas.openxmlformats.org/drawingml/2006/main" xmlns:r="http://schemas.openxmlformats.org/officeDocument/2006/relationships" xmlns:p="http://schemas.openxmlformats.org/presentationml/2006/main">
+  <p:cSld>
+    <p:spTree>
+      <p:nvGrpSpPr>
+        <p:cNvPr id="1" name=""/>
+        <p:cNvGrpSpPr/>
+        <p:nvPr/>
+      </p:nvGrpSpPr>
+      <p:grpSpPr>
+        <a:xfrm>
+          <a:off x="0" y="0"/>
+          <a:ext cx="0" cy="0"/>
+          <a:chOff x="0" y="0"/>
+          <a:chExt cx="0" cy="0"/>
+        </a:xfrm>
+      </p:grpSpPr>
+      <p:pic>
+        <p:nvPicPr>
+          <p:cNvPr id="2050" name="Picture 2"/>
+          <p:cNvPicPr>
+            <a:picLocks noChangeAspect="1" noChangeArrowheads="1"/>
+          </p:cNvPicPr>
+          <p:nvPr/>
+        </p:nvPicPr>
+        <p:blipFill>
+          <a:blip r:embed="rId2">
+            <a:extLst>
+              <a:ext uri="{28A0092B-C50C-407E-A947-70E740481C1C}">
+                <a14:useLocalDpi xmlns:a14="http://schemas.microsoft.com/office/drawing/2010/main" val="0"/>
+              </a:ext>
+            </a:extLst>
+          </a:blip>
+          <a:srcRect/>
+          <a:stretch>
+            <a:fillRect/>
+          </a:stretch>
+        </p:blipFill>
+        <p:spPr bwMode="auto">
+          <a:xfrm>
+            <a:off x="827584" y="2276872"/>
+            <a:ext cx="1524000" cy="1066800"/>
+          </a:xfrm>
+          <a:prstGeom prst="rect">
+            <a:avLst/>
+          </a:prstGeom>
+          <a:noFill/>
+          <a:ln>
+            <a:noFill/>
+          </a:ln>
+          <a:extLst>
+            <a:ext uri="{909E8E84-426E-40DD-AFC4-6F175D3DCCD1}">
+              <a14:hiddenFill xmlns:a14="http://schemas.microsoft.com/office/drawing/2010/main">
+                <a:solidFill>
+                  <a:schemeClr val="accent1"/>
+                </a:solidFill>
+              </a14:hiddenFill>
+            </a:ext>
+            <a:ext uri="{91240B29-F687-4F45-9708-019B960494DF}">
+              <a14:hiddenLine xmlns:a14="http://schemas.microsoft.com/office/drawing/2010/main" w="9525">
+                <a:solidFill>
+                  <a:schemeClr val="tx1"/>
+                </a:solidFill>
+                <a:miter lim="800000"/>
+                <a:headEnd/>
+                <a:tailEnd/>
+              </a14:hiddenLine>
+            </a:ext>
+          </a:extLst>
+        </p:spPr>
+      </p:pic>
+      <p:sp>
+        <p:nvSpPr>
+          <p:cNvPr id="2" name="제목 1"/>
+          <p:cNvSpPr>
+            <a:spLocks noGrp="1"/>
+          </p:cNvSpPr>
+          <p:nvPr>
+            <p:ph type="title"/>
+          </p:nvPr>
+        </p:nvSpPr>
+        <p:spPr/>
+        <p:txBody>
+          <a:bodyPr/>
+          <a:lstStyle/>
+          <a:p>
+            <a:r>
+              <a:rPr lang="en-US" altLang="ko-KR" b="1" dirty="0" smtClean="0"/>
+              <a:t>2-5. </a:t>
+            </a:r>
+            <a:r>
+              <a:rPr lang="ko-KR" altLang="en-US" b="1" dirty="0" smtClean="0"/>
+              <a:t>사이트 통계분석 관리</a:t>
+            </a:r>
+            <a:endParaRPr lang="ko-KR" altLang="en-US" b="1" dirty="0"/>
+          </a:p>
+        </p:txBody>
+      </p:sp>
+      <p:sp>
+        <p:nvSpPr>
+          <p:cNvPr id="12" name="내용 개체 틀 2"/>
+          <p:cNvSpPr txBox="1">
+            <a:spLocks/>
+          </p:cNvSpPr>
+          <p:nvPr/>
+        </p:nvSpPr>
+        <p:spPr>
+          <a:xfrm>
+            <a:off x="467544" y="1639341"/>
+            <a:ext cx="4104456" cy="4525963"/>
+          </a:xfrm>
+          <a:prstGeom prst="rect">
+            <a:avLst/>
+          </a:prstGeom>
+        </p:spPr>
+        <p:txBody>
+          <a:bodyPr vert="horz" lIns="91440" tIns="45720" rIns="91440" bIns="45720" rtlCol="0">
+            <a:normAutofit/>
+          </a:bodyPr>
+          <a:lstStyle>
+            <a:lvl1pPr marL="342900" indent="-342900" algn="l" defTabSz="914400" rtl="0" eaLnBrk="1" latinLnBrk="1" hangingPunct="1">
+              <a:spcBef>
+                <a:spcPct val="20000"/>
+              </a:spcBef>
+              <a:buFont typeface="Arial" panose="020B0604020202020204" pitchFamily="34" charset="0"/>
+              <a:buChar char="•"/>
+              <a:defRPr sz="2800" kern="1200">
+                <a:solidFill>
+                  <a:schemeClr val="tx1"/>
+                </a:solidFill>
+                <a:latin typeface="+mn-lt"/>
+                <a:ea typeface="+mn-ea"/>
+                <a:cs typeface="+mn-cs"/>
+              </a:defRPr>
+            </a:lvl1pPr>
+            <a:lvl2pPr marL="742950" indent="-285750" algn="l" defTabSz="914400" rtl="0" eaLnBrk="1" latinLnBrk="1" hangingPunct="1">
+              <a:spcBef>
+                <a:spcPct val="20000"/>
+              </a:spcBef>
+              <a:buFont typeface="Arial" panose="020B0604020202020204" pitchFamily="34" charset="0"/>
+              <a:buChar char="–"/>
+              <a:defRPr sz="2400" kern="1200">
+                <a:solidFill>
+                  <a:schemeClr val="tx1"/>
+                </a:solidFill>
+                <a:latin typeface="+mn-lt"/>
+                <a:ea typeface="+mn-ea"/>
+                <a:cs typeface="+mn-cs"/>
+              </a:defRPr>
+            </a:lvl2pPr>
+            <a:lvl3pPr marL="1143000" indent="-228600" algn="l" defTabSz="914400" rtl="0" eaLnBrk="1" latinLnBrk="1" hangingPunct="1">
+              <a:spcBef>
+                <a:spcPct val="20000"/>
+              </a:spcBef>
+              <a:buFont typeface="Arial" panose="020B0604020202020204" pitchFamily="34" charset="0"/>
+              <a:buChar char="•"/>
+              <a:defRPr sz="2000" kern="1200">
+                <a:solidFill>
+                  <a:schemeClr val="tx1"/>
+                </a:solidFill>
+                <a:latin typeface="+mn-lt"/>
+                <a:ea typeface="+mn-ea"/>
+                <a:cs typeface="+mn-cs"/>
+              </a:defRPr>
+            </a:lvl3pPr>
+            <a:lvl4pPr marL="1600200" indent="-228600" algn="l" defTabSz="914400" rtl="0" eaLnBrk="1" latinLnBrk="1" hangingPunct="1">
+              <a:spcBef>
+                <a:spcPct val="20000"/>
+              </a:spcBef>
+              <a:buFont typeface="Arial" panose="020B0604020202020204" pitchFamily="34" charset="0"/>
+              <a:buChar char="–"/>
+              <a:defRPr sz="1800" kern="1200">
+                <a:solidFill>
+                  <a:schemeClr val="tx1"/>
+                </a:solidFill>
+                <a:latin typeface="+mn-lt"/>
+                <a:ea typeface="+mn-ea"/>
+                <a:cs typeface="+mn-cs"/>
+              </a:defRPr>
+            </a:lvl4pPr>
+            <a:lvl5pPr marL="2057400" indent="-228600" algn="l" defTabSz="914400" rtl="0" eaLnBrk="1" latinLnBrk="1" hangingPunct="1">
+              <a:spcBef>
+                <a:spcPct val="20000"/>
+              </a:spcBef>
+              <a:buFont typeface="Arial" panose="020B0604020202020204" pitchFamily="34" charset="0"/>
+              <a:buChar char="»"/>
+              <a:defRPr sz="1800" kern="1200">
+                <a:solidFill>
+                  <a:schemeClr val="tx1"/>
+                </a:solidFill>
+                <a:latin typeface="+mn-lt"/>
+                <a:ea typeface="+mn-ea"/>
+                <a:cs typeface="+mn-cs"/>
+              </a:defRPr>
+            </a:lvl5pPr>
+            <a:lvl6pPr marL="2514600" indent="-228600" algn="l" defTabSz="914400" rtl="0" eaLnBrk="1" latinLnBrk="1" hangingPunct="1">
+              <a:spcBef>
+                <a:spcPct val="20000"/>
+              </a:spcBef>
+              <a:buFont typeface="Arial" panose="020B0604020202020204" pitchFamily="34" charset="0"/>
+              <a:buChar char="•"/>
+              <a:defRPr sz="1800" kern="1200">
+                <a:solidFill>
+                  <a:schemeClr val="tx1"/>
+                </a:solidFill>
+                <a:latin typeface="+mn-lt"/>
+                <a:ea typeface="+mn-ea"/>
+                <a:cs typeface="+mn-cs"/>
+              </a:defRPr>
+            </a:lvl6pPr>
+            <a:lvl7pPr marL="2971800" indent="-228600" algn="l" defTabSz="914400" rtl="0" eaLnBrk="1" latinLnBrk="1" hangingPunct="1">
+              <a:spcBef>
+                <a:spcPct val="20000"/>
+              </a:spcBef>
+              <a:buFont typeface="Arial" panose="020B0604020202020204" pitchFamily="34" charset="0"/>
+              <a:buChar char="•"/>
+              <a:defRPr sz="1800" kern="1200">
+                <a:solidFill>
+                  <a:schemeClr val="tx1"/>
+                </a:solidFill>
+                <a:latin typeface="+mn-lt"/>
+                <a:ea typeface="+mn-ea"/>
+                <a:cs typeface="+mn-cs"/>
+              </a:defRPr>
+            </a:lvl7pPr>
+            <a:lvl8pPr marL="3429000" indent="-228600" algn="l" defTabSz="914400" rtl="0" eaLnBrk="1" latinLnBrk="1" hangingPunct="1">
+              <a:spcBef>
+                <a:spcPct val="20000"/>
+              </a:spcBef>
+              <a:buFont typeface="Arial" panose="020B0604020202020204" pitchFamily="34" charset="0"/>
+              <a:buChar char="•"/>
+              <a:defRPr sz="1800" kern="1200">
+                <a:solidFill>
+                  <a:schemeClr val="tx1"/>
+                </a:solidFill>
+                <a:latin typeface="+mn-lt"/>
+                <a:ea typeface="+mn-ea"/>
+                <a:cs typeface="+mn-cs"/>
+              </a:defRPr>
+            </a:lvl8pPr>
+            <a:lvl9pPr marL="3886200" indent="-228600" algn="l" defTabSz="914400" rtl="0" eaLnBrk="1" latinLnBrk="1" hangingPunct="1">
+              <a:spcBef>
+                <a:spcPct val="20000"/>
+              </a:spcBef>
+              <a:buFont typeface="Arial" panose="020B0604020202020204" pitchFamily="34" charset="0"/>
+              <a:buChar char="•"/>
+              <a:defRPr sz="1800" kern="1200">
+                <a:solidFill>
+                  <a:schemeClr val="tx1"/>
+                </a:solidFill>
+                <a:latin typeface="+mn-lt"/>
+                <a:ea typeface="+mn-ea"/>
+                <a:cs typeface="+mn-cs"/>
+              </a:defRPr>
+            </a:lvl9pPr>
+          </a:lstStyle>
+          <a:p>
+            <a:pPr marL="514350" indent="-514350">
+              <a:buFont typeface="+mj-lt"/>
+              <a:buAutoNum type="arabicPeriod"/>
+            </a:pPr>
+            <a:r>
+              <a:rPr lang="ko-KR" altLang="en-US" sz="1600" dirty="0" smtClean="0"/>
+              <a:t>왼쪽 </a:t>
+            </a:r>
+            <a:r>
+              <a:rPr lang="ko-KR" altLang="en-US" sz="1600" dirty="0" err="1" smtClean="0"/>
+              <a:t>메뉴바</a:t>
+            </a:r>
+            <a:r>
+              <a:rPr lang="ko-KR" altLang="en-US" sz="1600" dirty="0" smtClean="0"/>
+              <a:t> 이동</a:t>
+            </a:r>
+            <a:endParaRPr lang="en-US" altLang="ko-KR" sz="1600" dirty="0" smtClean="0"/>
+          </a:p>
+          <a:p>
+            <a:pPr lvl="1">
+              <a:buBlip>
+                <a:blip r:embed="rId3"/>
+              </a:buBlip>
+            </a:pPr>
+            <a:r>
+              <a:rPr lang="ko-KR" altLang="en-US" sz="1400" dirty="0" smtClean="0"/>
+              <a:t>알림</a:t>
+            </a:r>
+            <a:r>
+              <a:rPr lang="ko-KR" altLang="en-US" sz="1400" dirty="0"/>
+              <a:t>판</a:t>
+            </a:r>
+            <a:r>
+              <a:rPr lang="ko-KR" altLang="en-US" sz="1400" dirty="0" smtClean="0"/>
+              <a:t> </a:t>
+            </a:r>
+            <a:r>
+              <a:rPr lang="en-US" altLang="ko-KR" sz="1400" dirty="0" smtClean="0"/>
+              <a:t>&gt; </a:t>
+            </a:r>
+            <a:r>
+              <a:rPr lang="ko-KR" altLang="en-US" sz="1400" dirty="0" smtClean="0"/>
+              <a:t>홈</a:t>
+            </a:r>
+            <a:r>
+              <a:rPr lang="en-US" altLang="ko-KR" sz="1400" dirty="0"/>
+              <a:t/>
+            </a:r>
+            <a:br>
+              <a:rPr lang="en-US" altLang="ko-KR" sz="1400" dirty="0"/>
+            </a:br>
+            <a:endParaRPr lang="en-US" altLang="ko-KR" sz="1400" dirty="0" smtClean="0"/>
+          </a:p>
+          <a:p>
+            <a:pPr marL="0" indent="0">
+              <a:buFont typeface="Arial" panose="020B0604020202020204" pitchFamily="34" charset="0"/>
+              <a:buNone/>
+            </a:pPr>
+            <a:endParaRPr lang="en-US" altLang="ko-KR" sz="1600" dirty="0"/>
+          </a:p>
+        </p:txBody>
+      </p:sp>
+      <p:sp>
+        <p:nvSpPr>
+          <p:cNvPr id="13" name="모서리가 둥근 직사각형 12"/>
+          <p:cNvSpPr/>
+          <p:nvPr/>
+        </p:nvSpPr>
+        <p:spPr>
+          <a:xfrm>
+            <a:off x="820143" y="2695600"/>
+            <a:ext cx="1543050" cy="247917"/>
+          </a:xfrm>
+          <a:prstGeom prst="roundRect">
+            <a:avLst/>
+          </a:prstGeom>
+          <a:noFill/>
+          <a:ln w="57150">
+            <a:solidFill>
+              <a:srgbClr val="0070C0"/>
+            </a:solidFill>
+          </a:ln>
+        </p:spPr>
+        <p:style>
+          <a:lnRef idx="2">
+            <a:schemeClr val="accent1">
+              <a:shade val="50000"/>
+            </a:schemeClr>
+          </a:lnRef>
+          <a:fillRef idx="1">
+            <a:schemeClr val="accent1"/>
+          </a:fillRef>
+          <a:effectRef idx="0">
+            <a:schemeClr val="accent1"/>
+          </a:effectRef>
+          <a:fontRef idx="minor">
+            <a:schemeClr val="lt1"/>
+          </a:fontRef>
+        </p:style>
+        <p:txBody>
+          <a:bodyPr rtlCol="0" anchor="ctr"/>
+          <a:lstStyle/>
+          <a:p>
+            <a:pPr algn="ctr"/>
+            <a:endParaRPr lang="ko-KR" altLang="en-US" dirty="0"/>
+          </a:p>
+        </p:txBody>
+      </p:sp>
+      <p:sp>
+        <p:nvSpPr>
+          <p:cNvPr id="14" name="내용 개체 틀 3"/>
+          <p:cNvSpPr>
+            <a:spLocks noGrp="1"/>
+          </p:cNvSpPr>
+          <p:nvPr>
+            <p:ph sz="half" idx="2"/>
+          </p:nvPr>
+        </p:nvSpPr>
+        <p:spPr>
+          <a:xfrm>
+            <a:off x="231379" y="3573017"/>
+            <a:ext cx="3672408" cy="1026473"/>
+          </a:xfrm>
+          <a:ln w="38100">
+            <a:solidFill>
+              <a:srgbClr val="0070C0"/>
+            </a:solidFill>
+          </a:ln>
+        </p:spPr>
+        <p:txBody>
+          <a:bodyPr>
+            <a:normAutofit/>
+          </a:bodyPr>
+          <a:lstStyle/>
+          <a:p>
+            <a:pPr marL="0" indent="0">
+              <a:buNone/>
+            </a:pPr>
+            <a:r>
+              <a:rPr lang="en-US" altLang="ko-KR" sz="1200" b="1" dirty="0" smtClean="0">
+                <a:solidFill>
+                  <a:srgbClr val="0070C0"/>
+                </a:solidFill>
+              </a:rPr>
+              <a:t>※ </a:t>
+            </a:r>
+            <a:r>
+              <a:rPr lang="en-US" altLang="ko-KR" sz="1200" b="1" dirty="0" smtClean="0">
+                <a:solidFill>
+                  <a:srgbClr val="0070C0"/>
+                </a:solidFill>
+              </a:rPr>
+              <a:t>QA</a:t>
+            </a:r>
+          </a:p>
+          <a:p>
+            <a:pPr marL="0" indent="0">
+              <a:buNone/>
+            </a:pPr>
+            <a:r>
+              <a:rPr lang="en-US" altLang="ko-KR" sz="1200" b="1" dirty="0" smtClean="0">
+                <a:solidFill>
+                  <a:srgbClr val="0070C0"/>
+                </a:solidFill>
+              </a:rPr>
+              <a:t>&lt;jetpack&gt;</a:t>
+            </a:r>
+          </a:p>
+          <a:p>
+            <a:pPr>
+              <a:buFontTx/>
+              <a:buChar char="-"/>
+            </a:pPr>
+            <a:r>
+              <a:rPr lang="ko-KR" altLang="en-US" sz="1200" b="1" dirty="0" smtClean="0">
+                <a:solidFill>
+                  <a:srgbClr val="0070C0"/>
+                </a:solidFill>
+              </a:rPr>
+              <a:t>그래프클릭과 내용클릭으로 상세분석 가능</a:t>
+            </a:r>
+            <a:endParaRPr lang="en-US" altLang="ko-KR" sz="1200" b="1" dirty="0" smtClean="0">
+              <a:solidFill>
+                <a:srgbClr val="0070C0"/>
+              </a:solidFill>
+            </a:endParaRPr>
+          </a:p>
+          <a:p>
+            <a:pPr>
+              <a:buFontTx/>
+              <a:buChar char="-"/>
+            </a:pPr>
+            <a:r>
+              <a:rPr lang="ko-KR" altLang="en-US" sz="1200" b="1" dirty="0" smtClean="0">
+                <a:solidFill>
+                  <a:srgbClr val="0070C0"/>
+                </a:solidFill>
+              </a:rPr>
+              <a:t>왼쪽 </a:t>
+            </a:r>
+            <a:r>
+              <a:rPr lang="ko-KR" altLang="en-US" sz="1200" b="1" dirty="0" err="1" smtClean="0">
+                <a:solidFill>
+                  <a:srgbClr val="0070C0"/>
+                </a:solidFill>
+              </a:rPr>
+              <a:t>메뉴바</a:t>
+            </a:r>
+            <a:r>
+              <a:rPr lang="ko-KR" altLang="en-US" sz="1200" b="1" dirty="0" smtClean="0">
+                <a:solidFill>
+                  <a:srgbClr val="0070C0"/>
+                </a:solidFill>
+              </a:rPr>
+              <a:t> </a:t>
+            </a:r>
+            <a:r>
+              <a:rPr lang="en-US" altLang="ko-KR" sz="1200" b="1" dirty="0" smtClean="0">
+                <a:solidFill>
+                  <a:srgbClr val="0070C0"/>
+                </a:solidFill>
+              </a:rPr>
+              <a:t>&gt; </a:t>
+            </a:r>
+            <a:r>
+              <a:rPr lang="ko-KR" altLang="en-US" sz="1200" b="1" dirty="0" err="1" smtClean="0">
+                <a:solidFill>
+                  <a:srgbClr val="0070C0"/>
+                </a:solidFill>
+              </a:rPr>
+              <a:t>젯팩에서</a:t>
+            </a:r>
+            <a:r>
+              <a:rPr lang="ko-KR" altLang="en-US" sz="1200" b="1" dirty="0" smtClean="0">
+                <a:solidFill>
+                  <a:srgbClr val="0070C0"/>
+                </a:solidFill>
+              </a:rPr>
+              <a:t> 상세내용 분석 가능</a:t>
+            </a:r>
+            <a:endParaRPr lang="en-US" altLang="ko-KR" sz="1200" b="1" dirty="0">
+              <a:solidFill>
+                <a:srgbClr val="0070C0"/>
+              </a:solidFill>
+            </a:endParaRPr>
+          </a:p>
+          <a:p>
+            <a:endParaRPr lang="ko-KR" altLang="en-US" sz="2000" dirty="0"/>
+          </a:p>
+        </p:txBody>
+      </p:sp>
+      <p:sp>
+        <p:nvSpPr>
+          <p:cNvPr id="26" name="오른쪽 화살표 25"/>
+          <p:cNvSpPr/>
+          <p:nvPr/>
+        </p:nvSpPr>
+        <p:spPr>
+          <a:xfrm>
+            <a:off x="2380159" y="2560758"/>
+            <a:ext cx="1368153" cy="517599"/>
+          </a:xfrm>
+          <a:prstGeom prst="rightArrow">
+            <a:avLst/>
+          </a:prstGeom>
+          <a:solidFill>
+            <a:srgbClr val="0070C0"/>
+          </a:solidFill>
+          <a:ln>
+            <a:noFill/>
+          </a:ln>
+        </p:spPr>
+        <p:style>
+          <a:lnRef idx="2">
+            <a:schemeClr val="accent1">
+              <a:shade val="50000"/>
+            </a:schemeClr>
+          </a:lnRef>
+          <a:fillRef idx="1">
+            <a:schemeClr val="accent1"/>
+          </a:fillRef>
+          <a:effectRef idx="0">
+            <a:schemeClr val="accent1"/>
+          </a:effectRef>
+          <a:fontRef idx="minor">
+            <a:schemeClr val="lt1"/>
+          </a:fontRef>
+        </p:style>
+        <p:txBody>
+          <a:bodyPr rtlCol="0" anchor="ctr"/>
+          <a:lstStyle/>
+          <a:p>
+            <a:pPr algn="ctr"/>
+            <a:endParaRPr lang="ko-KR" altLang="en-US"/>
+          </a:p>
+        </p:txBody>
+      </p:sp>
+      <p:pic>
+        <p:nvPicPr>
+          <p:cNvPr id="2051" name="Picture 3"/>
+          <p:cNvPicPr>
+            <a:picLocks noChangeAspect="1" noChangeArrowheads="1"/>
+          </p:cNvPicPr>
+          <p:nvPr/>
+        </p:nvPicPr>
+        <p:blipFill>
+          <a:blip r:embed="rId4">
+            <a:extLst>
+              <a:ext uri="{28A0092B-C50C-407E-A947-70E740481C1C}">
+                <a14:useLocalDpi xmlns:a14="http://schemas.microsoft.com/office/drawing/2010/main" val="0"/>
+              </a:ext>
+            </a:extLst>
+          </a:blip>
+          <a:srcRect/>
+          <a:stretch>
+            <a:fillRect/>
+          </a:stretch>
+        </p:blipFill>
+        <p:spPr bwMode="auto">
+          <a:xfrm>
+            <a:off x="3923928" y="1603634"/>
+            <a:ext cx="3096344" cy="2617454"/>
+          </a:xfrm>
+          <a:prstGeom prst="rect">
+            <a:avLst/>
+          </a:prstGeom>
+          <a:noFill/>
+          <a:ln>
+            <a:noFill/>
+          </a:ln>
+          <a:extLst>
+            <a:ext uri="{909E8E84-426E-40DD-AFC4-6F175D3DCCD1}">
+              <a14:hiddenFill xmlns:a14="http://schemas.microsoft.com/office/drawing/2010/main">
+                <a:solidFill>
+                  <a:schemeClr val="accent1"/>
+                </a:solidFill>
+              </a14:hiddenFill>
+            </a:ext>
+            <a:ext uri="{91240B29-F687-4F45-9708-019B960494DF}">
+              <a14:hiddenLine xmlns:a14="http://schemas.microsoft.com/office/drawing/2010/main" w="9525">
+                <a:solidFill>
+                  <a:schemeClr val="tx1"/>
+                </a:solidFill>
+                <a:miter lim="800000"/>
+                <a:headEnd/>
+                <a:tailEnd/>
+              </a14:hiddenLine>
+            </a:ext>
+          </a:extLst>
+        </p:spPr>
+      </p:pic>
+      <p:pic>
+        <p:nvPicPr>
+          <p:cNvPr id="2052" name="Picture 4"/>
+          <p:cNvPicPr>
+            <a:picLocks noChangeAspect="1" noChangeArrowheads="1"/>
+          </p:cNvPicPr>
+          <p:nvPr/>
+        </p:nvPicPr>
+        <p:blipFill>
+          <a:blip r:embed="rId5">
+            <a:extLst>
+              <a:ext uri="{28A0092B-C50C-407E-A947-70E740481C1C}">
+                <a14:useLocalDpi xmlns:a14="http://schemas.microsoft.com/office/drawing/2010/main" val="0"/>
+              </a:ext>
+            </a:extLst>
+          </a:blip>
+          <a:srcRect/>
+          <a:stretch>
+            <a:fillRect/>
+          </a:stretch>
+        </p:blipFill>
+        <p:spPr bwMode="auto">
+          <a:xfrm>
+            <a:off x="3923928" y="3573017"/>
+            <a:ext cx="3096344" cy="3086446"/>
+          </a:xfrm>
+          <a:prstGeom prst="rect">
+            <a:avLst/>
+          </a:prstGeom>
+          <a:noFill/>
+          <a:ln>
+            <a:noFill/>
+          </a:ln>
+          <a:extLst>
+            <a:ext uri="{909E8E84-426E-40DD-AFC4-6F175D3DCCD1}">
+              <a14:hiddenFill xmlns:a14="http://schemas.microsoft.com/office/drawing/2010/main">
+                <a:solidFill>
+                  <a:schemeClr val="accent1"/>
+                </a:solidFill>
+              </a14:hiddenFill>
+            </a:ext>
+            <a:ext uri="{91240B29-F687-4F45-9708-019B960494DF}">
+              <a14:hiddenLine xmlns:a14="http://schemas.microsoft.com/office/drawing/2010/main" w="9525">
+                <a:solidFill>
+                  <a:schemeClr val="tx1"/>
+                </a:solidFill>
+                <a:miter lim="800000"/>
+                <a:headEnd/>
+                <a:tailEnd/>
+              </a14:hiddenLine>
+            </a:ext>
+          </a:extLst>
+        </p:spPr>
+      </p:pic>
+      <p:cxnSp>
+        <p:nvCxnSpPr>
+          <p:cNvPr id="4" name="직선 연결선 3"/>
+          <p:cNvCxnSpPr>
+            <a:stCxn id="14" idx="3"/>
+          </p:cNvCxnSpPr>
+          <p:nvPr/>
+        </p:nvCxnSpPr>
+        <p:spPr>
+          <a:xfrm flipV="1">
+            <a:off x="3903787" y="3078357"/>
+            <a:ext cx="1892349" cy="1007897"/>
+          </a:xfrm>
+          <a:prstGeom prst="line">
+            <a:avLst/>
+          </a:prstGeom>
+          <a:ln w="38100"/>
+        </p:spPr>
+        <p:style>
+          <a:lnRef idx="1">
+            <a:schemeClr val="accent1"/>
+          </a:lnRef>
+          <a:fillRef idx="0">
+            <a:schemeClr val="accent1"/>
+          </a:fillRef>
+          <a:effectRef idx="0">
+            <a:schemeClr val="accent1"/>
+          </a:effectRef>
+          <a:fontRef idx="minor">
+            <a:schemeClr val="tx1"/>
+          </a:fontRef>
+        </p:style>
+      </p:cxnSp>
+      <p:sp>
+        <p:nvSpPr>
+          <p:cNvPr id="21" name="내용 개체 틀 3"/>
+          <p:cNvSpPr>
+            <a:spLocks noGrp="1"/>
+          </p:cNvSpPr>
+          <p:nvPr>
+            <p:ph sz="half" idx="2"/>
+          </p:nvPr>
+        </p:nvSpPr>
+        <p:spPr>
+          <a:xfrm>
+            <a:off x="251520" y="5013176"/>
+            <a:ext cx="3672408" cy="1440160"/>
+          </a:xfrm>
+          <a:ln w="38100"/>
+        </p:spPr>
+        <p:style>
+          <a:lnRef idx="2">
+            <a:schemeClr val="accent2"/>
+          </a:lnRef>
+          <a:fillRef idx="1">
+            <a:schemeClr val="lt1"/>
+          </a:fillRef>
+          <a:effectRef idx="0">
+            <a:schemeClr val="accent2"/>
+          </a:effectRef>
+          <a:fontRef idx="minor">
+            <a:schemeClr val="dk1"/>
+          </a:fontRef>
+        </p:style>
+        <p:txBody>
+          <a:bodyPr>
+            <a:noAutofit/>
+          </a:bodyPr>
+          <a:lstStyle/>
+          <a:p>
+            <a:pPr marL="0" indent="0">
+              <a:buNone/>
+            </a:pPr>
+            <a:r>
+              <a:rPr lang="en-US" altLang="ko-KR" sz="1200" b="1" dirty="0" smtClean="0">
+                <a:solidFill>
+                  <a:srgbClr val="C00000"/>
+                </a:solidFill>
+              </a:rPr>
+              <a:t>※ </a:t>
+            </a:r>
+            <a:r>
+              <a:rPr lang="en-US" altLang="ko-KR" sz="1200" b="1" dirty="0" smtClean="0">
+                <a:solidFill>
+                  <a:srgbClr val="C00000"/>
+                </a:solidFill>
+              </a:rPr>
+              <a:t>QA</a:t>
+            </a:r>
+          </a:p>
+          <a:p>
+            <a:pPr marL="0" indent="0">
+              <a:buNone/>
+            </a:pPr>
+            <a:r>
+              <a:rPr lang="en-US" altLang="ko-KR" sz="1200" b="1" dirty="0" smtClean="0">
+                <a:solidFill>
+                  <a:srgbClr val="C00000"/>
+                </a:solidFill>
+              </a:rPr>
+              <a:t>&lt;Google Analytics&gt;</a:t>
+            </a:r>
+          </a:p>
+          <a:p>
+            <a:pPr>
+              <a:buFontTx/>
+              <a:buChar char="-"/>
+            </a:pPr>
+            <a:r>
+              <a:rPr lang="ko-KR" altLang="en-US" sz="1200" b="1" dirty="0" smtClean="0">
+                <a:solidFill>
+                  <a:srgbClr val="C00000"/>
+                </a:solidFill>
+              </a:rPr>
+              <a:t>위의 선택박스 변경으로 상세분석 가능</a:t>
+            </a:r>
+            <a:endParaRPr lang="en-US" altLang="ko-KR" sz="1200" b="1" dirty="0" smtClean="0">
+              <a:solidFill>
+                <a:srgbClr val="C00000"/>
+              </a:solidFill>
+            </a:endParaRPr>
+          </a:p>
+          <a:p>
+            <a:pPr>
+              <a:buFontTx/>
+              <a:buChar char="-"/>
+            </a:pPr>
+            <a:r>
+              <a:rPr lang="en-US" altLang="ko-KR" sz="1200" b="1" dirty="0">
+                <a:solidFill>
+                  <a:srgbClr val="C00000"/>
+                </a:solidFill>
+                <a:hlinkClick r:id="rId6"/>
+              </a:rPr>
+              <a:t>https://</a:t>
+            </a:r>
+            <a:r>
+              <a:rPr lang="en-US" altLang="ko-KR" sz="1200" b="1" dirty="0" smtClean="0">
+                <a:solidFill>
+                  <a:srgbClr val="C00000"/>
+                </a:solidFill>
+                <a:hlinkClick r:id="rId6"/>
+              </a:rPr>
+              <a:t>analytics.google.com/analytics/web</a:t>
+            </a:r>
+            <a:r>
+              <a:rPr lang="ko-KR" altLang="en-US" sz="1200" b="1" dirty="0" smtClean="0">
+                <a:solidFill>
+                  <a:srgbClr val="C00000"/>
+                </a:solidFill>
+              </a:rPr>
+              <a:t>사이트 에서 상세내용 분석가능</a:t>
+            </a:r>
+            <a:r>
+              <a:rPr lang="en-US" altLang="ko-KR" sz="1200" b="1" dirty="0">
+                <a:solidFill>
+                  <a:srgbClr val="C00000"/>
+                </a:solidFill>
+              </a:rPr>
+              <a:t/>
+            </a:r>
+            <a:br>
+              <a:rPr lang="en-US" altLang="ko-KR" sz="1200" b="1" dirty="0">
+                <a:solidFill>
+                  <a:srgbClr val="C00000"/>
+                </a:solidFill>
+              </a:rPr>
+            </a:br>
+            <a:r>
+              <a:rPr lang="ko-KR" altLang="en-US" sz="1200" b="1" dirty="0" smtClean="0">
+                <a:solidFill>
+                  <a:srgbClr val="C00000"/>
+                </a:solidFill>
+              </a:rPr>
+              <a:t>아이디 </a:t>
+            </a:r>
+            <a:r>
+              <a:rPr lang="en-US" altLang="ko-KR" sz="1200" b="1" dirty="0" smtClean="0">
+                <a:solidFill>
+                  <a:srgbClr val="C00000"/>
+                </a:solidFill>
+              </a:rPr>
+              <a:t>: </a:t>
+            </a:r>
+            <a:r>
+              <a:rPr lang="en-US" altLang="ko-KR" sz="1200" b="1" dirty="0" smtClean="0">
+                <a:solidFill>
+                  <a:srgbClr val="C00000"/>
+                </a:solidFill>
+                <a:hlinkClick r:id="rId7"/>
+              </a:rPr>
+              <a:t>selvi0213git@gmail.com</a:t>
+            </a:r>
+            <a:r>
+              <a:rPr lang="en-US" altLang="ko-KR" sz="1200" b="1" dirty="0" smtClean="0">
+                <a:solidFill>
+                  <a:srgbClr val="C00000"/>
+                </a:solidFill>
+              </a:rPr>
+              <a:t/>
+            </a:r>
+            <a:br>
+              <a:rPr lang="en-US" altLang="ko-KR" sz="1200" b="1" dirty="0" smtClean="0">
+                <a:solidFill>
+                  <a:srgbClr val="C00000"/>
+                </a:solidFill>
+              </a:rPr>
+            </a:br>
+            <a:r>
+              <a:rPr lang="ko-KR" altLang="en-US" sz="1200" b="1" dirty="0" smtClean="0">
+                <a:solidFill>
+                  <a:srgbClr val="C00000"/>
+                </a:solidFill>
+              </a:rPr>
+              <a:t>비밀번호 </a:t>
+            </a:r>
+            <a:r>
+              <a:rPr lang="en-US" altLang="ko-KR" sz="1200" b="1" dirty="0" smtClean="0">
+                <a:solidFill>
+                  <a:srgbClr val="C00000"/>
+                </a:solidFill>
+              </a:rPr>
+              <a:t>: selvi0213</a:t>
+            </a:r>
+          </a:p>
+        </p:txBody>
+      </p:sp>
+      <p:cxnSp>
+        <p:nvCxnSpPr>
+          <p:cNvPr id="23" name="직선 연결선 22"/>
+          <p:cNvCxnSpPr>
+            <a:stCxn id="21" idx="3"/>
+          </p:cNvCxnSpPr>
+          <p:nvPr/>
+        </p:nvCxnSpPr>
+        <p:spPr>
+          <a:xfrm flipV="1">
+            <a:off x="3923928" y="4518518"/>
+            <a:ext cx="1892349" cy="1214738"/>
+          </a:xfrm>
+          <a:prstGeom prst="line">
+            <a:avLst/>
+          </a:prstGeom>
+          <a:ln w="38100"/>
+        </p:spPr>
+        <p:style>
+          <a:lnRef idx="2">
+            <a:schemeClr val="accent2"/>
+          </a:lnRef>
+          <a:fillRef idx="1">
+            <a:schemeClr val="lt1"/>
+          </a:fillRef>
+          <a:effectRef idx="0">
+            <a:schemeClr val="accent2"/>
+          </a:effectRef>
+          <a:fontRef idx="minor">
+            <a:schemeClr val="dk1"/>
+          </a:fontRef>
+        </p:style>
+      </p:cxnSp>
+      <p:pic>
+        <p:nvPicPr>
+          <p:cNvPr id="2053" name="Picture 5"/>
+          <p:cNvPicPr>
+            <a:picLocks noChangeAspect="1" noChangeArrowheads="1"/>
+          </p:cNvPicPr>
+          <p:nvPr/>
+        </p:nvPicPr>
+        <p:blipFill>
+          <a:blip r:embed="rId8" cstate="print">
+            <a:extLst>
+              <a:ext uri="{28A0092B-C50C-407E-A947-70E740481C1C}">
+                <a14:useLocalDpi xmlns:a14="http://schemas.microsoft.com/office/drawing/2010/main" val="0"/>
+              </a:ext>
+            </a:extLst>
+          </a:blip>
+          <a:srcRect/>
+          <a:stretch>
+            <a:fillRect/>
+          </a:stretch>
+        </p:blipFill>
+        <p:spPr bwMode="auto">
+          <a:xfrm>
+            <a:off x="6876256" y="3582305"/>
+            <a:ext cx="1736998" cy="1337382"/>
+          </a:xfrm>
+          <a:prstGeom prst="rect">
+            <a:avLst/>
+          </a:prstGeom>
+          <a:noFill/>
+          <a:ln>
+            <a:noFill/>
+          </a:ln>
+          <a:extLst>
+            <a:ext uri="{909E8E84-426E-40DD-AFC4-6F175D3DCCD1}">
+              <a14:hiddenFill xmlns:a14="http://schemas.microsoft.com/office/drawing/2010/main">
+                <a:solidFill>
+                  <a:schemeClr val="accent1"/>
+                </a:solidFill>
+              </a14:hiddenFill>
+            </a:ext>
+            <a:ext uri="{91240B29-F687-4F45-9708-019B960494DF}">
+              <a14:hiddenLine xmlns:a14="http://schemas.microsoft.com/office/drawing/2010/main" w="9525">
+                <a:solidFill>
+                  <a:schemeClr val="tx1"/>
+                </a:solidFill>
+                <a:miter lim="800000"/>
+                <a:headEnd/>
+                <a:tailEnd/>
+              </a14:hiddenLine>
+            </a:ext>
+          </a:extLst>
+        </p:spPr>
+      </p:pic>
+      <p:pic>
+        <p:nvPicPr>
+          <p:cNvPr id="2054" name="Picture 6"/>
+          <p:cNvPicPr>
+            <a:picLocks noChangeAspect="1" noChangeArrowheads="1"/>
+          </p:cNvPicPr>
+          <p:nvPr/>
+        </p:nvPicPr>
+        <p:blipFill>
+          <a:blip r:embed="rId9" cstate="print">
+            <a:extLst>
+              <a:ext uri="{28A0092B-C50C-407E-A947-70E740481C1C}">
+                <a14:useLocalDpi xmlns:a14="http://schemas.microsoft.com/office/drawing/2010/main" val="0"/>
+              </a:ext>
+            </a:extLst>
+          </a:blip>
+          <a:srcRect/>
+          <a:stretch>
+            <a:fillRect/>
+          </a:stretch>
+        </p:blipFill>
+        <p:spPr bwMode="auto">
+          <a:xfrm>
+            <a:off x="6618311" y="4919687"/>
+            <a:ext cx="2252887" cy="1524012"/>
+          </a:xfrm>
+          <a:prstGeom prst="rect">
+            <a:avLst/>
+          </a:prstGeom>
+          <a:noFill/>
+          <a:ln>
+            <a:noFill/>
+          </a:ln>
+          <a:extLst>
+            <a:ext uri="{909E8E84-426E-40DD-AFC4-6F175D3DCCD1}">
+              <a14:hiddenFill xmlns:a14="http://schemas.microsoft.com/office/drawing/2010/main">
+                <a:solidFill>
+                  <a:schemeClr val="accent1"/>
+                </a:solidFill>
+              </a14:hiddenFill>
+            </a:ext>
+            <a:ext uri="{91240B29-F687-4F45-9708-019B960494DF}">
+              <a14:hiddenLine xmlns:a14="http://schemas.microsoft.com/office/drawing/2010/main" w="9525">
+                <a:solidFill>
+                  <a:schemeClr val="tx1"/>
+                </a:solidFill>
+                <a:miter lim="800000"/>
+                <a:headEnd/>
+                <a:tailEnd/>
+              </a14:hiddenLine>
+            </a:ext>
+          </a:extLst>
+        </p:spPr>
+      </p:pic>
+    </p:spTree>
+    <p:extLst>
+      <p:ext uri="{BB962C8B-B14F-4D97-AF65-F5344CB8AC3E}">
+        <p14:creationId xmlns:p14="http://schemas.microsoft.com/office/powerpoint/2010/main" val="577322733"/>
+      </p:ext>
+    </p:extLst>
+  </p:cSld>
+  <p:clrMapOvr>
+    <a:masterClrMapping/>
+  </p:clrMapOvr>
+  <p:timing>
+    <p:tnLst>
+      <p:par>
+        <p:cTn id="1" dur="indefinite" restart="never" nodeType="tmRoot"/>
+      </p:par>
+    </p:tnLst>
+  </p:timing>
+</p:sld>
+</file>
+
 <file path=ppt/slides/slide2.xml><?xml version="1.0" encoding="utf-8"?>
 <p:sld xmlns:a="http://schemas.openxmlformats.org/drawingml/2006/main" xmlns:r="http://schemas.openxmlformats.org/officeDocument/2006/relationships" xmlns:p="http://schemas.openxmlformats.org/presentationml/2006/main">
   <p:cSld>
@@ -9813,7 +10987,13 @@
               <a:rPr lang="ko-KR" altLang="en-US" dirty="0" smtClean="0">
                 <a:hlinkClick r:id="rId7" action="ppaction://hlinksldjump"/>
               </a:rPr>
-              <a:t>사이트 통계분석 관리</a:t>
+              <a:t>사이트 통계분석 </a:t>
+            </a:r>
+            <a:r>
+              <a:rPr lang="ko-KR" altLang="en-US" dirty="0" smtClean="0">
+                <a:hlinkClick r:id="rId7" action="ppaction://hlinksldjump"/>
+              </a:rPr>
+              <a:t>관리</a:t>
             </a:r>
             <a:endParaRPr lang="en-US" altLang="ko-KR" dirty="0" smtClean="0"/>
           </a:p>
@@ -12117,7 +13297,7 @@
         </p:nvSpPr>
         <p:spPr>
           <a:xfrm>
-            <a:off x="4438328" y="1600200"/>
+            <a:off x="251520" y="1600200"/>
             <a:ext cx="4038600" cy="4525963"/>
           </a:xfrm>
         </p:spPr>
@@ -12130,7 +13310,7 @@
             </a:pPr>
             <a:r>
               <a:rPr lang="en-US" altLang="ko-KR" sz="1600" dirty="0"/>
-              <a:t>7</a:t>
+              <a:t>6</a:t>
             </a:r>
             <a:r>
               <a:rPr lang="en-US" altLang="ko-KR" sz="1600" dirty="0" smtClean="0"/>
@@ -12165,38 +13345,12 @@
               </a:buBlip>
             </a:pPr>
             <a:r>
-              <a:rPr lang="en-US" altLang="ko-KR" sz="1400" dirty="0" smtClean="0"/>
-              <a:t>‘</a:t>
-            </a:r>
-            <a:r>
               <a:rPr lang="ko-KR" altLang="en-US" sz="1400" dirty="0" smtClean="0"/>
-              <a:t>이곳에 내용을 입력하세요</a:t>
-            </a:r>
-            <a:r>
-              <a:rPr lang="en-US" altLang="ko-KR" sz="1400" dirty="0" smtClean="0"/>
-              <a:t>’</a:t>
+              <a:t>내용 </a:t>
             </a:r>
             <a:r>
               <a:rPr lang="ko-KR" altLang="en-US" sz="1400" dirty="0" smtClean="0"/>
-              <a:t>를 지우고</a:t>
-            </a:r>
-            <a:endParaRPr lang="en-US" altLang="ko-KR" sz="1400" dirty="0" smtClean="0"/>
-          </a:p>
-          <a:p>
-            <a:pPr marL="457200" lvl="1" indent="0">
-              <a:buNone/>
-            </a:pPr>
-            <a:r>
-              <a:rPr lang="en-US" altLang="ko-KR" sz="1400" dirty="0"/>
-              <a:t> </a:t>
-            </a:r>
-            <a:r>
-              <a:rPr lang="en-US" altLang="ko-KR" sz="1400" dirty="0" smtClean="0"/>
-              <a:t>    </a:t>
-            </a:r>
-            <a:r>
-              <a:rPr lang="ko-KR" altLang="en-US" sz="1400" dirty="0" smtClean="0"/>
-              <a:t>내용 및 미디어 입력</a:t>
+              <a:t>및 미디어 입력</a:t>
             </a:r>
             <a:endParaRPr lang="en-US" altLang="ko-KR" sz="1400" dirty="0" smtClean="0"/>
           </a:p>
@@ -12276,7 +13430,7 @@
         </p:blipFill>
         <p:spPr bwMode="auto">
           <a:xfrm>
-            <a:off x="4936765" y="4893839"/>
+            <a:off x="749957" y="4893839"/>
             <a:ext cx="3442416" cy="1468358"/>
           </a:xfrm>
           <a:prstGeom prst="rect">
@@ -12315,7 +13469,7 @@
         </p:nvSpPr>
         <p:spPr>
           <a:xfrm>
-            <a:off x="4935338" y="4894819"/>
+            <a:off x="748530" y="4894819"/>
             <a:ext cx="649500" cy="223984"/>
           </a:xfrm>
           <a:prstGeom prst="roundRect">
@@ -12361,8 +13515,8 @@
         </p:nvSpPr>
         <p:spPr>
           <a:xfrm>
-            <a:off x="4967101" y="5628018"/>
-            <a:ext cx="1193799" cy="223984"/>
+            <a:off x="780293" y="5628018"/>
+            <a:ext cx="3412080" cy="537286"/>
           </a:xfrm>
           <a:prstGeom prst="roundRect">
             <a:avLst/>
@@ -12407,7 +13561,7 @@
         </p:nvSpPr>
         <p:spPr>
           <a:xfrm>
-            <a:off x="7529053" y="4905944"/>
+            <a:off x="5364621" y="4905944"/>
             <a:ext cx="649500" cy="223984"/>
           </a:xfrm>
           <a:prstGeom prst="roundRect">
@@ -12453,8 +13607,8 @@
         </p:nvSpPr>
         <p:spPr>
           <a:xfrm rot="5400000">
-            <a:off x="6018700" y="3841004"/>
-            <a:ext cx="1278544" cy="517599"/>
+            <a:off x="1686830" y="3695943"/>
+            <a:ext cx="1568667" cy="517599"/>
           </a:xfrm>
           <a:prstGeom prst="rightArrow">
             <a:avLst/>
@@ -12503,7 +13657,7 @@
         </p:nvSpPr>
         <p:spPr>
           <a:xfrm>
-            <a:off x="461392" y="1628800"/>
+            <a:off x="4499992" y="1628800"/>
             <a:ext cx="4038600" cy="4525963"/>
           </a:xfrm>
         </p:spPr>
@@ -12516,7 +13670,7 @@
             </a:pPr>
             <a:r>
               <a:rPr lang="en-US" altLang="ko-KR" sz="1600" dirty="0"/>
-              <a:t>6</a:t>
+              <a:t>7</a:t>
             </a:r>
             <a:r>
               <a:rPr lang="en-US" altLang="ko-KR" sz="1600" dirty="0" smtClean="0"/>
@@ -12633,7 +13787,7 @@
         </p:blipFill>
         <p:spPr bwMode="auto">
           <a:xfrm>
-            <a:off x="1090606" y="2562618"/>
+            <a:off x="5129206" y="2562618"/>
             <a:ext cx="2523000" cy="1215578"/>
           </a:xfrm>
           <a:prstGeom prst="rect">
@@ -12672,7 +13826,7 @@
         </p:nvSpPr>
         <p:spPr>
           <a:xfrm>
-            <a:off x="3234522" y="2665512"/>
+            <a:off x="7273122" y="2665512"/>
             <a:ext cx="405566" cy="294944"/>
           </a:xfrm>
           <a:prstGeom prst="roundRect">
@@ -12718,8 +13872,8 @@
         </p:nvSpPr>
         <p:spPr>
           <a:xfrm>
-            <a:off x="1090606" y="3489131"/>
-            <a:ext cx="3168352" cy="1446550"/>
+            <a:off x="5129206" y="3489131"/>
+            <a:ext cx="3168352" cy="1277273"/>
           </a:xfrm>
           <a:prstGeom prst="rect">
             <a:avLst/>
@@ -12744,12 +13898,6 @@
             <a:spAutoFit/>
           </a:bodyPr>
           <a:lstStyle/>
-          <a:p>
-            <a:r>
-              <a:rPr lang="ko-KR" altLang="en-US" sz="1100" dirty="0" smtClean="0"/>
-              <a:t>이곳에 내용을 입력하세요</a:t>
-            </a:r>
-          </a:p>
           <a:p>
             <a:r>
               <a:rPr lang="en-US" altLang="ko-KR" sz="1100" dirty="0" smtClean="0"/>
@@ -12854,7 +14002,7 @@
         </p:blipFill>
         <p:spPr bwMode="auto">
           <a:xfrm>
-            <a:off x="1103370" y="5185792"/>
+            <a:off x="5141970" y="5185792"/>
             <a:ext cx="3112782" cy="1249283"/>
           </a:xfrm>
           <a:prstGeom prst="rect">
@@ -12893,7 +14041,7 @@
         </p:nvSpPr>
         <p:spPr>
           <a:xfrm>
-            <a:off x="1031361" y="5391835"/>
+            <a:off x="5069961" y="5391835"/>
             <a:ext cx="3112783" cy="998961"/>
           </a:xfrm>
           <a:prstGeom prst="roundRect">
@@ -12939,7 +14087,7 @@
         </p:nvSpPr>
         <p:spPr>
           <a:xfrm rot="5400000">
-            <a:off x="1994087" y="4886144"/>
+            <a:off x="6032687" y="4886144"/>
             <a:ext cx="1095631" cy="517599"/>
           </a:xfrm>
           <a:prstGeom prst="rightArrow">
@@ -13137,11 +14285,7 @@
             </a:pPr>
             <a:r>
               <a:rPr lang="en-US" altLang="ko-KR" sz="1600" dirty="0" smtClean="0"/>
-              <a:t>10. </a:t>
-            </a:r>
-            <a:r>
-              <a:rPr lang="en-US" altLang="ko-KR" sz="1600" dirty="0" smtClean="0"/>
-              <a:t>    </a:t>
+              <a:t>10.     </a:t>
             </a:r>
             <a:r>
               <a:rPr lang="ko-KR" altLang="en-US" sz="1600" dirty="0" smtClean="0"/>
